--- a/Week2/Day1/FullStackWithReactAndExpress.pptx
+++ b/Week2/Day1/FullStackWithReactAndExpress.pptx
@@ -22,19 +22,6 @@
     <p:sldId id="267" r:id="rId19"/>
     <p:sldId id="268" r:id="rId20"/>
     <p:sldId id="269" r:id="rId21"/>
-    <p:sldId id="270" r:id="rId22"/>
-    <p:sldId id="271" r:id="rId23"/>
-    <p:sldId id="272" r:id="rId24"/>
-    <p:sldId id="273" r:id="rId25"/>
-    <p:sldId id="274" r:id="rId26"/>
-    <p:sldId id="275" r:id="rId27"/>
-    <p:sldId id="276" r:id="rId28"/>
-    <p:sldId id="277" r:id="rId29"/>
-    <p:sldId id="278" r:id="rId30"/>
-    <p:sldId id="279" r:id="rId31"/>
-    <p:sldId id="280" r:id="rId32"/>
-    <p:sldId id="281" r:id="rId33"/>
-    <p:sldId id="282" r:id="rId34"/>
   </p:sldIdLst>
   <p:sldSz cx="9144000" cy="5143500"/>
   <p:notesSz cx="6858000" cy="9144000"/>
@@ -89,10 +76,10 @@
         </a:solidFill>
         <a:effectLst/>
         <a:uFillTx/>
-        <a:latin typeface="+mj-lt"/>
-        <a:ea typeface="+mj-ea"/>
-        <a:cs typeface="+mj-cs"/>
-        <a:sym typeface="Arial"/>
+        <a:latin typeface="+mn-lt"/>
+        <a:ea typeface="+mn-ea"/>
+        <a:cs typeface="+mn-cs"/>
+        <a:sym typeface="Helvetica"/>
       </a:defRPr>
     </a:lvl1pPr>
     <a:lvl2pPr marL="0" marR="0" indent="0" algn="l" defTabSz="914400" rtl="0" fontAlgn="auto" latinLnBrk="0" hangingPunct="0">
@@ -119,10 +106,10 @@
         </a:solidFill>
         <a:effectLst/>
         <a:uFillTx/>
-        <a:latin typeface="+mj-lt"/>
-        <a:ea typeface="+mj-ea"/>
-        <a:cs typeface="+mj-cs"/>
-        <a:sym typeface="Arial"/>
+        <a:latin typeface="+mn-lt"/>
+        <a:ea typeface="+mn-ea"/>
+        <a:cs typeface="+mn-cs"/>
+        <a:sym typeface="Helvetica"/>
       </a:defRPr>
     </a:lvl2pPr>
     <a:lvl3pPr marL="0" marR="0" indent="0" algn="l" defTabSz="914400" rtl="0" fontAlgn="auto" latinLnBrk="0" hangingPunct="0">
@@ -149,10 +136,10 @@
         </a:solidFill>
         <a:effectLst/>
         <a:uFillTx/>
-        <a:latin typeface="+mj-lt"/>
-        <a:ea typeface="+mj-ea"/>
-        <a:cs typeface="+mj-cs"/>
-        <a:sym typeface="Arial"/>
+        <a:latin typeface="+mn-lt"/>
+        <a:ea typeface="+mn-ea"/>
+        <a:cs typeface="+mn-cs"/>
+        <a:sym typeface="Helvetica"/>
       </a:defRPr>
     </a:lvl3pPr>
     <a:lvl4pPr marL="0" marR="0" indent="0" algn="l" defTabSz="914400" rtl="0" fontAlgn="auto" latinLnBrk="0" hangingPunct="0">
@@ -179,10 +166,10 @@
         </a:solidFill>
         <a:effectLst/>
         <a:uFillTx/>
-        <a:latin typeface="+mj-lt"/>
-        <a:ea typeface="+mj-ea"/>
-        <a:cs typeface="+mj-cs"/>
-        <a:sym typeface="Arial"/>
+        <a:latin typeface="+mn-lt"/>
+        <a:ea typeface="+mn-ea"/>
+        <a:cs typeface="+mn-cs"/>
+        <a:sym typeface="Helvetica"/>
       </a:defRPr>
     </a:lvl4pPr>
     <a:lvl5pPr marL="0" marR="0" indent="0" algn="l" defTabSz="914400" rtl="0" fontAlgn="auto" latinLnBrk="0" hangingPunct="0">
@@ -209,10 +196,10 @@
         </a:solidFill>
         <a:effectLst/>
         <a:uFillTx/>
-        <a:latin typeface="+mj-lt"/>
-        <a:ea typeface="+mj-ea"/>
-        <a:cs typeface="+mj-cs"/>
-        <a:sym typeface="Arial"/>
+        <a:latin typeface="+mn-lt"/>
+        <a:ea typeface="+mn-ea"/>
+        <a:cs typeface="+mn-cs"/>
+        <a:sym typeface="Helvetica"/>
       </a:defRPr>
     </a:lvl5pPr>
     <a:lvl6pPr marL="0" marR="0" indent="0" algn="l" defTabSz="914400" rtl="0" fontAlgn="auto" latinLnBrk="0" hangingPunct="0">
@@ -239,10 +226,10 @@
         </a:solidFill>
         <a:effectLst/>
         <a:uFillTx/>
-        <a:latin typeface="+mj-lt"/>
-        <a:ea typeface="+mj-ea"/>
-        <a:cs typeface="+mj-cs"/>
-        <a:sym typeface="Arial"/>
+        <a:latin typeface="+mn-lt"/>
+        <a:ea typeface="+mn-ea"/>
+        <a:cs typeface="+mn-cs"/>
+        <a:sym typeface="Helvetica"/>
       </a:defRPr>
     </a:lvl6pPr>
     <a:lvl7pPr marL="0" marR="0" indent="0" algn="l" defTabSz="914400" rtl="0" fontAlgn="auto" latinLnBrk="0" hangingPunct="0">
@@ -269,10 +256,10 @@
         </a:solidFill>
         <a:effectLst/>
         <a:uFillTx/>
-        <a:latin typeface="+mj-lt"/>
-        <a:ea typeface="+mj-ea"/>
-        <a:cs typeface="+mj-cs"/>
-        <a:sym typeface="Arial"/>
+        <a:latin typeface="+mn-lt"/>
+        <a:ea typeface="+mn-ea"/>
+        <a:cs typeface="+mn-cs"/>
+        <a:sym typeface="Helvetica"/>
       </a:defRPr>
     </a:lvl7pPr>
     <a:lvl8pPr marL="0" marR="0" indent="0" algn="l" defTabSz="914400" rtl="0" fontAlgn="auto" latinLnBrk="0" hangingPunct="0">
@@ -299,10 +286,10 @@
         </a:solidFill>
         <a:effectLst/>
         <a:uFillTx/>
-        <a:latin typeface="+mj-lt"/>
-        <a:ea typeface="+mj-ea"/>
-        <a:cs typeface="+mj-cs"/>
-        <a:sym typeface="Arial"/>
+        <a:latin typeface="+mn-lt"/>
+        <a:ea typeface="+mn-ea"/>
+        <a:cs typeface="+mn-cs"/>
+        <a:sym typeface="Helvetica"/>
       </a:defRPr>
     </a:lvl8pPr>
     <a:lvl9pPr marL="0" marR="0" indent="0" algn="l" defTabSz="914400" rtl="0" fontAlgn="auto" latinLnBrk="0" hangingPunct="0">
@@ -329,10 +316,10 @@
         </a:solidFill>
         <a:effectLst/>
         <a:uFillTx/>
-        <a:latin typeface="+mj-lt"/>
-        <a:ea typeface="+mj-ea"/>
-        <a:cs typeface="+mj-cs"/>
-        <a:sym typeface="Arial"/>
+        <a:latin typeface="+mn-lt"/>
+        <a:ea typeface="+mn-ea"/>
+        <a:cs typeface="+mn-cs"/>
+        <a:sym typeface="Helvetica"/>
       </a:defRPr>
     </a:lvl9pPr>
   </p:defaultTextStyle>
@@ -509,7 +496,7 @@
       </p:grpSpPr>
       <p:sp>
         <p:nvSpPr>
-          <p:cNvPr id="223" name="Shape 223"/>
+          <p:cNvPr id="229" name="Shape 229"/>
           <p:cNvSpPr/>
           <p:nvPr>
             <p:ph type="sldImg"/>
@@ -530,7 +517,7 @@
       </p:sp>
       <p:sp>
         <p:nvSpPr>
-          <p:cNvPr id="224" name="Shape 224"/>
+          <p:cNvPr id="230" name="Shape 230"/>
           <p:cNvSpPr/>
           <p:nvPr>
             <p:ph type="body" sz="quarter" idx="1"/>
@@ -545,7 +532,7 @@
           <a:bodyPr/>
           <a:lstStyle/>
           <a:p>
-            <a:pPr indent="457200" algn="just">
+            <a:pPr algn="just">
               <a:lnSpc>
                 <a:spcPct val="125000"/>
               </a:lnSpc>
@@ -557,19 +544,49 @@
               </a:defRPr>
             </a:pPr>
             <a:r>
-              <a:t>Heroku specifies which port to listen for HTTP requests on. We, therefore, can’t choose which port we want to use in the production environment. Consequently, we need to modify our code so that it gets a port number from Heroku and dynamically binds to the port in the production environment. We do this by modifying the code where we set up our server. We would usually have a line of code in this file that says something like, </a:t>
-            </a:r>
-            <a:r>
-              <a:rPr>
-                <a:latin typeface="Consolas"/>
-                <a:ea typeface="Consolas"/>
-                <a:cs typeface="Consolas"/>
-                <a:sym typeface="Consolas"/>
-              </a:rPr>
-              <a:t>app.listen(3001)</a:t>
-            </a:r>
-            <a:r>
-              <a:t>. We change this code as shown below:</a:t>
+              <a:t>To specify that the Express app is the proxy, do the following: </a:t>
+            </a:r>
+          </a:p>
+          <a:p>
+            <a:pPr marL="457200" indent="-298450" algn="just">
+              <a:lnSpc>
+                <a:spcPct val="125000"/>
+              </a:lnSpc>
+              <a:buClr>
+                <a:srgbClr val="000000"/>
+              </a:buClr>
+              <a:buSzPts val="1100"/>
+              <a:buAutoNum type="arabicPeriod" startAt="1"/>
+              <a:defRPr sz="1100">
+                <a:latin typeface="Montserrat Light"/>
+                <a:ea typeface="Montserrat Light"/>
+                <a:cs typeface="Montserrat Light"/>
+                <a:sym typeface="Montserrat Light"/>
+              </a:defRPr>
+            </a:pPr>
+            <a:r>
+              <a:t>Open the package.json file of your React app. Be careful here. Open the package.json file for your React app, not for your Express app. </a:t>
+            </a:r>
+          </a:p>
+          <a:p>
+            <a:pPr marL="457200" indent="-298450" algn="just">
+              <a:lnSpc>
+                <a:spcPct val="125000"/>
+              </a:lnSpc>
+              <a:buClr>
+                <a:srgbClr val="000000"/>
+              </a:buClr>
+              <a:buSzPts val="1100"/>
+              <a:buAutoNum type="arabicPeriod" startAt="1"/>
+              <a:defRPr sz="1100">
+                <a:latin typeface="Montserrat Light"/>
+                <a:ea typeface="Montserrat Light"/>
+                <a:cs typeface="Montserrat Light"/>
+                <a:sym typeface="Montserrat Light"/>
+              </a:defRPr>
+            </a:pPr>
+            <a:r>
+              <a:t>Add the proxy information to the package.json file as shown below. Make sure that the port you specify is the same port number that you configured for the Express app. Also, make sure that the React and Express apps are working on different ports (you will have to modify at least one of them because both listen on Port 3000 by default).</a:t>
             </a:r>
           </a:p>
           <a:p>
@@ -577,14 +594,16 @@
               <a:lnSpc>
                 <a:spcPct val="125000"/>
               </a:lnSpc>
-              <a:defRPr sz="1100"/>
+              <a:defRPr sz="1100">
+                <a:latin typeface="Montserrat Light"/>
+                <a:ea typeface="Montserrat Light"/>
+                <a:cs typeface="Montserrat Light"/>
+                <a:sym typeface="Montserrat Light"/>
+              </a:defRPr>
             </a:pPr>
-            <a:endParaRPr>
-              <a:latin typeface="Montserrat Light"/>
-              <a:ea typeface="Montserrat Light"/>
-              <a:cs typeface="Montserrat Light"/>
-              <a:sym typeface="Montserrat Light"/>
-            </a:endParaRPr>
+            <a:r>
+              <a:t>	</a:t>
+            </a:r>
           </a:p>
           <a:p>
             <a:pPr indent="457200" algn="just">
@@ -599,65 +618,7 @@
               </a:defRPr>
             </a:pPr>
             <a:r>
-              <a:t>const PORT = process.env.PORT || 3001;</a:t>
-            </a:r>
-          </a:p>
-          <a:p>
-            <a:pPr indent="457200" algn="just">
-              <a:lnSpc>
-                <a:spcPct val="125000"/>
-              </a:lnSpc>
-              <a:defRPr sz="1100">
-                <a:latin typeface="Consolas"/>
-                <a:ea typeface="Consolas"/>
-                <a:cs typeface="Consolas"/>
-                <a:sym typeface="Consolas"/>
-              </a:defRPr>
-            </a:pPr>
-            <a:r>
-              <a:t>app.listen(PORT);</a:t>
-            </a:r>
-          </a:p>
-          <a:p>
-            <a:pPr indent="457200" algn="just">
-              <a:lnSpc>
-                <a:spcPct val="125000"/>
-              </a:lnSpc>
-              <a:defRPr sz="1100"/>
-            </a:pPr>
-            <a:endParaRPr>
-              <a:latin typeface="Montserrat Light"/>
-              <a:ea typeface="Montserrat Light"/>
-              <a:cs typeface="Montserrat Light"/>
-              <a:sym typeface="Montserrat Light"/>
-            </a:endParaRPr>
-          </a:p>
-          <a:p>
-            <a:pPr indent="457200" algn="just">
-              <a:lnSpc>
-                <a:spcPct val="125000"/>
-              </a:lnSpc>
-              <a:defRPr sz="1100">
-                <a:latin typeface="Montserrat Light"/>
-                <a:ea typeface="Montserrat Light"/>
-                <a:cs typeface="Montserrat Light"/>
-                <a:sym typeface="Montserrat Light"/>
-              </a:defRPr>
-            </a:pPr>
-            <a:r>
-              <a:t>As shown in the code above, instead of hard-coding a port number, we create a variable that is assigned a number based on the process.env.PORT value. Process.env is used to access environment variables, i.e. variables that are set by the underlying runtime environment. The </a:t>
-            </a:r>
-            <a:r>
-              <a:rPr>
-                <a:latin typeface="Consolas"/>
-                <a:ea typeface="Consolas"/>
-                <a:cs typeface="Consolas"/>
-                <a:sym typeface="Consolas"/>
-              </a:rPr>
-              <a:t>process.env.PORT</a:t>
-            </a:r>
-            <a:r>
-              <a:t> value will only be assigned in the production environment (by Heroku) and not in the development environment (the PC you are using to develop your app). We, therefore, have an or ( || ) statement that sets the port value (to 3001 in this example) that we will use in the development environment. </a:t>
+              <a:t>"proxy": "http://localhost:3001"</a:t>
             </a:r>
           </a:p>
         </p:txBody>
@@ -689,7 +650,7 @@
       </p:grpSpPr>
       <p:sp>
         <p:nvSpPr>
-          <p:cNvPr id="292" name="Shape 292"/>
+          <p:cNvPr id="288" name="Shape 288"/>
           <p:cNvSpPr/>
           <p:nvPr>
             <p:ph type="sldImg"/>
@@ -710,7 +671,7 @@
       </p:sp>
       <p:sp>
         <p:nvSpPr>
-          <p:cNvPr id="293" name="Shape 293"/>
+          <p:cNvPr id="289" name="Shape 289"/>
           <p:cNvSpPr/>
           <p:nvPr>
             <p:ph type="body" sz="quarter" idx="1"/>
@@ -739,1200 +700,7 @@
           <a:p>
             <a:pPr/>
             <a:r>
-              <a:t>You are already familiar with the Fetch API. It provides an interface for asynchronously fetching resources. </a:t>
-            </a:r>
-          </a:p>
-        </p:txBody>
-      </p:sp>
-    </p:spTree>
-  </p:cSld>
-  <p:clrMapOvr>
-    <a:masterClrMapping/>
-  </p:clrMapOvr>
-</p:notes>
-</file>
-
-<file path=ppt/notesSlides/notesSlide11.xml><?xml version="1.0" encoding="utf-8"?>
-<p:notes xmlns:a="http://schemas.openxmlformats.org/drawingml/2006/main" xmlns:r="http://schemas.openxmlformats.org/officeDocument/2006/relationships" xmlns:p="http://schemas.openxmlformats.org/presentationml/2006/main" xmlns:m="http://schemas.openxmlformats.org/officeDocument/2006/math" xmlns:a14="http://schemas.microsoft.com/office/drawing/2010/main" showMasterSp="1" showMasterPhAnim="1">
-  <p:cSld>
-    <p:spTree>
-      <p:nvGrpSpPr>
-        <p:cNvPr id="1" name=""/>
-        <p:cNvGrpSpPr/>
-        <p:nvPr/>
-      </p:nvGrpSpPr>
-      <p:grpSpPr>
-        <a:xfrm>
-          <a:off x="0" y="0"/>
-          <a:ext cx="0" cy="0"/>
-          <a:chOff x="0" y="0"/>
-          <a:chExt cx="0" cy="0"/>
-        </a:xfrm>
-      </p:grpSpPr>
-      <p:sp>
-        <p:nvSpPr>
-          <p:cNvPr id="299" name="Shape 299"/>
-          <p:cNvSpPr/>
-          <p:nvPr>
-            <p:ph type="sldImg"/>
-          </p:nvPr>
-        </p:nvSpPr>
-        <p:spPr>
-          <a:prstGeom prst="rect">
-            <a:avLst/>
-          </a:prstGeom>
-        </p:spPr>
-        <p:txBody>
-          <a:bodyPr/>
-          <a:lstStyle/>
-          <a:p>
-            <a:pPr/>
-          </a:p>
-        </p:txBody>
-      </p:sp>
-      <p:sp>
-        <p:nvSpPr>
-          <p:cNvPr id="300" name="Shape 300"/>
-          <p:cNvSpPr/>
-          <p:nvPr>
-            <p:ph type="body" sz="quarter" idx="1"/>
-          </p:nvPr>
-        </p:nvSpPr>
-        <p:spPr>
-          <a:prstGeom prst="rect">
-            <a:avLst/>
-          </a:prstGeom>
-        </p:spPr>
-        <p:txBody>
-          <a:bodyPr/>
-          <a:lstStyle>
-            <a:lvl1pPr algn="just">
-              <a:lnSpc>
-                <a:spcPct val="125000"/>
-              </a:lnSpc>
-              <a:defRPr sz="1100">
-                <a:latin typeface="Montserrat Light"/>
-                <a:ea typeface="Montserrat Light"/>
-                <a:cs typeface="Montserrat Light"/>
-                <a:sym typeface="Montserrat Light"/>
-              </a:defRPr>
-            </a:lvl1pPr>
-          </a:lstStyle>
-          <a:p>
-            <a:pPr/>
-            <a:r>
-              <a:t>You are already familiar with the Fetch API. It provides an interface for asynchronously fetching resources. </a:t>
-            </a:r>
-          </a:p>
-        </p:txBody>
-      </p:sp>
-    </p:spTree>
-  </p:cSld>
-  <p:clrMapOvr>
-    <a:masterClrMapping/>
-  </p:clrMapOvr>
-</p:notes>
-</file>
-
-<file path=ppt/notesSlides/notesSlide12.xml><?xml version="1.0" encoding="utf-8"?>
-<p:notes xmlns:a="http://schemas.openxmlformats.org/drawingml/2006/main" xmlns:r="http://schemas.openxmlformats.org/officeDocument/2006/relationships" xmlns:p="http://schemas.openxmlformats.org/presentationml/2006/main" xmlns:m="http://schemas.openxmlformats.org/officeDocument/2006/math" xmlns:a14="http://schemas.microsoft.com/office/drawing/2010/main" showMasterSp="1" showMasterPhAnim="1">
-  <p:cSld>
-    <p:spTree>
-      <p:nvGrpSpPr>
-        <p:cNvPr id="1" name=""/>
-        <p:cNvGrpSpPr/>
-        <p:nvPr/>
-      </p:nvGrpSpPr>
-      <p:grpSpPr>
-        <a:xfrm>
-          <a:off x="0" y="0"/>
-          <a:ext cx="0" cy="0"/>
-          <a:chOff x="0" y="0"/>
-          <a:chExt cx="0" cy="0"/>
-        </a:xfrm>
-      </p:grpSpPr>
-      <p:sp>
-        <p:nvSpPr>
-          <p:cNvPr id="304" name="Shape 304"/>
-          <p:cNvSpPr/>
-          <p:nvPr>
-            <p:ph type="sldImg"/>
-          </p:nvPr>
-        </p:nvSpPr>
-        <p:spPr>
-          <a:prstGeom prst="rect">
-            <a:avLst/>
-          </a:prstGeom>
-        </p:spPr>
-        <p:txBody>
-          <a:bodyPr/>
-          <a:lstStyle/>
-          <a:p>
-            <a:pPr/>
-          </a:p>
-        </p:txBody>
-      </p:sp>
-      <p:sp>
-        <p:nvSpPr>
-          <p:cNvPr id="305" name="Shape 305"/>
-          <p:cNvSpPr/>
-          <p:nvPr>
-            <p:ph type="body" sz="quarter" idx="1"/>
-          </p:nvPr>
-        </p:nvSpPr>
-        <p:spPr>
-          <a:prstGeom prst="rect">
-            <a:avLst/>
-          </a:prstGeom>
-        </p:spPr>
-        <p:txBody>
-          <a:bodyPr/>
-          <a:lstStyle/>
-          <a:p>
-            <a:pPr algn="just">
-              <a:lnSpc>
-                <a:spcPct val="125000"/>
-              </a:lnSpc>
-              <a:defRPr sz="1100">
-                <a:latin typeface="Montserrat Light"/>
-                <a:ea typeface="Montserrat Light"/>
-                <a:cs typeface="Montserrat Light"/>
-                <a:sym typeface="Montserrat Light"/>
-              </a:defRPr>
-            </a:pPr>
-            <a:r>
-              <a:t>You will notice that you use the Fetch API in nearly exactly the same manner whether you are getting data from a remote or local API (your Express app). The only difference if you are getting data from the Express server that you have configured as the proxy, is that you only provide the path to the resource, not the full URL (i.e. </a:t>
-            </a:r>
-            <a:r>
-              <a:rPr>
-                <a:latin typeface="Consolas"/>
-                <a:ea typeface="Consolas"/>
-                <a:cs typeface="Consolas"/>
-                <a:sym typeface="Consolas"/>
-              </a:rPr>
-              <a:t>fetch(“/items”)</a:t>
-            </a:r>
-            <a:r>
-              <a:t> instead of </a:t>
-            </a:r>
-            <a:r>
-              <a:rPr>
-                <a:latin typeface="Consolas"/>
-                <a:ea typeface="Consolas"/>
-                <a:cs typeface="Consolas"/>
-                <a:sym typeface="Consolas"/>
-              </a:rPr>
-              <a:t>fetch("</a:t>
-            </a:r>
-            <a:r>
-              <a:rPr u="sng">
-                <a:solidFill>
-                  <a:srgbClr val="99CA3C"/>
-                </a:solidFill>
-                <a:uFill>
-                  <a:solidFill>
-                    <a:srgbClr val="99CA3C"/>
-                  </a:solidFill>
-                </a:uFill>
-                <a:latin typeface="Consolas"/>
-                <a:ea typeface="Consolas"/>
-                <a:cs typeface="Consolas"/>
-                <a:sym typeface="Consolas"/>
-                <a:hlinkClick r:id="rId3" invalidUrl="" action="" tgtFrame="" tooltip="" history="1" highlightClick="0" endSnd="0"/>
-              </a:rPr>
-              <a:t>https://api.example.com/items</a:t>
-            </a:r>
-            <a:r>
-              <a:rPr>
-                <a:latin typeface="Consolas"/>
-                <a:ea typeface="Consolas"/>
-                <a:cs typeface="Consolas"/>
-                <a:sym typeface="Consolas"/>
-              </a:rPr>
-              <a:t>")</a:t>
-            </a:r>
-            <a:r>
-              <a:t>). The path that you pass as an argument to the fetch() method should have a corresponding route in the Express app. E.g. </a:t>
-            </a:r>
-            <a:r>
-              <a:rPr>
-                <a:latin typeface="Consolas"/>
-                <a:ea typeface="Consolas"/>
-                <a:cs typeface="Consolas"/>
-                <a:sym typeface="Consolas"/>
-              </a:rPr>
-              <a:t>fetch("/items") </a:t>
-            </a:r>
-            <a:r>
-              <a:t>in the React app would have a matching </a:t>
-            </a:r>
-            <a:r>
-              <a:rPr>
-                <a:latin typeface="Consolas"/>
-                <a:ea typeface="Consolas"/>
-                <a:cs typeface="Consolas"/>
-                <a:sym typeface="Consolas"/>
-              </a:rPr>
-              <a:t>app.get('/get', function(req, res) {...</a:t>
-            </a:r>
-            <a:r>
-              <a:t> route in the Express app.</a:t>
-            </a:r>
-          </a:p>
-        </p:txBody>
-      </p:sp>
-    </p:spTree>
-  </p:cSld>
-  <p:clrMapOvr>
-    <a:masterClrMapping/>
-  </p:clrMapOvr>
-</p:notes>
-</file>
-
-<file path=ppt/notesSlides/notesSlide13.xml><?xml version="1.0" encoding="utf-8"?>
-<p:notes xmlns:a="http://schemas.openxmlformats.org/drawingml/2006/main" xmlns:r="http://schemas.openxmlformats.org/officeDocument/2006/relationships" xmlns:p="http://schemas.openxmlformats.org/presentationml/2006/main" xmlns:m="http://schemas.openxmlformats.org/officeDocument/2006/math" xmlns:a14="http://schemas.microsoft.com/office/drawing/2010/main" showMasterSp="1" showMasterPhAnim="1">
-  <p:cSld>
-    <p:spTree>
-      <p:nvGrpSpPr>
-        <p:cNvPr id="1" name=""/>
-        <p:cNvGrpSpPr/>
-        <p:nvPr/>
-      </p:nvGrpSpPr>
-      <p:grpSpPr>
-        <a:xfrm>
-          <a:off x="0" y="0"/>
-          <a:ext cx="0" cy="0"/>
-          <a:chOff x="0" y="0"/>
-          <a:chExt cx="0" cy="0"/>
-        </a:xfrm>
-      </p:grpSpPr>
-      <p:sp>
-        <p:nvSpPr>
-          <p:cNvPr id="312" name="Shape 312"/>
-          <p:cNvSpPr/>
-          <p:nvPr>
-            <p:ph type="sldImg"/>
-          </p:nvPr>
-        </p:nvSpPr>
-        <p:spPr>
-          <a:prstGeom prst="rect">
-            <a:avLst/>
-          </a:prstGeom>
-        </p:spPr>
-        <p:txBody>
-          <a:bodyPr/>
-          <a:lstStyle/>
-          <a:p>
-            <a:pPr/>
-          </a:p>
-        </p:txBody>
-      </p:sp>
-      <p:sp>
-        <p:nvSpPr>
-          <p:cNvPr id="313" name="Shape 313"/>
-          <p:cNvSpPr/>
-          <p:nvPr>
-            <p:ph type="body" sz="quarter" idx="1"/>
-          </p:nvPr>
-        </p:nvSpPr>
-        <p:spPr>
-          <a:prstGeom prst="rect">
-            <a:avLst/>
-          </a:prstGeom>
-        </p:spPr>
-        <p:txBody>
-          <a:bodyPr/>
-          <a:lstStyle/>
-          <a:p>
-            <a:pPr algn="just">
-              <a:lnSpc>
-                <a:spcPct val="125000"/>
-              </a:lnSpc>
-              <a:defRPr sz="1100">
-                <a:latin typeface="Montserrat Light"/>
-                <a:ea typeface="Montserrat Light"/>
-                <a:cs typeface="Montserrat Light"/>
-                <a:sym typeface="Montserrat Light"/>
-              </a:defRPr>
-            </a:pPr>
-            <a:r>
-              <a:t>The Fetch API provides a JavaScript interface for accessing and manipulating parts of the HTTP pipeline, such as requests and responses. As such, it can also be used to make HTTP PUT, POST or DELETE requests.</a:t>
-            </a:r>
-          </a:p>
-          <a:p>
-            <a:pPr algn="just">
-              <a:lnSpc>
-                <a:spcPct val="125000"/>
-              </a:lnSpc>
-              <a:defRPr sz="1100"/>
-            </a:pPr>
-            <a:endParaRPr>
-              <a:latin typeface="Montserrat Light"/>
-              <a:ea typeface="Montserrat Light"/>
-              <a:cs typeface="Montserrat Light"/>
-              <a:sym typeface="Montserrat Light"/>
-            </a:endParaRPr>
-          </a:p>
-          <a:p>
-            <a:pPr algn="just">
-              <a:lnSpc>
-                <a:spcPct val="125000"/>
-              </a:lnSpc>
-              <a:defRPr sz="1100">
-                <a:latin typeface="Montserrat Light"/>
-                <a:ea typeface="Montserrat Light"/>
-                <a:cs typeface="Montserrat Light"/>
-                <a:sym typeface="Montserrat Light"/>
-              </a:defRPr>
-            </a:pPr>
-            <a:r>
-              <a:t>Make sure that your parse the response you get from the Express server appropriately. Remember that from the Express Server, </a:t>
-            </a:r>
-            <a:r>
-              <a:rPr u="sng">
-                <a:solidFill>
-                  <a:srgbClr val="99CA3C"/>
-                </a:solidFill>
-                <a:uFill>
-                  <a:solidFill>
-                    <a:srgbClr val="99CA3C"/>
-                  </a:solidFill>
-                </a:uFill>
-                <a:latin typeface="Consolas"/>
-                <a:ea typeface="Consolas"/>
-                <a:cs typeface="Consolas"/>
-                <a:sym typeface="Consolas"/>
-                <a:hlinkClick r:id="rId3" invalidUrl="" action="" tgtFrame="" tooltip="" history="1" highlightClick="0" endSnd="0"/>
-              </a:rPr>
-              <a:t>res.send()</a:t>
-            </a:r>
-            <a:r>
-              <a:t> can be used to send various types of responses (in the body of the HTTP response) to the front-end including Buffer objects, Strings, objects, or Arrays. When the parameter is a String (e.g. </a:t>
-            </a:r>
-            <a:r>
-              <a:rPr>
-                <a:latin typeface="Consolas"/>
-                <a:ea typeface="Consolas"/>
-                <a:cs typeface="Consolas"/>
-                <a:sym typeface="Consolas"/>
-              </a:rPr>
-              <a:t>res.send('&lt;p&gt;some html&lt;/p&gt;');</a:t>
-            </a:r>
-            <a:r>
-              <a:t>), the </a:t>
-            </a:r>
-            <a:r>
-              <a:rPr>
-                <a:latin typeface="Consolas"/>
-                <a:ea typeface="Consolas"/>
-                <a:cs typeface="Consolas"/>
-                <a:sym typeface="Consolas"/>
-              </a:rPr>
-              <a:t>res.send()</a:t>
-            </a:r>
-            <a:r>
-              <a:t> method sets the Content-Type to “text/html”. When the parameter is an Array or Object, Express responds with the JSON representation. You can also use </a:t>
-            </a:r>
-            <a:r>
-              <a:rPr u="sng">
-                <a:solidFill>
-                  <a:srgbClr val="99CA3C"/>
-                </a:solidFill>
-                <a:uFill>
-                  <a:solidFill>
-                    <a:srgbClr val="99CA3C"/>
-                  </a:solidFill>
-                </a:uFill>
-                <a:latin typeface="Consolas"/>
-                <a:ea typeface="Consolas"/>
-                <a:cs typeface="Consolas"/>
-                <a:sym typeface="Consolas"/>
-                <a:hlinkClick r:id="rId4" invalidUrl="" action="" tgtFrame="" tooltip="" history="1" highlightClick="0" endSnd="0"/>
-              </a:rPr>
-              <a:t>res.json()</a:t>
-            </a:r>
-            <a:r>
-              <a:t> to send JSON data. </a:t>
-            </a:r>
-          </a:p>
-          <a:p>
-            <a:pPr algn="just">
-              <a:lnSpc>
-                <a:spcPct val="125000"/>
-              </a:lnSpc>
-              <a:defRPr sz="1100"/>
-            </a:pPr>
-            <a:endParaRPr>
-              <a:latin typeface="Montserrat Light"/>
-              <a:ea typeface="Montserrat Light"/>
-              <a:cs typeface="Montserrat Light"/>
-              <a:sym typeface="Montserrat Light"/>
-            </a:endParaRPr>
-          </a:p>
-          <a:p>
-            <a:pPr algn="just">
-              <a:lnSpc>
-                <a:spcPct val="125000"/>
-              </a:lnSpc>
-              <a:defRPr sz="1100">
-                <a:latin typeface="Montserrat Light"/>
-                <a:ea typeface="Montserrat Light"/>
-                <a:cs typeface="Montserrat Light"/>
-                <a:sym typeface="Montserrat Light"/>
-              </a:defRPr>
-            </a:pPr>
-            <a:r>
-              <a:t>When you parse the data sent from the Express app in the fetch() method in your React app, you could use either res.json() (as shown in the example above) or </a:t>
-            </a:r>
-            <a:r>
-              <a:rPr u="sng">
-                <a:solidFill>
-                  <a:srgbClr val="99CA3C"/>
-                </a:solidFill>
-                <a:uFill>
-                  <a:solidFill>
-                    <a:srgbClr val="99CA3C"/>
-                  </a:solidFill>
-                </a:uFill>
-                <a:hlinkClick r:id="rId5" invalidUrl="" action="" tgtFrame="" tooltip="" history="1" highlightClick="0" endSnd="0"/>
-              </a:rPr>
-              <a:t>res.text()</a:t>
-            </a:r>
-            <a:r>
-              <a:t>.</a:t>
-            </a:r>
-          </a:p>
-        </p:txBody>
-      </p:sp>
-    </p:spTree>
-  </p:cSld>
-  <p:clrMapOvr>
-    <a:masterClrMapping/>
-  </p:clrMapOvr>
-</p:notes>
-</file>
-
-<file path=ppt/notesSlides/notesSlide14.xml><?xml version="1.0" encoding="utf-8"?>
-<p:notes xmlns:a="http://schemas.openxmlformats.org/drawingml/2006/main" xmlns:r="http://schemas.openxmlformats.org/officeDocument/2006/relationships" xmlns:p="http://schemas.openxmlformats.org/presentationml/2006/main" xmlns:m="http://schemas.openxmlformats.org/officeDocument/2006/math" xmlns:a14="http://schemas.microsoft.com/office/drawing/2010/main" showMasterSp="1" showMasterPhAnim="1">
-  <p:cSld>
-    <p:spTree>
-      <p:nvGrpSpPr>
-        <p:cNvPr id="1" name=""/>
-        <p:cNvGrpSpPr/>
-        <p:nvPr/>
-      </p:nvGrpSpPr>
-      <p:grpSpPr>
-        <a:xfrm>
-          <a:off x="0" y="0"/>
-          <a:ext cx="0" cy="0"/>
-          <a:chOff x="0" y="0"/>
-          <a:chExt cx="0" cy="0"/>
-        </a:xfrm>
-      </p:grpSpPr>
-      <p:sp>
-        <p:nvSpPr>
-          <p:cNvPr id="318" name="Shape 318"/>
-          <p:cNvSpPr/>
-          <p:nvPr>
-            <p:ph type="sldImg"/>
-          </p:nvPr>
-        </p:nvSpPr>
-        <p:spPr>
-          <a:prstGeom prst="rect">
-            <a:avLst/>
-          </a:prstGeom>
-        </p:spPr>
-        <p:txBody>
-          <a:bodyPr/>
-          <a:lstStyle/>
-          <a:p>
-            <a:pPr/>
-          </a:p>
-        </p:txBody>
-      </p:sp>
-      <p:sp>
-        <p:nvSpPr>
-          <p:cNvPr id="319" name="Shape 319"/>
-          <p:cNvSpPr/>
-          <p:nvPr>
-            <p:ph type="body" sz="quarter" idx="1"/>
-          </p:nvPr>
-        </p:nvSpPr>
-        <p:spPr>
-          <a:prstGeom prst="rect">
-            <a:avLst/>
-          </a:prstGeom>
-        </p:spPr>
-        <p:txBody>
-          <a:bodyPr/>
-          <a:lstStyle/>
-          <a:p>
-            <a:pPr algn="just">
-              <a:lnSpc>
-                <a:spcPct val="125000"/>
-              </a:lnSpc>
-              <a:defRPr sz="1100">
-                <a:latin typeface="Montserrat Light"/>
-                <a:ea typeface="Montserrat Light"/>
-                <a:cs typeface="Montserrat Light"/>
-                <a:sym typeface="Montserrat Light"/>
-              </a:defRPr>
-            </a:pPr>
-            <a:r>
-              <a:t>To use the fetch() method to make HTTP POST, PUT or DELETE requests, we pass the fetch() method an optional second argument, an init object that allows you to control a number of different settings. </a:t>
-            </a:r>
-          </a:p>
-          <a:p>
-            <a:pPr algn="just">
-              <a:lnSpc>
-                <a:spcPct val="125000"/>
-              </a:lnSpc>
-              <a:defRPr sz="1100"/>
-            </a:pPr>
-            <a:endParaRPr>
-              <a:latin typeface="Montserrat Light"/>
-              <a:ea typeface="Montserrat Light"/>
-              <a:cs typeface="Montserrat Light"/>
-              <a:sym typeface="Montserrat Light"/>
-            </a:endParaRPr>
-          </a:p>
-          <a:p>
-            <a:pPr algn="just">
-              <a:lnSpc>
-                <a:spcPct val="125000"/>
-              </a:lnSpc>
-              <a:defRPr sz="1100">
-                <a:latin typeface="Montserrat Light"/>
-                <a:ea typeface="Montserrat Light"/>
-                <a:cs typeface="Montserrat Light"/>
-                <a:sym typeface="Montserrat Light"/>
-              </a:defRPr>
-            </a:pPr>
-            <a:r>
-              <a:t>Important settings that can be specified are:</a:t>
-            </a:r>
-          </a:p>
-          <a:p>
-            <a:pPr marL="457200" indent="-298450" algn="just">
-              <a:lnSpc>
-                <a:spcPct val="125000"/>
-              </a:lnSpc>
-              <a:buClr>
-                <a:srgbClr val="000000"/>
-              </a:buClr>
-              <a:buSzPts val="1100"/>
-              <a:buFont typeface="Helvetica"/>
-              <a:buChar char="●"/>
-              <a:defRPr sz="1100">
-                <a:latin typeface="Montserrat Light"/>
-                <a:ea typeface="Montserrat Light"/>
-                <a:cs typeface="Montserrat Light"/>
-                <a:sym typeface="Montserrat Light"/>
-              </a:defRPr>
-            </a:pPr>
-            <a:r>
-              <a:t>method: which can be GET, POST, PUT or DELETE </a:t>
-            </a:r>
-          </a:p>
-          <a:p>
-            <a:pPr marL="457200" indent="-298450" algn="just">
-              <a:lnSpc>
-                <a:spcPct val="125000"/>
-              </a:lnSpc>
-              <a:buClr>
-                <a:srgbClr val="000000"/>
-              </a:buClr>
-              <a:buSzPts val="1100"/>
-              <a:buFont typeface="Helvetica"/>
-              <a:buChar char="●"/>
-              <a:defRPr sz="1100">
-                <a:latin typeface="Montserrat Light"/>
-                <a:ea typeface="Montserrat Light"/>
-                <a:cs typeface="Montserrat Light"/>
-                <a:sym typeface="Montserrat Light"/>
-              </a:defRPr>
-            </a:pPr>
-            <a:r>
-              <a:t>headers:  A headers object is a simple multi-map of names to values. Importantly we can modify the “Content-Type” to describe the type of data that is being passed with the request. The “Content-Type can be "application/json" or "application/x-www-form-urlencoded". </a:t>
-            </a:r>
-          </a:p>
-          <a:p>
-            <a:pPr marL="457200" indent="-298450" algn="just">
-              <a:lnSpc>
-                <a:spcPct val="125000"/>
-              </a:lnSpc>
-              <a:buClr>
-                <a:srgbClr val="000000"/>
-              </a:buClr>
-              <a:buSzPts val="1100"/>
-              <a:buFont typeface="Helvetica"/>
-              <a:buChar char="●"/>
-              <a:defRPr sz="1100">
-                <a:latin typeface="Montserrat Light"/>
-                <a:ea typeface="Montserrat Light"/>
-                <a:cs typeface="Montserrat Light"/>
-                <a:sym typeface="Montserrat Light"/>
-              </a:defRPr>
-            </a:pPr>
-            <a:r>
-              <a:t>Body: Both requests and responses may contain body data which can be either text, JSON, form data or an array buffer. See more about the types of data that can be sent or received in the body </a:t>
-            </a:r>
-            <a:r>
-              <a:rPr u="sng">
-                <a:solidFill>
-                  <a:srgbClr val="99CA3C"/>
-                </a:solidFill>
-                <a:uFill>
-                  <a:solidFill>
-                    <a:srgbClr val="99CA3C"/>
-                  </a:solidFill>
-                </a:uFill>
-                <a:hlinkClick r:id="rId3" invalidUrl="" action="" tgtFrame="" tooltip="" history="1" highlightClick="0" endSnd="0"/>
-              </a:rPr>
-              <a:t>here</a:t>
-            </a:r>
-            <a:r>
-              <a:t>. Any data that should be passed from the front-end to the server or vice-a-versa is sent in the body. The body data type must match the "Content-Type" header.</a:t>
-            </a:r>
-          </a:p>
-        </p:txBody>
-      </p:sp>
-    </p:spTree>
-  </p:cSld>
-  <p:clrMapOvr>
-    <a:masterClrMapping/>
-  </p:clrMapOvr>
-</p:notes>
-</file>
-
-<file path=ppt/notesSlides/notesSlide15.xml><?xml version="1.0" encoding="utf-8"?>
-<p:notes xmlns:a="http://schemas.openxmlformats.org/drawingml/2006/main" xmlns:r="http://schemas.openxmlformats.org/officeDocument/2006/relationships" xmlns:p="http://schemas.openxmlformats.org/presentationml/2006/main" xmlns:m="http://schemas.openxmlformats.org/officeDocument/2006/math" xmlns:a14="http://schemas.microsoft.com/office/drawing/2010/main" showMasterSp="1" showMasterPhAnim="1">
-  <p:cSld>
-    <p:spTree>
-      <p:nvGrpSpPr>
-        <p:cNvPr id="1" name=""/>
-        <p:cNvGrpSpPr/>
-        <p:nvPr/>
-      </p:nvGrpSpPr>
-      <p:grpSpPr>
-        <a:xfrm>
-          <a:off x="0" y="0"/>
-          <a:ext cx="0" cy="0"/>
-          <a:chOff x="0" y="0"/>
-          <a:chExt cx="0" cy="0"/>
-        </a:xfrm>
-      </p:grpSpPr>
-      <p:sp>
-        <p:nvSpPr>
-          <p:cNvPr id="324" name="Shape 324"/>
-          <p:cNvSpPr/>
-          <p:nvPr>
-            <p:ph type="sldImg"/>
-          </p:nvPr>
-        </p:nvSpPr>
-        <p:spPr>
-          <a:prstGeom prst="rect">
-            <a:avLst/>
-          </a:prstGeom>
-        </p:spPr>
-        <p:txBody>
-          <a:bodyPr/>
-          <a:lstStyle/>
-          <a:p>
-            <a:pPr/>
-          </a:p>
-        </p:txBody>
-      </p:sp>
-      <p:sp>
-        <p:nvSpPr>
-          <p:cNvPr id="325" name="Shape 325"/>
-          <p:cNvSpPr/>
-          <p:nvPr>
-            <p:ph type="body" sz="quarter" idx="1"/>
-          </p:nvPr>
-        </p:nvSpPr>
-        <p:spPr>
-          <a:prstGeom prst="rect">
-            <a:avLst/>
-          </a:prstGeom>
-        </p:spPr>
-        <p:txBody>
-          <a:bodyPr/>
-          <a:lstStyle>
-            <a:lvl1pPr algn="just">
-              <a:lnSpc>
-                <a:spcPct val="125000"/>
-              </a:lnSpc>
-              <a:defRPr sz="1100">
-                <a:latin typeface="Montserrat Light"/>
-                <a:ea typeface="Montserrat Light"/>
-                <a:cs typeface="Montserrat Light"/>
-                <a:sym typeface="Montserrat Light"/>
-              </a:defRPr>
-            </a:lvl1pPr>
-          </a:lstStyle>
-          <a:p>
-            <a:pPr/>
-            <a:r>
-              <a:t>Notice how the init object is passed as a second argument to the fetch() method below to make an HTTP post request that passes some data stored as JSON to the server:</a:t>
-            </a:r>
-          </a:p>
-        </p:txBody>
-      </p:sp>
-    </p:spTree>
-  </p:cSld>
-  <p:clrMapOvr>
-    <a:masterClrMapping/>
-  </p:clrMapOvr>
-</p:notes>
-</file>
-
-<file path=ppt/notesSlides/notesSlide16.xml><?xml version="1.0" encoding="utf-8"?>
-<p:notes xmlns:a="http://schemas.openxmlformats.org/drawingml/2006/main" xmlns:r="http://schemas.openxmlformats.org/officeDocument/2006/relationships" xmlns:p="http://schemas.openxmlformats.org/presentationml/2006/main" xmlns:m="http://schemas.openxmlformats.org/officeDocument/2006/math" xmlns:a14="http://schemas.microsoft.com/office/drawing/2010/main" showMasterSp="1" showMasterPhAnim="1">
-  <p:cSld>
-    <p:spTree>
-      <p:nvGrpSpPr>
-        <p:cNvPr id="1" name=""/>
-        <p:cNvGrpSpPr/>
-        <p:nvPr/>
-      </p:nvGrpSpPr>
-      <p:grpSpPr>
-        <a:xfrm>
-          <a:off x="0" y="0"/>
-          <a:ext cx="0" cy="0"/>
-          <a:chOff x="0" y="0"/>
-          <a:chExt cx="0" cy="0"/>
-        </a:xfrm>
-      </p:grpSpPr>
-      <p:sp>
-        <p:nvSpPr>
-          <p:cNvPr id="330" name="Shape 330"/>
-          <p:cNvSpPr/>
-          <p:nvPr>
-            <p:ph type="sldImg"/>
-          </p:nvPr>
-        </p:nvSpPr>
-        <p:spPr>
-          <a:prstGeom prst="rect">
-            <a:avLst/>
-          </a:prstGeom>
-        </p:spPr>
-        <p:txBody>
-          <a:bodyPr/>
-          <a:lstStyle/>
-          <a:p>
-            <a:pPr/>
-          </a:p>
-        </p:txBody>
-      </p:sp>
-      <p:sp>
-        <p:nvSpPr>
-          <p:cNvPr id="331" name="Shape 331"/>
-          <p:cNvSpPr/>
-          <p:nvPr>
-            <p:ph type="body" sz="quarter" idx="1"/>
-          </p:nvPr>
-        </p:nvSpPr>
-        <p:spPr>
-          <a:prstGeom prst="rect">
-            <a:avLst/>
-          </a:prstGeom>
-        </p:spPr>
-        <p:txBody>
-          <a:bodyPr/>
-          <a:lstStyle>
-            <a:lvl1pPr algn="just">
-              <a:lnSpc>
-                <a:spcPct val="125000"/>
-              </a:lnSpc>
-              <a:defRPr sz="1100">
-                <a:latin typeface="Montserrat Light"/>
-                <a:ea typeface="Montserrat Light"/>
-                <a:cs typeface="Montserrat Light"/>
-                <a:sym typeface="Montserrat Light"/>
-              </a:defRPr>
-            </a:lvl1pPr>
-          </a:lstStyle>
-          <a:p>
-            <a:pPr/>
-            <a:r>
               <a:t>The body-parser middleware extracts the entire body portion of an incoming request stream and exposes it on req.body.</a:t>
-            </a:r>
-          </a:p>
-        </p:txBody>
-      </p:sp>
-    </p:spTree>
-  </p:cSld>
-  <p:clrMapOvr>
-    <a:masterClrMapping/>
-  </p:clrMapOvr>
-</p:notes>
-</file>
-
-<file path=ppt/notesSlides/notesSlide17.xml><?xml version="1.0" encoding="utf-8"?>
-<p:notes xmlns:a="http://schemas.openxmlformats.org/drawingml/2006/main" xmlns:r="http://schemas.openxmlformats.org/officeDocument/2006/relationships" xmlns:p="http://schemas.openxmlformats.org/presentationml/2006/main" xmlns:m="http://schemas.openxmlformats.org/officeDocument/2006/math" xmlns:a14="http://schemas.microsoft.com/office/drawing/2010/main" showMasterSp="1" showMasterPhAnim="1">
-  <p:cSld>
-    <p:spTree>
-      <p:nvGrpSpPr>
-        <p:cNvPr id="1" name=""/>
-        <p:cNvGrpSpPr/>
-        <p:nvPr/>
-      </p:nvGrpSpPr>
-      <p:grpSpPr>
-        <a:xfrm>
-          <a:off x="0" y="0"/>
-          <a:ext cx="0" cy="0"/>
-          <a:chOff x="0" y="0"/>
-          <a:chExt cx="0" cy="0"/>
-        </a:xfrm>
-      </p:grpSpPr>
-      <p:sp>
-        <p:nvSpPr>
-          <p:cNvPr id="336" name="Shape 336"/>
-          <p:cNvSpPr/>
-          <p:nvPr>
-            <p:ph type="sldImg"/>
-          </p:nvPr>
-        </p:nvSpPr>
-        <p:spPr>
-          <a:prstGeom prst="rect">
-            <a:avLst/>
-          </a:prstGeom>
-        </p:spPr>
-        <p:txBody>
-          <a:bodyPr/>
-          <a:lstStyle/>
-          <a:p>
-            <a:pPr/>
-          </a:p>
-        </p:txBody>
-      </p:sp>
-      <p:sp>
-        <p:nvSpPr>
-          <p:cNvPr id="337" name="Shape 337"/>
-          <p:cNvSpPr/>
-          <p:nvPr>
-            <p:ph type="body" sz="quarter" idx="1"/>
-          </p:nvPr>
-        </p:nvSpPr>
-        <p:spPr>
-          <a:prstGeom prst="rect">
-            <a:avLst/>
-          </a:prstGeom>
-        </p:spPr>
-        <p:txBody>
-          <a:bodyPr/>
-          <a:lstStyle/>
-          <a:p>
-            <a:pPr algn="just">
-              <a:lnSpc>
-                <a:spcPct val="125000"/>
-              </a:lnSpc>
-              <a:defRPr sz="1100">
-                <a:latin typeface="Montserrat Light"/>
-                <a:ea typeface="Montserrat Light"/>
-                <a:cs typeface="Montserrat Light"/>
-                <a:sym typeface="Montserrat Light"/>
-              </a:defRPr>
-            </a:pPr>
-            <a:r>
-              <a:t>As you can see in the code example above, JSON.stringify(...) can be used to pass JSON in the body. You could also pass FormData in the body.  See more about using FormData </a:t>
-            </a:r>
-            <a:r>
-              <a:rPr u="sng">
-                <a:solidFill>
-                  <a:srgbClr val="99CA3C"/>
-                </a:solidFill>
-                <a:uFill>
-                  <a:solidFill>
-                    <a:srgbClr val="99CA3C"/>
-                  </a:solidFill>
-                </a:uFill>
-                <a:hlinkClick r:id="rId3" invalidUrl="" action="" tgtFrame="" tooltip="" history="1" highlightClick="0" endSnd="0"/>
-              </a:rPr>
-              <a:t>here</a:t>
-            </a:r>
-            <a:r>
-              <a:t> and </a:t>
-            </a:r>
-            <a:r>
-              <a:rPr u="sng">
-                <a:solidFill>
-                  <a:srgbClr val="99CA3C"/>
-                </a:solidFill>
-                <a:uFill>
-                  <a:solidFill>
-                    <a:srgbClr val="99CA3C"/>
-                  </a:solidFill>
-                </a:uFill>
-                <a:hlinkClick r:id="rId4" invalidUrl="" action="" tgtFrame="" tooltip="" history="1" highlightClick="0" endSnd="0"/>
-              </a:rPr>
-              <a:t>here</a:t>
-            </a:r>
-            <a:r>
-              <a:t>. </a:t>
-            </a:r>
-          </a:p>
-        </p:txBody>
-      </p:sp>
-    </p:spTree>
-  </p:cSld>
-  <p:clrMapOvr>
-    <a:masterClrMapping/>
-  </p:clrMapOvr>
-</p:notes>
-</file>
-
-<file path=ppt/notesSlides/notesSlide18.xml><?xml version="1.0" encoding="utf-8"?>
-<p:notes xmlns:a="http://schemas.openxmlformats.org/drawingml/2006/main" xmlns:r="http://schemas.openxmlformats.org/officeDocument/2006/relationships" xmlns:p="http://schemas.openxmlformats.org/presentationml/2006/main" xmlns:m="http://schemas.openxmlformats.org/officeDocument/2006/math" xmlns:a14="http://schemas.microsoft.com/office/drawing/2010/main" showMasterSp="1" showMasterPhAnim="1">
-  <p:cSld>
-    <p:spTree>
-      <p:nvGrpSpPr>
-        <p:cNvPr id="1" name=""/>
-        <p:cNvGrpSpPr/>
-        <p:nvPr/>
-      </p:nvGrpSpPr>
-      <p:grpSpPr>
-        <a:xfrm>
-          <a:off x="0" y="0"/>
-          <a:ext cx="0" cy="0"/>
-          <a:chOff x="0" y="0"/>
-          <a:chExt cx="0" cy="0"/>
-        </a:xfrm>
-      </p:grpSpPr>
-      <p:sp>
-        <p:nvSpPr>
-          <p:cNvPr id="343" name="Shape 343"/>
-          <p:cNvSpPr/>
-          <p:nvPr>
-            <p:ph type="sldImg"/>
-          </p:nvPr>
-        </p:nvSpPr>
-        <p:spPr>
-          <a:prstGeom prst="rect">
-            <a:avLst/>
-          </a:prstGeom>
-        </p:spPr>
-        <p:txBody>
-          <a:bodyPr/>
-          <a:lstStyle/>
-          <a:p>
-            <a:pPr/>
-          </a:p>
-        </p:txBody>
-      </p:sp>
-      <p:sp>
-        <p:nvSpPr>
-          <p:cNvPr id="344" name="Shape 344"/>
-          <p:cNvSpPr/>
-          <p:nvPr>
-            <p:ph type="body" sz="quarter" idx="1"/>
-          </p:nvPr>
-        </p:nvSpPr>
-        <p:spPr>
-          <a:prstGeom prst="rect">
-            <a:avLst/>
-          </a:prstGeom>
-        </p:spPr>
-        <p:txBody>
-          <a:bodyPr/>
-          <a:lstStyle>
-            <a:lvl1pPr algn="just">
-              <a:lnSpc>
-                <a:spcPct val="125000"/>
-              </a:lnSpc>
-              <a:defRPr sz="1100">
-                <a:latin typeface="Montserrat Light"/>
-                <a:ea typeface="Montserrat Light"/>
-                <a:cs typeface="Montserrat Light"/>
-                <a:sym typeface="Montserrat Light"/>
-              </a:defRPr>
-            </a:lvl1pPr>
-          </a:lstStyle>
-          <a:p>
-            <a:pPr/>
-            <a:r>
-              <a:t>Before you are ready to start deploying your app to Heroku, there are a few things that you have to change in your app first. Many of these may already have been done by default when you generated your app or you may already have changed them based on what you have learnt. Therefore, the following serves as a checklist of things to take into consideration before deploying your full stack application to Heroku:</a:t>
-            </a:r>
-          </a:p>
-        </p:txBody>
-      </p:sp>
-    </p:spTree>
-  </p:cSld>
-  <p:clrMapOvr>
-    <a:masterClrMapping/>
-  </p:clrMapOvr>
-</p:notes>
-</file>
-
-<file path=ppt/notesSlides/notesSlide19.xml><?xml version="1.0" encoding="utf-8"?>
-<p:notes xmlns:a="http://schemas.openxmlformats.org/drawingml/2006/main" xmlns:r="http://schemas.openxmlformats.org/officeDocument/2006/relationships" xmlns:p="http://schemas.openxmlformats.org/presentationml/2006/main" xmlns:m="http://schemas.openxmlformats.org/officeDocument/2006/math" xmlns:a14="http://schemas.microsoft.com/office/drawing/2010/main" showMasterSp="1" showMasterPhAnim="1">
-  <p:cSld>
-    <p:spTree>
-      <p:nvGrpSpPr>
-        <p:cNvPr id="1" name=""/>
-        <p:cNvGrpSpPr/>
-        <p:nvPr/>
-      </p:nvGrpSpPr>
-      <p:grpSpPr>
-        <a:xfrm>
-          <a:off x="0" y="0"/>
-          <a:ext cx="0" cy="0"/>
-          <a:chOff x="0" y="0"/>
-          <a:chExt cx="0" cy="0"/>
-        </a:xfrm>
-      </p:grpSpPr>
-      <p:sp>
-        <p:nvSpPr>
-          <p:cNvPr id="349" name="Shape 349"/>
-          <p:cNvSpPr/>
-          <p:nvPr>
-            <p:ph type="sldImg"/>
-          </p:nvPr>
-        </p:nvSpPr>
-        <p:spPr>
-          <a:prstGeom prst="rect">
-            <a:avLst/>
-          </a:prstGeom>
-        </p:spPr>
-        <p:txBody>
-          <a:bodyPr/>
-          <a:lstStyle/>
-          <a:p>
-            <a:pPr/>
-          </a:p>
-        </p:txBody>
-      </p:sp>
-      <p:sp>
-        <p:nvSpPr>
-          <p:cNvPr id="350" name="Shape 350"/>
-          <p:cNvSpPr/>
-          <p:nvPr>
-            <p:ph type="body" sz="quarter" idx="1"/>
-          </p:nvPr>
-        </p:nvSpPr>
-        <p:spPr>
-          <a:prstGeom prst="rect">
-            <a:avLst/>
-          </a:prstGeom>
-        </p:spPr>
-        <p:txBody>
-          <a:bodyPr/>
-          <a:lstStyle/>
-          <a:p>
-            <a:pPr indent="457200" algn="just">
-              <a:lnSpc>
-                <a:spcPct val="125000"/>
-              </a:lnSpc>
-              <a:defRPr sz="1100">
-                <a:latin typeface="Montserrat Light"/>
-                <a:ea typeface="Montserrat Light"/>
-                <a:cs typeface="Montserrat Light"/>
-                <a:sym typeface="Montserrat Light"/>
-              </a:defRPr>
-            </a:pPr>
-            <a:r>
-              <a:t>Heroku specifies which port to listen for HTTP requests on. We, therefore, can’t choose which port we want to use in the production environment. Consequently, we need to modify our code so that it gets a port number from Heroku and dynamically binds to the port in the production environment. We do this by modifying the code where we set up our server. We would usually have a line of code in this file that says something like, </a:t>
-            </a:r>
-            <a:r>
-              <a:rPr>
-                <a:latin typeface="Consolas"/>
-                <a:ea typeface="Consolas"/>
-                <a:cs typeface="Consolas"/>
-                <a:sym typeface="Consolas"/>
-              </a:rPr>
-              <a:t>app.listen(3001)</a:t>
-            </a:r>
-            <a:r>
-              <a:t>. We change this code as shown below:</a:t>
-            </a:r>
-          </a:p>
-          <a:p>
-            <a:pPr algn="just">
-              <a:lnSpc>
-                <a:spcPct val="125000"/>
-              </a:lnSpc>
-              <a:defRPr sz="1100"/>
-            </a:pPr>
-            <a:endParaRPr>
-              <a:latin typeface="Montserrat Light"/>
-              <a:ea typeface="Montserrat Light"/>
-              <a:cs typeface="Montserrat Light"/>
-              <a:sym typeface="Montserrat Light"/>
-            </a:endParaRPr>
-          </a:p>
-          <a:p>
-            <a:pPr indent="457200" algn="just">
-              <a:lnSpc>
-                <a:spcPct val="125000"/>
-              </a:lnSpc>
-              <a:defRPr sz="1100">
-                <a:latin typeface="Consolas"/>
-                <a:ea typeface="Consolas"/>
-                <a:cs typeface="Consolas"/>
-                <a:sym typeface="Consolas"/>
-              </a:defRPr>
-            </a:pPr>
-            <a:r>
-              <a:t>const PORT = process.env.PORT || 3001;</a:t>
-            </a:r>
-          </a:p>
-          <a:p>
-            <a:pPr indent="457200" algn="just">
-              <a:lnSpc>
-                <a:spcPct val="125000"/>
-              </a:lnSpc>
-              <a:defRPr sz="1100">
-                <a:latin typeface="Consolas"/>
-                <a:ea typeface="Consolas"/>
-                <a:cs typeface="Consolas"/>
-                <a:sym typeface="Consolas"/>
-              </a:defRPr>
-            </a:pPr>
-            <a:r>
-              <a:t>app.listen(PORT);</a:t>
-            </a:r>
-          </a:p>
-          <a:p>
-            <a:pPr indent="457200" algn="just">
-              <a:lnSpc>
-                <a:spcPct val="125000"/>
-              </a:lnSpc>
-              <a:defRPr sz="1100"/>
-            </a:pPr>
-            <a:endParaRPr>
-              <a:latin typeface="Montserrat Light"/>
-              <a:ea typeface="Montserrat Light"/>
-              <a:cs typeface="Montserrat Light"/>
-              <a:sym typeface="Montserrat Light"/>
-            </a:endParaRPr>
-          </a:p>
-          <a:p>
-            <a:pPr indent="457200" algn="just">
-              <a:lnSpc>
-                <a:spcPct val="125000"/>
-              </a:lnSpc>
-              <a:defRPr sz="1100">
-                <a:latin typeface="Montserrat Light"/>
-                <a:ea typeface="Montserrat Light"/>
-                <a:cs typeface="Montserrat Light"/>
-                <a:sym typeface="Montserrat Light"/>
-              </a:defRPr>
-            </a:pPr>
-            <a:r>
-              <a:t>As shown in the code above, instead of hard-coding a port number, we create a variable that is assigned a number based on the process.env.PORT value. Process.env is used to access environment variables, i.e. variables that are set by the underlying runtime environment. The </a:t>
-            </a:r>
-            <a:r>
-              <a:rPr>
-                <a:latin typeface="Consolas"/>
-                <a:ea typeface="Consolas"/>
-                <a:cs typeface="Consolas"/>
-                <a:sym typeface="Consolas"/>
-              </a:rPr>
-              <a:t>process.env.PORT</a:t>
-            </a:r>
-            <a:r>
-              <a:t> value will only be assigned in the production environment (by Heroku) and not in the development environment (the PC you are using to develop your app). We, therefore, have an or ( || ) statement that sets the port value (to 3001 in this example) that we will use in the development environment. </a:t>
             </a:r>
           </a:p>
         </p:txBody>
@@ -1964,7 +732,7 @@
       </p:grpSpPr>
       <p:sp>
         <p:nvSpPr>
-          <p:cNvPr id="235" name="Shape 235"/>
+          <p:cNvPr id="236" name="Shape 236"/>
           <p:cNvSpPr/>
           <p:nvPr>
             <p:ph type="sldImg"/>
@@ -1985,7 +753,7 @@
       </p:sp>
       <p:sp>
         <p:nvSpPr>
-          <p:cNvPr id="236" name="Shape 236"/>
+          <p:cNvPr id="237" name="Shape 237"/>
           <p:cNvSpPr/>
           <p:nvPr>
             <p:ph type="body" sz="quarter" idx="1"/>
@@ -2014,395 +782,7 @@
           <a:p>
             <a:pPr/>
             <a:r>
-              <a:t> From your React app, specify that the Express app is the proxy server (i.e. will intercept HTTP requests). When the user requests a resource that is not static through the React front-end, the request is forwarded to the proxy (Express app) which will then handle the request. </a:t>
-            </a:r>
-          </a:p>
-        </p:txBody>
-      </p:sp>
-    </p:spTree>
-  </p:cSld>
-  <p:clrMapOvr>
-    <a:masterClrMapping/>
-  </p:clrMapOvr>
-</p:notes>
-</file>
-
-<file path=ppt/notesSlides/notesSlide20.xml><?xml version="1.0" encoding="utf-8"?>
-<p:notes xmlns:a="http://schemas.openxmlformats.org/drawingml/2006/main" xmlns:r="http://schemas.openxmlformats.org/officeDocument/2006/relationships" xmlns:p="http://schemas.openxmlformats.org/presentationml/2006/main" xmlns:m="http://schemas.openxmlformats.org/officeDocument/2006/math" xmlns:a14="http://schemas.microsoft.com/office/drawing/2010/main" showMasterSp="1" showMasterPhAnim="1">
-  <p:cSld>
-    <p:spTree>
-      <p:nvGrpSpPr>
-        <p:cNvPr id="1" name=""/>
-        <p:cNvGrpSpPr/>
-        <p:nvPr/>
-      </p:nvGrpSpPr>
-      <p:grpSpPr>
-        <a:xfrm>
-          <a:off x="0" y="0"/>
-          <a:ext cx="0" cy="0"/>
-          <a:chOff x="0" y="0"/>
-          <a:chExt cx="0" cy="0"/>
-        </a:xfrm>
-      </p:grpSpPr>
-      <p:sp>
-        <p:nvSpPr>
-          <p:cNvPr id="355" name="Shape 355"/>
-          <p:cNvSpPr/>
-          <p:nvPr>
-            <p:ph type="sldImg"/>
-          </p:nvPr>
-        </p:nvSpPr>
-        <p:spPr>
-          <a:prstGeom prst="rect">
-            <a:avLst/>
-          </a:prstGeom>
-        </p:spPr>
-        <p:txBody>
-          <a:bodyPr/>
-          <a:lstStyle/>
-          <a:p>
-            <a:pPr/>
-          </a:p>
-        </p:txBody>
-      </p:sp>
-      <p:sp>
-        <p:nvSpPr>
-          <p:cNvPr id="356" name="Shape 356"/>
-          <p:cNvSpPr/>
-          <p:nvPr>
-            <p:ph type="body" sz="quarter" idx="1"/>
-          </p:nvPr>
-        </p:nvSpPr>
-        <p:spPr>
-          <a:prstGeom prst="rect">
-            <a:avLst/>
-          </a:prstGeom>
-        </p:spPr>
-        <p:txBody>
-          <a:bodyPr/>
-          <a:lstStyle/>
-          <a:p>
-            <a:pPr indent="457200" algn="just">
-              <a:lnSpc>
-                <a:spcPct val="125000"/>
-              </a:lnSpc>
-              <a:defRPr sz="1100">
-                <a:latin typeface="Montserrat Light"/>
-                <a:ea typeface="Montserrat Light"/>
-                <a:cs typeface="Montserrat Light"/>
-                <a:sym typeface="Montserrat Light"/>
-              </a:defRPr>
-            </a:pPr>
-            <a:r>
-              <a:t>Heroku will look in your package.json file (of your back-end app) to see how to start your server. Make sure that you specify the file that you want to use to start your server in the scripts section of your package.json file. E.g.</a:t>
-            </a:r>
-            <a:r>
-              <a:rPr>
-                <a:latin typeface="Consolas"/>
-                <a:ea typeface="Consolas"/>
-                <a:cs typeface="Consolas"/>
-                <a:sym typeface="Consolas"/>
-              </a:rPr>
-              <a:t> "start": "app.js"</a:t>
-            </a:r>
-          </a:p>
-        </p:txBody>
-      </p:sp>
-    </p:spTree>
-  </p:cSld>
-  <p:clrMapOvr>
-    <a:masterClrMapping/>
-  </p:clrMapOvr>
-</p:notes>
-</file>
-
-<file path=ppt/notesSlides/notesSlide21.xml><?xml version="1.0" encoding="utf-8"?>
-<p:notes xmlns:a="http://schemas.openxmlformats.org/drawingml/2006/main" xmlns:r="http://schemas.openxmlformats.org/officeDocument/2006/relationships" xmlns:p="http://schemas.openxmlformats.org/presentationml/2006/main" xmlns:m="http://schemas.openxmlformats.org/officeDocument/2006/math" xmlns:a14="http://schemas.microsoft.com/office/drawing/2010/main" showMasterSp="1" showMasterPhAnim="1">
-  <p:cSld>
-    <p:spTree>
-      <p:nvGrpSpPr>
-        <p:cNvPr id="1" name=""/>
-        <p:cNvGrpSpPr/>
-        <p:nvPr/>
-      </p:nvGrpSpPr>
-      <p:grpSpPr>
-        <a:xfrm>
-          <a:off x="0" y="0"/>
-          <a:ext cx="0" cy="0"/>
-          <a:chOff x="0" y="0"/>
-          <a:chExt cx="0" cy="0"/>
-        </a:xfrm>
-      </p:grpSpPr>
-      <p:sp>
-        <p:nvSpPr>
-          <p:cNvPr id="361" name="Shape 361"/>
-          <p:cNvSpPr/>
-          <p:nvPr>
-            <p:ph type="sldImg"/>
-          </p:nvPr>
-        </p:nvSpPr>
-        <p:spPr>
-          <a:prstGeom prst="rect">
-            <a:avLst/>
-          </a:prstGeom>
-        </p:spPr>
-        <p:txBody>
-          <a:bodyPr/>
-          <a:lstStyle/>
-          <a:p>
-            <a:pPr/>
-          </a:p>
-        </p:txBody>
-      </p:sp>
-      <p:sp>
-        <p:nvSpPr>
-          <p:cNvPr id="362" name="Shape 362"/>
-          <p:cNvSpPr/>
-          <p:nvPr>
-            <p:ph type="body" sz="quarter" idx="1"/>
-          </p:nvPr>
-        </p:nvSpPr>
-        <p:spPr>
-          <a:prstGeom prst="rect">
-            <a:avLst/>
-          </a:prstGeom>
-        </p:spPr>
-        <p:txBody>
-          <a:bodyPr/>
-          <a:lstStyle/>
-          <a:p>
-            <a:pPr indent="457200" algn="just">
-              <a:lnSpc>
-                <a:spcPct val="125000"/>
-              </a:lnSpc>
-              <a:defRPr sz="1100">
-                <a:latin typeface="Montserrat Light"/>
-                <a:ea typeface="Montserrat Light"/>
-                <a:cs typeface="Montserrat Light"/>
-                <a:sym typeface="Montserrat Light"/>
-              </a:defRPr>
-            </a:pPr>
-            <a:r>
-              <a:t>In the script above, ‘frontend’ is the name of the React app you have created. Here Heroku is instructed to build the React app in the front-end directory. This results in resources like these: </a:t>
-            </a:r>
-          </a:p>
-          <a:p>
-            <a:pPr indent="457200" algn="just">
-              <a:lnSpc>
-                <a:spcPct val="125000"/>
-              </a:lnSpc>
-              <a:defRPr sz="1100">
-                <a:latin typeface="Consolas"/>
-                <a:ea typeface="Consolas"/>
-                <a:cs typeface="Consolas"/>
-                <a:sym typeface="Consolas"/>
-              </a:defRPr>
-            </a:pPr>
-            <a:r>
-              <a:t>build/static/js/main.e9c53ac3.js</a:t>
-            </a:r>
-          </a:p>
-          <a:p>
-            <a:pPr indent="457200" algn="just">
-              <a:lnSpc>
-                <a:spcPct val="125000"/>
-              </a:lnSpc>
-              <a:defRPr sz="1100">
-                <a:latin typeface="Consolas"/>
-                <a:ea typeface="Consolas"/>
-                <a:cs typeface="Consolas"/>
-                <a:sym typeface="Consolas"/>
-              </a:defRPr>
-            </a:pPr>
-            <a:r>
-              <a:t>build/static/css/main.c17080f1.css</a:t>
-            </a:r>
-          </a:p>
-          <a:p>
-            <a:pPr indent="457200" algn="just">
-              <a:lnSpc>
-                <a:spcPct val="125000"/>
-              </a:lnSpc>
-              <a:defRPr sz="1100"/>
-            </a:pPr>
-            <a:endParaRPr>
-              <a:latin typeface="Montserrat Light"/>
-              <a:ea typeface="Montserrat Light"/>
-              <a:cs typeface="Montserrat Light"/>
-              <a:sym typeface="Montserrat Light"/>
-            </a:endParaRPr>
-          </a:p>
-          <a:p>
-            <a:pPr indent="457200" algn="just">
-              <a:lnSpc>
-                <a:spcPct val="125000"/>
-              </a:lnSpc>
-              <a:defRPr sz="1100">
-                <a:latin typeface="Montserrat Light"/>
-                <a:ea typeface="Montserrat Light"/>
-                <a:cs typeface="Montserrat Light"/>
-                <a:sym typeface="Montserrat Light"/>
-              </a:defRPr>
-            </a:pPr>
-            <a:r>
-              <a:t>The environment variable NPM_CONFIG_PRODUCTION=false allows you to access packages declared under devDependencies in a different buildpack or at runtime. For more information about this, see </a:t>
-            </a:r>
-            <a:r>
-              <a:rPr u="sng">
-                <a:solidFill>
-                  <a:srgbClr val="99CA3C"/>
-                </a:solidFill>
-                <a:uFill>
-                  <a:solidFill>
-                    <a:srgbClr val="99CA3C"/>
-                  </a:solidFill>
-                </a:uFill>
-                <a:hlinkClick r:id="rId3" invalidUrl="" action="" tgtFrame="" tooltip="" history="1" highlightClick="0" endSnd="0"/>
-              </a:rPr>
-              <a:t>here</a:t>
-            </a:r>
-            <a:r>
-              <a:t>.</a:t>
-            </a:r>
-          </a:p>
-        </p:txBody>
-      </p:sp>
-    </p:spTree>
-  </p:cSld>
-  <p:clrMapOvr>
-    <a:masterClrMapping/>
-  </p:clrMapOvr>
-</p:notes>
-</file>
-
-<file path=ppt/notesSlides/notesSlide22.xml><?xml version="1.0" encoding="utf-8"?>
-<p:notes xmlns:a="http://schemas.openxmlformats.org/drawingml/2006/main" xmlns:r="http://schemas.openxmlformats.org/officeDocument/2006/relationships" xmlns:p="http://schemas.openxmlformats.org/presentationml/2006/main" xmlns:m="http://schemas.openxmlformats.org/officeDocument/2006/math" xmlns:a14="http://schemas.microsoft.com/office/drawing/2010/main" showMasterSp="1" showMasterPhAnim="1">
-  <p:cSld>
-    <p:spTree>
-      <p:nvGrpSpPr>
-        <p:cNvPr id="1" name=""/>
-        <p:cNvGrpSpPr/>
-        <p:nvPr/>
-      </p:nvGrpSpPr>
-      <p:grpSpPr>
-        <a:xfrm>
-          <a:off x="0" y="0"/>
-          <a:ext cx="0" cy="0"/>
-          <a:chOff x="0" y="0"/>
-          <a:chExt cx="0" cy="0"/>
-        </a:xfrm>
-      </p:grpSpPr>
-      <p:sp>
-        <p:nvSpPr>
-          <p:cNvPr id="367" name="Shape 367"/>
-          <p:cNvSpPr/>
-          <p:nvPr>
-            <p:ph type="sldImg"/>
-          </p:nvPr>
-        </p:nvSpPr>
-        <p:spPr>
-          <a:prstGeom prst="rect">
-            <a:avLst/>
-          </a:prstGeom>
-        </p:spPr>
-        <p:txBody>
-          <a:bodyPr/>
-          <a:lstStyle/>
-          <a:p>
-            <a:pPr/>
-          </a:p>
-        </p:txBody>
-      </p:sp>
-      <p:sp>
-        <p:nvSpPr>
-          <p:cNvPr id="368" name="Shape 368"/>
-          <p:cNvSpPr/>
-          <p:nvPr>
-            <p:ph type="body" sz="quarter" idx="1"/>
-          </p:nvPr>
-        </p:nvSpPr>
-        <p:spPr>
-          <a:prstGeom prst="rect">
-            <a:avLst/>
-          </a:prstGeom>
-        </p:spPr>
-        <p:txBody>
-          <a:bodyPr/>
-          <a:lstStyle/>
-          <a:p>
-            <a:pPr indent="457200" algn="just">
-              <a:lnSpc>
-                <a:spcPct val="125000"/>
-              </a:lnSpc>
-              <a:defRPr sz="1100">
-                <a:latin typeface="Montserrat Light"/>
-                <a:ea typeface="Montserrat Light"/>
-                <a:cs typeface="Montserrat Light"/>
-                <a:sym typeface="Montserrat Light"/>
-              </a:defRPr>
-            </a:pPr>
-            <a:r>
-              <a:t>In the code above, ‘frontend’ is the name of the React app you have created. When this app is built, a directory called ‘build’ is created which contains the assets that the React app makes available. We, therefore, add the code: </a:t>
-            </a:r>
-          </a:p>
-          <a:p>
-            <a:pPr indent="457200" algn="just">
-              <a:lnSpc>
-                <a:spcPct val="125000"/>
-              </a:lnSpc>
-              <a:defRPr sz="1100"/>
-            </a:pPr>
-            <a:endParaRPr>
-              <a:latin typeface="Montserrat Light"/>
-              <a:ea typeface="Montserrat Light"/>
-              <a:cs typeface="Montserrat Light"/>
-              <a:sym typeface="Montserrat Light"/>
-            </a:endParaRPr>
-          </a:p>
-          <a:p>
-            <a:pPr indent="457200" algn="just">
-              <a:lnSpc>
-                <a:spcPct val="125000"/>
-              </a:lnSpc>
-              <a:defRPr sz="1100">
-                <a:latin typeface="Consolas"/>
-                <a:ea typeface="Consolas"/>
-                <a:cs typeface="Consolas"/>
-                <a:sym typeface="Consolas"/>
-              </a:defRPr>
-            </a:pPr>
-            <a:r>
-              <a:t>app.use(express.static(path.join(__dirname,'frontend/build')));</a:t>
-            </a:r>
-          </a:p>
-          <a:p>
-            <a:pPr indent="457200" algn="just">
-              <a:lnSpc>
-                <a:spcPct val="125000"/>
-              </a:lnSpc>
-              <a:defRPr sz="1100"/>
-            </a:pPr>
-            <a:endParaRPr>
-              <a:latin typeface="Montserrat Light"/>
-              <a:ea typeface="Montserrat Light"/>
-              <a:cs typeface="Montserrat Light"/>
-              <a:sym typeface="Montserrat Light"/>
-            </a:endParaRPr>
-          </a:p>
-          <a:p>
-            <a:pPr indent="457200" algn="just">
-              <a:lnSpc>
-                <a:spcPct val="125000"/>
-              </a:lnSpc>
-              <a:defRPr sz="1100">
-                <a:latin typeface="Montserrat Light"/>
-                <a:ea typeface="Montserrat Light"/>
-                <a:cs typeface="Montserrat Light"/>
-                <a:sym typeface="Montserrat Light"/>
-              </a:defRPr>
-            </a:pPr>
-            <a:r>
-              <a:t>For more information about how this statement is used to make the React app resources available, see here.</a:t>
+              <a:t>You are already familiar with the Fetch API. It provides an interface for asynchronously fetching resources. </a:t>
             </a:r>
           </a:p>
         </p:txBody>
@@ -2434,7 +814,7 @@
       </p:grpSpPr>
       <p:sp>
         <p:nvSpPr>
-          <p:cNvPr id="242" name="Shape 242"/>
+          <p:cNvPr id="243" name="Shape 243"/>
           <p:cNvSpPr/>
           <p:nvPr>
             <p:ph type="sldImg"/>
@@ -2455,7 +835,7 @@
       </p:sp>
       <p:sp>
         <p:nvSpPr>
-          <p:cNvPr id="243" name="Shape 243"/>
+          <p:cNvPr id="244" name="Shape 244"/>
           <p:cNvSpPr/>
           <p:nvPr>
             <p:ph type="body" sz="quarter" idx="1"/>
@@ -2468,9 +848,8 @@
         </p:spPr>
         <p:txBody>
           <a:bodyPr/>
-          <a:lstStyle/>
-          <a:p>
-            <a:pPr algn="just">
+          <a:lstStyle>
+            <a:lvl1pPr algn="just">
               <a:lnSpc>
                 <a:spcPct val="125000"/>
               </a:lnSpc>
@@ -2480,83 +859,12 @@
                 <a:cs typeface="Montserrat Light"/>
                 <a:sym typeface="Montserrat Light"/>
               </a:defRPr>
-            </a:pPr>
-            <a:r>
-              <a:t>Therefore, the decision that you face is basically whether to: </a:t>
-            </a:r>
-          </a:p>
-          <a:p>
-            <a:pPr marL="457200" indent="-298450" algn="just">
-              <a:lnSpc>
-                <a:spcPct val="125000"/>
-              </a:lnSpc>
-              <a:buClr>
-                <a:srgbClr val="000000"/>
-              </a:buClr>
-              <a:buSzPts val="1100"/>
-              <a:buFont typeface="Helvetica"/>
-              <a:buChar char="●"/>
-              <a:defRPr sz="1100">
-                <a:latin typeface="Montserrat Light"/>
-                <a:ea typeface="Montserrat Light"/>
-                <a:cs typeface="Montserrat Light"/>
-                <a:sym typeface="Montserrat Light"/>
-              </a:defRPr>
-            </a:pPr>
-            <a:r>
-              <a:t>Keep them together – Express and React applications sit on the same machine. The Express application then serves the React files and the API requests. Otherwise,</a:t>
-            </a:r>
-          </a:p>
-          <a:p>
-            <a:pPr marL="457200" indent="-298450" algn="just">
-              <a:lnSpc>
-                <a:spcPct val="125000"/>
-              </a:lnSpc>
-              <a:buClr>
-                <a:srgbClr val="000000"/>
-              </a:buClr>
-              <a:buSzPts val="1100"/>
-              <a:buFont typeface="Helvetica"/>
-              <a:buChar char="●"/>
-              <a:defRPr sz="1100">
-                <a:latin typeface="Montserrat Light"/>
-                <a:ea typeface="Montserrat Light"/>
-                <a:cs typeface="Montserrat Light"/>
-                <a:sym typeface="Montserrat Light"/>
-              </a:defRPr>
-            </a:pPr>
-            <a:r>
-              <a:t>Split them apart – Host the Express API on one machine, and the React app on another. </a:t>
-            </a:r>
-          </a:p>
-          <a:p>
-            <a:pPr algn="just">
-              <a:lnSpc>
-                <a:spcPct val="125000"/>
-              </a:lnSpc>
-              <a:defRPr sz="1100"/>
-            </a:pPr>
-            <a:endParaRPr>
-              <a:latin typeface="Montserrat Light"/>
-              <a:ea typeface="Montserrat Light"/>
-              <a:cs typeface="Montserrat Light"/>
-              <a:sym typeface="Montserrat Light"/>
-            </a:endParaRPr>
-          </a:p>
-          <a:p>
-            <a:pPr algn="just">
-              <a:lnSpc>
-                <a:spcPct val="125000"/>
-              </a:lnSpc>
-              <a:defRPr sz="1100">
-                <a:latin typeface="Montserrat Light"/>
-                <a:ea typeface="Montserrat Light"/>
-                <a:cs typeface="Montserrat Light"/>
-                <a:sym typeface="Montserrat Light"/>
-              </a:defRPr>
-            </a:pPr>
-            <a:r>
-              <a:t>In this task, we will be keeping the React and Express apps together. Therefore, we recommend that you create the front-end React application within the back-end Express application project directory. Your back-end project directory would thus contain your front-end project directory:</a:t>
+            </a:lvl1pPr>
+          </a:lstStyle>
+          <a:p>
+            <a:pPr/>
+            <a:r>
+              <a:t>You are already familiar with the Fetch API. It provides an interface for asynchronously fetching resources. </a:t>
             </a:r>
           </a:p>
         </p:txBody>
@@ -2588,7 +896,7 @@
       </p:grpSpPr>
       <p:sp>
         <p:nvSpPr>
-          <p:cNvPr id="249" name="Shape 249"/>
+          <p:cNvPr id="250" name="Shape 250"/>
           <p:cNvSpPr/>
           <p:nvPr>
             <p:ph type="sldImg"/>
@@ -2609,7 +917,7 @@
       </p:sp>
       <p:sp>
         <p:nvSpPr>
-          <p:cNvPr id="250" name="Shape 250"/>
+          <p:cNvPr id="251" name="Shape 251"/>
           <p:cNvSpPr/>
           <p:nvPr>
             <p:ph type="body" sz="quarter" idx="1"/>
@@ -2638,7 +946,7 @@
           <a:p>
             <a:pPr/>
             <a:r>
-              <a:t> From your React app, specify that the Express app is the proxy server (i.e. will intercept HTTP requests). When the user requests a resource that is not static through the React front-end, the request is forwarded to the proxy (Express app) which will then handle the request. </a:t>
+              <a:t>You are already familiar with the Fetch API. It provides an interface for asynchronously fetching resources. </a:t>
             </a:r>
           </a:p>
         </p:txBody>
@@ -2720,7 +1028,7 @@
           <a:p>
             <a:pPr/>
             <a:r>
-              <a:t> From your React app, specify that the Express app is the proxy server (i.e. will intercept HTTP requests). When the user requests a resource that is not static through the React front-end, the request is forwarded to the proxy (Express app) which will then handle the request. </a:t>
+              <a:t>You are already familiar with the Fetch API. It provides an interface for asynchronously fetching resources. </a:t>
             </a:r>
           </a:p>
         </p:txBody>
@@ -2752,7 +1060,7 @@
       </p:grpSpPr>
       <p:sp>
         <p:nvSpPr>
-          <p:cNvPr id="264" name="Shape 264"/>
+          <p:cNvPr id="262" name="Shape 262"/>
           <p:cNvSpPr/>
           <p:nvPr>
             <p:ph type="sldImg"/>
@@ -2773,7 +1081,7 @@
       </p:sp>
       <p:sp>
         <p:nvSpPr>
-          <p:cNvPr id="265" name="Shape 265"/>
+          <p:cNvPr id="263" name="Shape 263"/>
           <p:cNvSpPr/>
           <p:nvPr>
             <p:ph type="body" sz="quarter" idx="1"/>
@@ -2786,8 +1094,9 @@
         </p:spPr>
         <p:txBody>
           <a:bodyPr/>
-          <a:lstStyle>
-            <a:lvl1pPr algn="just">
+          <a:lstStyle/>
+          <a:p>
+            <a:pPr algn="just">
               <a:lnSpc>
                 <a:spcPct val="125000"/>
               </a:lnSpc>
@@ -2797,12 +1106,84 @@
                 <a:cs typeface="Montserrat Light"/>
                 <a:sym typeface="Montserrat Light"/>
               </a:defRPr>
-            </a:lvl1pPr>
-          </a:lstStyle>
-          <a:p>
-            <a:pPr/>
-            <a:r>
-              <a:t> From your React app, specify that the Express app is the proxy server (i.e. will intercept HTTP requests). When the user requests a resource that is not static through the React front-end, the request is forwarded to the proxy (Express app) which will then handle the request. </a:t>
+            </a:pPr>
+            <a:r>
+              <a:t>You will notice that you use the Fetch API in nearly exactly the same manner whether you are getting data from a remote or local API (your Express app). The only difference if you are getting data from the Express server that you have configured as the proxy, is that you only provide the path to the resource, not the full URL (i.e. </a:t>
+            </a:r>
+            <a:r>
+              <a:rPr>
+                <a:latin typeface="Consolas"/>
+                <a:ea typeface="Consolas"/>
+                <a:cs typeface="Consolas"/>
+                <a:sym typeface="Consolas"/>
+              </a:rPr>
+              <a:t>fetch(“/items”)</a:t>
+            </a:r>
+            <a:r>
+              <a:t> instead of </a:t>
+            </a:r>
+            <a:r>
+              <a:rPr>
+                <a:latin typeface="Consolas"/>
+                <a:ea typeface="Consolas"/>
+                <a:cs typeface="Consolas"/>
+                <a:sym typeface="Consolas"/>
+              </a:rPr>
+              <a:t>fetch("</a:t>
+            </a:r>
+            <a:r>
+              <a:rPr u="sng">
+                <a:solidFill>
+                  <a:srgbClr val="0000FF"/>
+                </a:solidFill>
+                <a:uFill>
+                  <a:solidFill>
+                    <a:srgbClr val="0000FF"/>
+                  </a:solidFill>
+                </a:uFill>
+                <a:latin typeface="Consolas"/>
+                <a:ea typeface="Consolas"/>
+                <a:cs typeface="Consolas"/>
+                <a:sym typeface="Consolas"/>
+                <a:hlinkClick r:id="rId3" invalidUrl="" action="" tgtFrame="" tooltip="" history="1" highlightClick="0" endSnd="0"/>
+              </a:rPr>
+              <a:t>https://api.example.com/items</a:t>
+            </a:r>
+            <a:r>
+              <a:rPr>
+                <a:latin typeface="Consolas"/>
+                <a:ea typeface="Consolas"/>
+                <a:cs typeface="Consolas"/>
+                <a:sym typeface="Consolas"/>
+              </a:rPr>
+              <a:t>")</a:t>
+            </a:r>
+            <a:r>
+              <a:t>). The path that you pass as an argument to the fetch() method should have a corresponding route in the Express app. E.g. </a:t>
+            </a:r>
+            <a:r>
+              <a:rPr>
+                <a:latin typeface="Consolas"/>
+                <a:ea typeface="Consolas"/>
+                <a:cs typeface="Consolas"/>
+                <a:sym typeface="Consolas"/>
+              </a:rPr>
+              <a:t>fetch("/items") </a:t>
+            </a:r>
+            <a:r>
+              <a:t>in the React app would have a matching </a:t>
+            </a:r>
+            <a:r>
+              <a:rPr>
+                <a:latin typeface="Consolas"/>
+                <a:ea typeface="Consolas"/>
+                <a:cs typeface="Consolas"/>
+                <a:sym typeface="Consolas"/>
+              </a:rPr>
+              <a:t>app.get('/get', function(req, res) {...</a:t>
+            </a:r>
+            <a:r>
+              <a:t> route in the Express app.</a:t>
             </a:r>
           </a:p>
         </p:txBody>
@@ -2834,7 +1215,7 @@
       </p:grpSpPr>
       <p:sp>
         <p:nvSpPr>
-          <p:cNvPr id="271" name="Shape 271"/>
+          <p:cNvPr id="270" name="Shape 270"/>
           <p:cNvSpPr/>
           <p:nvPr>
             <p:ph type="sldImg"/>
@@ -2855,7 +1236,7 @@
       </p:sp>
       <p:sp>
         <p:nvSpPr>
-          <p:cNvPr id="272" name="Shape 272"/>
+          <p:cNvPr id="271" name="Shape 271"/>
           <p:cNvSpPr/>
           <p:nvPr>
             <p:ph type="body" sz="quarter" idx="1"/>
@@ -2882,49 +1263,7 @@
               </a:defRPr>
             </a:pPr>
             <a:r>
-              <a:t>To specify that the Express app is the proxy, do the following: </a:t>
-            </a:r>
-          </a:p>
-          <a:p>
-            <a:pPr marL="457200" indent="-298450" algn="just">
-              <a:lnSpc>
-                <a:spcPct val="125000"/>
-              </a:lnSpc>
-              <a:buClr>
-                <a:srgbClr val="000000"/>
-              </a:buClr>
-              <a:buSzPts val="1100"/>
-              <a:buAutoNum type="arabicPeriod" startAt="1"/>
-              <a:defRPr sz="1100">
-                <a:latin typeface="Montserrat Light"/>
-                <a:ea typeface="Montserrat Light"/>
-                <a:cs typeface="Montserrat Light"/>
-                <a:sym typeface="Montserrat Light"/>
-              </a:defRPr>
-            </a:pPr>
-            <a:r>
-              <a:t>Open the package.json file of your React app. Be careful here. Open the package.json file for your React app, not for your Express app. </a:t>
-            </a:r>
-          </a:p>
-          <a:p>
-            <a:pPr marL="457200" indent="-298450" algn="just">
-              <a:lnSpc>
-                <a:spcPct val="125000"/>
-              </a:lnSpc>
-              <a:buClr>
-                <a:srgbClr val="000000"/>
-              </a:buClr>
-              <a:buSzPts val="1100"/>
-              <a:buAutoNum type="arabicPeriod" startAt="1"/>
-              <a:defRPr sz="1100">
-                <a:latin typeface="Montserrat Light"/>
-                <a:ea typeface="Montserrat Light"/>
-                <a:cs typeface="Montserrat Light"/>
-                <a:sym typeface="Montserrat Light"/>
-              </a:defRPr>
-            </a:pPr>
-            <a:r>
-              <a:t>Add the proxy information to the package.json file as shown below. Make sure that the port you specify is the same port number that you configured for the Express app. Also, make sure that the React and Express apps are working on different ports (you will have to modify at least one of them because both listen on Port 3000 by default).</a:t>
+              <a:t>The Fetch API provides a JavaScript interface for accessing and manipulating parts of the HTTP pipeline, such as requests and responses. As such, it can also be used to make HTTP PUT, POST or DELETE requests.</a:t>
             </a:r>
           </a:p>
           <a:p>
@@ -2939,24 +1278,133 @@
                 <a:sym typeface="Montserrat Light"/>
               </a:defRPr>
             </a:pPr>
-            <a:r>
-              <a:t>	</a:t>
-            </a:r>
-          </a:p>
-          <a:p>
-            <a:pPr indent="457200" algn="just">
+          </a:p>
+          <a:p>
+            <a:pPr algn="just">
               <a:lnSpc>
                 <a:spcPct val="125000"/>
               </a:lnSpc>
               <a:defRPr sz="1100">
+                <a:latin typeface="Montserrat Light"/>
+                <a:ea typeface="Montserrat Light"/>
+                <a:cs typeface="Montserrat Light"/>
+                <a:sym typeface="Montserrat Light"/>
+              </a:defRPr>
+            </a:pPr>
+            <a:r>
+              <a:t>Make sure that your parse the response you get from the Express server appropriately. Remember that from the Express Server, </a:t>
+            </a:r>
+            <a:r>
+              <a:rPr u="sng">
+                <a:solidFill>
+                  <a:srgbClr val="0000FF"/>
+                </a:solidFill>
+                <a:uFill>
+                  <a:solidFill>
+                    <a:srgbClr val="0000FF"/>
+                  </a:solidFill>
+                </a:uFill>
                 <a:latin typeface="Consolas"/>
                 <a:ea typeface="Consolas"/>
                 <a:cs typeface="Consolas"/>
                 <a:sym typeface="Consolas"/>
+                <a:hlinkClick r:id="rId3" invalidUrl="" action="" tgtFrame="" tooltip="" history="1" highlightClick="0" endSnd="0"/>
+              </a:rPr>
+              <a:t>res.send()</a:t>
+            </a:r>
+            <a:r>
+              <a:t> can be used to send various types of responses (in the body of the HTTP response) to the front-end including Buffer objects, Strings, objects, or Arrays. When the parameter is a String (e.g. </a:t>
+            </a:r>
+            <a:r>
+              <a:rPr>
+                <a:latin typeface="Consolas"/>
+                <a:ea typeface="Consolas"/>
+                <a:cs typeface="Consolas"/>
+                <a:sym typeface="Consolas"/>
+              </a:rPr>
+              <a:t>res.send('&lt;p&gt;some html&lt;/p&gt;');</a:t>
+            </a:r>
+            <a:r>
+              <a:t>), the </a:t>
+            </a:r>
+            <a:r>
+              <a:rPr>
+                <a:latin typeface="Consolas"/>
+                <a:ea typeface="Consolas"/>
+                <a:cs typeface="Consolas"/>
+                <a:sym typeface="Consolas"/>
+              </a:rPr>
+              <a:t>res.send()</a:t>
+            </a:r>
+            <a:r>
+              <a:t> method sets the Content-Type to “text/html”. When the parameter is an Array or Object, Express responds with the JSON representation. You can also use </a:t>
+            </a:r>
+            <a:r>
+              <a:rPr u="sng">
+                <a:solidFill>
+                  <a:srgbClr val="0000FF"/>
+                </a:solidFill>
+                <a:uFill>
+                  <a:solidFill>
+                    <a:srgbClr val="0000FF"/>
+                  </a:solidFill>
+                </a:uFill>
+                <a:latin typeface="Consolas"/>
+                <a:ea typeface="Consolas"/>
+                <a:cs typeface="Consolas"/>
+                <a:sym typeface="Consolas"/>
+                <a:hlinkClick r:id="rId4" invalidUrl="" action="" tgtFrame="" tooltip="" history="1" highlightClick="0" endSnd="0"/>
+              </a:rPr>
+              <a:t>res.json()</a:t>
+            </a:r>
+            <a:r>
+              <a:t> to send JSON data. </a:t>
+            </a:r>
+          </a:p>
+          <a:p>
+            <a:pPr algn="just">
+              <a:lnSpc>
+                <a:spcPct val="125000"/>
+              </a:lnSpc>
+              <a:defRPr sz="1100">
+                <a:latin typeface="Montserrat Light"/>
+                <a:ea typeface="Montserrat Light"/>
+                <a:cs typeface="Montserrat Light"/>
+                <a:sym typeface="Montserrat Light"/>
               </a:defRPr>
             </a:pPr>
-            <a:r>
-              <a:t>"proxy": "http://localhost:3001"</a:t>
+          </a:p>
+          <a:p>
+            <a:pPr algn="just">
+              <a:lnSpc>
+                <a:spcPct val="125000"/>
+              </a:lnSpc>
+              <a:defRPr sz="1100">
+                <a:latin typeface="Montserrat Light"/>
+                <a:ea typeface="Montserrat Light"/>
+                <a:cs typeface="Montserrat Light"/>
+                <a:sym typeface="Montserrat Light"/>
+              </a:defRPr>
+            </a:pPr>
+            <a:r>
+              <a:t>When you parse the data sent from the Express app in the fetch() method in your React app, you could use either res.json() (as shown in the example above) or </a:t>
+            </a:r>
+            <a:r>
+              <a:rPr u="sng">
+                <a:solidFill>
+                  <a:srgbClr val="0000FF"/>
+                </a:solidFill>
+                <a:uFill>
+                  <a:solidFill>
+                    <a:srgbClr val="0000FF"/>
+                  </a:solidFill>
+                </a:uFill>
+                <a:hlinkClick r:id="rId5" invalidUrl="" action="" tgtFrame="" tooltip="" history="1" highlightClick="0" endSnd="0"/>
+              </a:rPr>
+              <a:t>res.text()</a:t>
+            </a:r>
+            <a:r>
+              <a:t>.</a:t>
             </a:r>
           </a:p>
         </p:txBody>
@@ -2988,7 +1436,7 @@
       </p:grpSpPr>
       <p:sp>
         <p:nvSpPr>
-          <p:cNvPr id="278" name="Shape 278"/>
+          <p:cNvPr id="276" name="Shape 276"/>
           <p:cNvSpPr/>
           <p:nvPr>
             <p:ph type="sldImg"/>
@@ -3009,7 +1457,7 @@
       </p:sp>
       <p:sp>
         <p:nvSpPr>
-          <p:cNvPr id="279" name="Shape 279"/>
+          <p:cNvPr id="277" name="Shape 277"/>
           <p:cNvSpPr/>
           <p:nvPr>
             <p:ph type="body" sz="quarter" idx="1"/>
@@ -3022,8 +1470,9 @@
         </p:spPr>
         <p:txBody>
           <a:bodyPr/>
-          <a:lstStyle>
-            <a:lvl1pPr algn="just">
+          <a:lstStyle/>
+          <a:p>
+            <a:pPr algn="just">
               <a:lnSpc>
                 <a:spcPct val="125000"/>
               </a:lnSpc>
@@ -3033,12 +1482,121 @@
                 <a:cs typeface="Montserrat Light"/>
                 <a:sym typeface="Montserrat Light"/>
               </a:defRPr>
-            </a:lvl1pPr>
-          </a:lstStyle>
-          <a:p>
-            <a:pPr/>
-            <a:r>
-              <a:t>You are already familiar with the Fetch API. It provides an interface for asynchronously fetching resources. </a:t>
+            </a:pPr>
+            <a:r>
+              <a:t>To use the fetch() method to make HTTP POST, PUT or DELETE requests, we pass the fetch() method an optional second argument, an init object that allows you to control a number of different settings. </a:t>
+            </a:r>
+          </a:p>
+          <a:p>
+            <a:pPr algn="just">
+              <a:lnSpc>
+                <a:spcPct val="125000"/>
+              </a:lnSpc>
+              <a:defRPr sz="1100">
+                <a:latin typeface="Montserrat Light"/>
+                <a:ea typeface="Montserrat Light"/>
+                <a:cs typeface="Montserrat Light"/>
+                <a:sym typeface="Montserrat Light"/>
+              </a:defRPr>
+            </a:pPr>
+          </a:p>
+          <a:p>
+            <a:pPr algn="just">
+              <a:lnSpc>
+                <a:spcPct val="125000"/>
+              </a:lnSpc>
+              <a:defRPr sz="1100">
+                <a:latin typeface="Montserrat Light"/>
+                <a:ea typeface="Montserrat Light"/>
+                <a:cs typeface="Montserrat Light"/>
+                <a:sym typeface="Montserrat Light"/>
+              </a:defRPr>
+            </a:pPr>
+            <a:r>
+              <a:t>Important settings that can be specified are:</a:t>
+            </a:r>
+          </a:p>
+          <a:p>
+            <a:pPr marL="457200" indent="-298450" algn="just">
+              <a:lnSpc>
+                <a:spcPct val="125000"/>
+              </a:lnSpc>
+              <a:buClr>
+                <a:srgbClr val="000000"/>
+              </a:buClr>
+              <a:buSzPts val="1100"/>
+              <a:buFont typeface="Helvetica"/>
+              <a:buChar char="●"/>
+              <a:defRPr sz="1100">
+                <a:latin typeface="Montserrat Light"/>
+                <a:ea typeface="Montserrat Light"/>
+                <a:cs typeface="Montserrat Light"/>
+                <a:sym typeface="Montserrat Light"/>
+              </a:defRPr>
+            </a:pPr>
+            <a:r>
+              <a:t>method: which can be GET, POST, PUT or DELETE </a:t>
+            </a:r>
+          </a:p>
+          <a:p>
+            <a:pPr marL="457200" indent="-298450" algn="just">
+              <a:lnSpc>
+                <a:spcPct val="125000"/>
+              </a:lnSpc>
+              <a:buClr>
+                <a:srgbClr val="000000"/>
+              </a:buClr>
+              <a:buSzPts val="1100"/>
+              <a:buFont typeface="Helvetica"/>
+              <a:buChar char="●"/>
+              <a:defRPr sz="1100">
+                <a:latin typeface="Montserrat Light"/>
+                <a:ea typeface="Montserrat Light"/>
+                <a:cs typeface="Montserrat Light"/>
+                <a:sym typeface="Montserrat Light"/>
+              </a:defRPr>
+            </a:pPr>
+            <a:r>
+              <a:t>headers:  A headers object is a simple multi-map of names to values. Importantly we can modify the “Content-Type” to describe the type of data that is being passed with the request. The “Content-Type can be "application/json" or "application/x-www-form-urlencoded". </a:t>
+            </a:r>
+          </a:p>
+          <a:p>
+            <a:pPr marL="457200" indent="-298450" algn="just">
+              <a:lnSpc>
+                <a:spcPct val="125000"/>
+              </a:lnSpc>
+              <a:buClr>
+                <a:srgbClr val="000000"/>
+              </a:buClr>
+              <a:buSzPts val="1100"/>
+              <a:buFont typeface="Helvetica"/>
+              <a:buChar char="●"/>
+              <a:defRPr sz="1100">
+                <a:latin typeface="Montserrat Light"/>
+                <a:ea typeface="Montserrat Light"/>
+                <a:cs typeface="Montserrat Light"/>
+                <a:sym typeface="Montserrat Light"/>
+              </a:defRPr>
+            </a:pPr>
+            <a:r>
+              <a:t>Body: Both requests and responses may contain body data which can be either text, JSON, form data or an array buffer. See more about the types of data that can be sent or received in the body </a:t>
+            </a:r>
+            <a:r>
+              <a:rPr u="sng">
+                <a:solidFill>
+                  <a:srgbClr val="0000FF"/>
+                </a:solidFill>
+                <a:uFill>
+                  <a:solidFill>
+                    <a:srgbClr val="0000FF"/>
+                  </a:solidFill>
+                </a:uFill>
+                <a:hlinkClick r:id="rId3" invalidUrl="" action="" tgtFrame="" tooltip="" history="1" highlightClick="0" endSnd="0"/>
+              </a:rPr>
+              <a:t>here</a:t>
+            </a:r>
+            <a:r>
+              <a:t>. Any data that should be passed from the front-end to the server or vice-a-versa is sent in the body. The body data type must match the "Content-Type" header.</a:t>
             </a:r>
           </a:p>
         </p:txBody>
@@ -3070,7 +1628,7 @@
       </p:grpSpPr>
       <p:sp>
         <p:nvSpPr>
-          <p:cNvPr id="285" name="Shape 285"/>
+          <p:cNvPr id="282" name="Shape 282"/>
           <p:cNvSpPr/>
           <p:nvPr>
             <p:ph type="sldImg"/>
@@ -3091,7 +1649,7 @@
       </p:sp>
       <p:sp>
         <p:nvSpPr>
-          <p:cNvPr id="286" name="Shape 286"/>
+          <p:cNvPr id="283" name="Shape 283"/>
           <p:cNvSpPr/>
           <p:nvPr>
             <p:ph type="body" sz="quarter" idx="1"/>
@@ -3120,7 +1678,7 @@
           <a:p>
             <a:pPr/>
             <a:r>
-              <a:t>You are already familiar with the Fetch API. It provides an interface for asynchronously fetching resources. </a:t>
+              <a:t>Notice how the init object is passed as a second argument to the fetch() method below to make an HTTP post request that passes some data stored as JSON to the server:</a:t>
             </a:r>
           </a:p>
         </p:txBody>
@@ -3158,10 +1716,10 @@
         </p:nvGrpSpPr>
         <p:grpSpPr>
           <a:xfrm>
-            <a:off x="-1" y="-6351"/>
-            <a:ext cx="9144001" cy="5149851"/>
+            <a:off x="-2" y="-6352"/>
+            <a:ext cx="9144003" cy="5149853"/>
             <a:chOff x="0" y="0"/>
-            <a:chExt cx="9144000" cy="5149850"/>
+            <a:chExt cx="9144001" cy="5149852"/>
           </a:xfrm>
         </p:grpSpPr>
         <p:sp>
@@ -3172,8 +1730,8 @@
           </p:nvSpPr>
           <p:spPr>
             <a:xfrm>
-              <a:off x="7028259" y="6350"/>
-              <a:ext cx="914400" cy="5143500"/>
+              <a:off x="7028259" y="6349"/>
+              <a:ext cx="914401" cy="5143502"/>
             </a:xfrm>
             <a:prstGeom prst="line">
               <a:avLst/>
@@ -3189,7 +1747,7 @@
             <a:effectLst/>
           </p:spPr>
           <p:txBody>
-            <a:bodyPr wrap="square" lIns="0" tIns="0" rIns="0" bIns="0" numCol="1" anchor="t">
+            <a:bodyPr wrap="square" lIns="45718" tIns="45718" rIns="45718" bIns="45718" numCol="1" anchor="t">
               <a:noAutofit/>
             </a:bodyPr>
             <a:lstStyle/>
@@ -3207,7 +1765,7 @@
           <p:spPr>
             <a:xfrm flipH="1">
               <a:off x="5568950" y="2767409"/>
-              <a:ext cx="3572669" cy="2382441"/>
+              <a:ext cx="3572671" cy="2382442"/>
             </a:xfrm>
             <a:prstGeom prst="line">
               <a:avLst/>
@@ -3223,7 +1781,7 @@
             <a:effectLst/>
           </p:spPr>
           <p:txBody>
-            <a:bodyPr wrap="square" lIns="0" tIns="0" rIns="0" bIns="0" numCol="1" anchor="t">
+            <a:bodyPr wrap="square" lIns="45718" tIns="45718" rIns="45718" bIns="45718" numCol="1" anchor="t">
               <a:noAutofit/>
             </a:bodyPr>
             <a:lstStyle/>
@@ -3241,7 +1799,7 @@
           <p:spPr>
             <a:xfrm>
               <a:off x="6886106" y="-1"/>
-              <a:ext cx="2255513" cy="5149851"/>
+              <a:ext cx="2255514" cy="5149853"/>
             </a:xfrm>
             <a:custGeom>
               <a:avLst/>
@@ -3300,7 +1858,14 @@
             </a:bodyPr>
             <a:lstStyle/>
             <a:p>
-              <a:pPr/>
+              <a:pPr>
+                <a:defRPr>
+                  <a:latin typeface="+mj-lt"/>
+                  <a:ea typeface="+mj-ea"/>
+                  <a:cs typeface="+mj-cs"/>
+                  <a:sym typeface="Arial"/>
+                </a:defRPr>
+              </a:pPr>
             </a:p>
           </p:txBody>
         </p:sp>
@@ -3313,7 +1878,7 @@
           <p:spPr>
             <a:xfrm>
               <a:off x="7202581" y="-1"/>
-              <a:ext cx="1941419" cy="5149851"/>
+              <a:ext cx="1941420" cy="5149853"/>
             </a:xfrm>
             <a:custGeom>
               <a:avLst/>
@@ -3372,7 +1937,14 @@
             </a:bodyPr>
             <a:lstStyle/>
             <a:p>
-              <a:pPr/>
+              <a:pPr>
+                <a:defRPr>
+                  <a:latin typeface="+mj-lt"/>
+                  <a:ea typeface="+mj-ea"/>
+                  <a:cs typeface="+mj-cs"/>
+                  <a:sym typeface="Arial"/>
+                </a:defRPr>
+              </a:pPr>
             </a:p>
           </p:txBody>
         </p:sp>
@@ -3385,7 +1957,7 @@
           <p:spPr>
             <a:xfrm>
               <a:off x="6699250" y="2292350"/>
-              <a:ext cx="2444750" cy="2857500"/>
+              <a:ext cx="2444751" cy="2857501"/>
             </a:xfrm>
             <a:custGeom>
               <a:avLst/>
@@ -3438,7 +2010,14 @@
             </a:bodyPr>
             <a:lstStyle/>
             <a:p>
-              <a:pPr/>
+              <a:pPr>
+                <a:defRPr>
+                  <a:latin typeface="+mj-lt"/>
+                  <a:ea typeface="+mj-ea"/>
+                  <a:cs typeface="+mj-cs"/>
+                  <a:sym typeface="Arial"/>
+                </a:defRPr>
+              </a:pPr>
             </a:p>
           </p:txBody>
         </p:sp>
@@ -3451,7 +2030,7 @@
           <p:spPr>
             <a:xfrm>
               <a:off x="7000875" y="-1"/>
-              <a:ext cx="2140745" cy="5149851"/>
+              <a:ext cx="2140747" cy="5149853"/>
             </a:xfrm>
             <a:custGeom>
               <a:avLst/>
@@ -3510,7 +2089,14 @@
             </a:bodyPr>
             <a:lstStyle/>
             <a:p>
-              <a:pPr/>
+              <a:pPr>
+                <a:defRPr>
+                  <a:latin typeface="+mj-lt"/>
+                  <a:ea typeface="+mj-ea"/>
+                  <a:cs typeface="+mj-cs"/>
+                  <a:sym typeface="Arial"/>
+                </a:defRPr>
+              </a:pPr>
             </a:p>
           </p:txBody>
         </p:sp>
@@ -3523,7 +2109,7 @@
           <p:spPr>
             <a:xfrm>
               <a:off x="8174047" y="-1"/>
-              <a:ext cx="967572" cy="5149851"/>
+              <a:ext cx="967573" cy="5149853"/>
             </a:xfrm>
             <a:custGeom>
               <a:avLst/>
@@ -3582,7 +2168,14 @@
             </a:bodyPr>
             <a:lstStyle/>
             <a:p>
-              <a:pPr/>
+              <a:pPr>
+                <a:defRPr>
+                  <a:latin typeface="+mj-lt"/>
+                  <a:ea typeface="+mj-ea"/>
+                  <a:cs typeface="+mj-cs"/>
+                  <a:sym typeface="Arial"/>
+                </a:defRPr>
+              </a:pPr>
             </a:p>
           </p:txBody>
         </p:sp>
@@ -3595,7 +2188,7 @@
           <p:spPr>
             <a:xfrm>
               <a:off x="8204248" y="-1"/>
-              <a:ext cx="937370" cy="5149851"/>
+              <a:ext cx="937371" cy="5149853"/>
             </a:xfrm>
             <a:custGeom>
               <a:avLst/>
@@ -3654,7 +2247,14 @@
             </a:bodyPr>
             <a:lstStyle/>
             <a:p>
-              <a:pPr/>
+              <a:pPr>
+                <a:defRPr>
+                  <a:latin typeface="+mj-lt"/>
+                  <a:ea typeface="+mj-ea"/>
+                  <a:cs typeface="+mj-cs"/>
+                  <a:sym typeface="Arial"/>
+                </a:defRPr>
+              </a:pPr>
             </a:p>
           </p:txBody>
         </p:sp>
@@ -3667,7 +2267,7 @@
           <p:spPr>
             <a:xfrm>
               <a:off x="7778749" y="2698750"/>
-              <a:ext cx="1362870" cy="2451100"/>
+              <a:ext cx="1362871" cy="2451102"/>
             </a:xfrm>
             <a:custGeom>
               <a:avLst/>
@@ -3720,7 +2320,14 @@
             </a:bodyPr>
             <a:lstStyle/>
             <a:p>
-              <a:pPr/>
+              <a:pPr>
+                <a:defRPr>
+                  <a:latin typeface="+mj-lt"/>
+                  <a:ea typeface="+mj-ea"/>
+                  <a:cs typeface="+mj-cs"/>
+                  <a:sym typeface="Arial"/>
+                </a:defRPr>
+              </a:pPr>
             </a:p>
           </p:txBody>
         </p:sp>
@@ -3732,8 +2339,8 @@
           </p:nvSpPr>
           <p:spPr>
             <a:xfrm rot="10800000">
-              <a:off x="0" y="6350"/>
-              <a:ext cx="631948" cy="4249616"/>
+              <a:off x="-1" y="6349"/>
+              <a:ext cx="631949" cy="4249618"/>
             </a:xfrm>
             <a:custGeom>
               <a:avLst/>
@@ -3786,7 +2393,14 @@
             </a:bodyPr>
             <a:lstStyle/>
             <a:p>
-              <a:pPr/>
+              <a:pPr>
+                <a:defRPr>
+                  <a:latin typeface="+mj-lt"/>
+                  <a:ea typeface="+mj-ea"/>
+                  <a:cs typeface="+mj-cs"/>
+                  <a:sym typeface="Arial"/>
+                </a:defRPr>
+              </a:pPr>
             </a:p>
           </p:txBody>
         </p:sp>
@@ -3843,7 +2457,7 @@
         <p:txBody>
           <a:bodyPr lIns="45699" tIns="45699" rIns="45699" bIns="45699"/>
           <a:lstStyle>
-            <a:lvl1pPr marL="297179" indent="-137159" algn="r">
+            <a:lvl1pPr marL="137158" indent="22861" algn="r">
               <a:spcBef>
                 <a:spcPts val="700"/>
               </a:spcBef>
@@ -3857,7 +2471,7 @@
                 </a:solidFill>
               </a:defRPr>
             </a:lvl1pPr>
-            <a:lvl2pPr marL="297179" indent="327660" algn="r">
+            <a:lvl2pPr marL="137158" indent="160020" algn="r">
               <a:spcBef>
                 <a:spcPts val="700"/>
               </a:spcBef>
@@ -3871,7 +2485,7 @@
                 </a:solidFill>
               </a:defRPr>
             </a:lvl2pPr>
-            <a:lvl3pPr marL="297179" indent="792480" algn="r">
+            <a:lvl3pPr marL="137158" indent="160020" algn="r">
               <a:spcBef>
                 <a:spcPts val="700"/>
               </a:spcBef>
@@ -3885,7 +2499,7 @@
                 </a:solidFill>
               </a:defRPr>
             </a:lvl3pPr>
-            <a:lvl4pPr marL="297179" indent="1257300" algn="r">
+            <a:lvl4pPr marL="137158" indent="160020" algn="r">
               <a:spcBef>
                 <a:spcPts val="700"/>
               </a:spcBef>
@@ -3899,7 +2513,7 @@
                 </a:solidFill>
               </a:defRPr>
             </a:lvl4pPr>
-            <a:lvl5pPr marL="297179" indent="1714500" algn="r">
+            <a:lvl5pPr marL="137158" indent="160020" algn="r">
               <a:spcBef>
                 <a:spcPts val="700"/>
               </a:spcBef>
@@ -3956,8 +2570,8 @@
         </p:nvSpPr>
         <p:spPr>
           <a:xfrm>
-            <a:off x="6771481" y="4577793"/>
-            <a:ext cx="184021" cy="180301"/>
+            <a:off x="6771483" y="4577794"/>
+            <a:ext cx="184020" cy="180299"/>
           </a:xfrm>
           <a:prstGeom prst="rect">
             <a:avLst/>
@@ -4041,7 +2655,7 @@
         <p:spPr>
           <a:xfrm>
             <a:off x="508001" y="457200"/>
-            <a:ext cx="6447502" cy="2884290"/>
+            <a:ext cx="6447503" cy="2884291"/>
           </a:xfrm>
           <a:prstGeom prst="rect">
             <a:avLst/>
@@ -4068,7 +2682,7 @@
         <p:spPr>
           <a:xfrm>
             <a:off x="508001" y="4025503"/>
-            <a:ext cx="6447500" cy="505519"/>
+            <a:ext cx="6447500" cy="505520"/>
           </a:xfrm>
           <a:prstGeom prst="rect">
             <a:avLst/>
@@ -4077,7 +2691,7 @@
         <p:txBody>
           <a:bodyPr lIns="45699" tIns="45699" rIns="45699" bIns="45699"/>
           <a:lstStyle>
-            <a:lvl1pPr marL="228600" indent="0">
+            <a:lvl1pPr marL="0" indent="228600">
               <a:spcBef>
                 <a:spcPts val="700"/>
               </a:spcBef>
@@ -4087,7 +2701,7 @@
               <a:buNone/>
               <a:defRPr sz="900"/>
             </a:lvl1pPr>
-            <a:lvl2pPr marL="228600" indent="457200">
+            <a:lvl2pPr marL="0" indent="228600">
               <a:spcBef>
                 <a:spcPts val="700"/>
               </a:spcBef>
@@ -4097,7 +2711,7 @@
               <a:buNone/>
               <a:defRPr sz="900"/>
             </a:lvl2pPr>
-            <a:lvl3pPr marL="228600" indent="914400">
+            <a:lvl3pPr marL="0" indent="228600">
               <a:spcBef>
                 <a:spcPts val="700"/>
               </a:spcBef>
@@ -4107,7 +2721,7 @@
               <a:buNone/>
               <a:defRPr sz="900"/>
             </a:lvl3pPr>
-            <a:lvl4pPr marL="228600" indent="1371600">
+            <a:lvl4pPr marL="0" indent="228600">
               <a:spcBef>
                 <a:spcPts val="700"/>
               </a:spcBef>
@@ -4117,7 +2731,7 @@
               <a:buNone/>
               <a:defRPr sz="900"/>
             </a:lvl4pPr>
-            <a:lvl5pPr marL="228600" indent="1828800">
+            <a:lvl5pPr marL="0" indent="228600">
               <a:spcBef>
                 <a:spcPts val="700"/>
               </a:spcBef>
@@ -4170,8 +2784,8 @@
         </p:nvSpPr>
         <p:spPr>
           <a:xfrm>
-            <a:off x="6771481" y="4577793"/>
-            <a:ext cx="184021" cy="180301"/>
+            <a:off x="6771483" y="4577794"/>
+            <a:ext cx="184020" cy="180299"/>
           </a:xfrm>
           <a:prstGeom prst="rect">
             <a:avLst/>
@@ -4223,7 +2837,7 @@
         <p:spPr>
           <a:xfrm>
             <a:off x="508001" y="457200"/>
-            <a:ext cx="6447502" cy="2552700"/>
+            <a:ext cx="6447503" cy="2552700"/>
           </a:xfrm>
           <a:prstGeom prst="rect">
             <a:avLst/>
@@ -4255,7 +2869,7 @@
         <p:spPr>
           <a:xfrm>
             <a:off x="508001" y="3352800"/>
-            <a:ext cx="6447502" cy="1178222"/>
+            <a:ext cx="6447503" cy="1178222"/>
           </a:xfrm>
           <a:prstGeom prst="rect">
             <a:avLst/>
@@ -4264,7 +2878,7 @@
         <p:txBody>
           <a:bodyPr lIns="45699" tIns="45699" rIns="45699" bIns="45699" anchor="ctr"/>
           <a:lstStyle>
-            <a:lvl1pPr marL="228600" indent="0">
+            <a:lvl1pPr marL="0" indent="228600">
               <a:spcBef>
                 <a:spcPts val="700"/>
               </a:spcBef>
@@ -4273,7 +2887,7 @@
               <a:buFontTx/>
               <a:buNone/>
             </a:lvl1pPr>
-            <a:lvl2pPr marL="228600" indent="457200">
+            <a:lvl2pPr marL="0" indent="228600">
               <a:spcBef>
                 <a:spcPts val="700"/>
               </a:spcBef>
@@ -4282,7 +2896,7 @@
               <a:buFontTx/>
               <a:buNone/>
             </a:lvl2pPr>
-            <a:lvl3pPr marL="228600" indent="914400">
+            <a:lvl3pPr marL="0" indent="228600">
               <a:spcBef>
                 <a:spcPts val="700"/>
               </a:spcBef>
@@ -4291,7 +2905,7 @@
               <a:buFontTx/>
               <a:buNone/>
             </a:lvl3pPr>
-            <a:lvl4pPr marL="228600" indent="1371600">
+            <a:lvl4pPr marL="0" indent="228600">
               <a:spcBef>
                 <a:spcPts val="700"/>
               </a:spcBef>
@@ -4300,7 +2914,7 @@
               <a:buFontTx/>
               <a:buNone/>
             </a:lvl4pPr>
-            <a:lvl5pPr marL="228600" indent="1828800">
+            <a:lvl5pPr marL="0" indent="228600">
               <a:spcBef>
                 <a:spcPts val="700"/>
               </a:spcBef>
@@ -4352,8 +2966,8 @@
         </p:nvSpPr>
         <p:spPr>
           <a:xfrm>
-            <a:off x="6771481" y="4577793"/>
-            <a:ext cx="184021" cy="180301"/>
+            <a:off x="6771483" y="4577794"/>
+            <a:ext cx="184020" cy="180299"/>
           </a:xfrm>
           <a:prstGeom prst="rect">
             <a:avLst/>
@@ -4446,7 +3060,7 @@
         <p:txBody>
           <a:bodyPr lIns="45699" tIns="45699" rIns="45699" bIns="45699" anchor="ctr"/>
           <a:lstStyle>
-            <a:lvl1pPr marL="228600" indent="0">
+            <a:lvl1pPr marL="0" indent="228600">
               <a:spcBef>
                 <a:spcPts val="700"/>
               </a:spcBef>
@@ -4460,7 +3074,7 @@
                 </a:solidFill>
               </a:defRPr>
             </a:lvl1pPr>
-            <a:lvl2pPr marL="228600" indent="457200">
+            <a:lvl2pPr marL="0" indent="228600">
               <a:spcBef>
                 <a:spcPts val="700"/>
               </a:spcBef>
@@ -4474,7 +3088,7 @@
                 </a:solidFill>
               </a:defRPr>
             </a:lvl2pPr>
-            <a:lvl3pPr marL="228600" indent="914400">
+            <a:lvl3pPr marL="0" indent="228600">
               <a:spcBef>
                 <a:spcPts val="700"/>
               </a:spcBef>
@@ -4488,7 +3102,7 @@
                 </a:solidFill>
               </a:defRPr>
             </a:lvl3pPr>
-            <a:lvl4pPr marL="228600" indent="1371600">
+            <a:lvl4pPr marL="0" indent="228600">
               <a:spcBef>
                 <a:spcPts val="700"/>
               </a:spcBef>
@@ -4502,7 +3116,7 @@
                 </a:solidFill>
               </a:defRPr>
             </a:lvl4pPr>
-            <a:lvl5pPr marL="228600" indent="1828800">
+            <a:lvl5pPr marL="0" indent="228600">
               <a:spcBef>
                 <a:spcPts val="700"/>
               </a:spcBef>
@@ -4559,8 +3173,8 @@
         </p:nvSpPr>
         <p:spPr>
           <a:xfrm>
-            <a:off x="508001" y="3352800"/>
-            <a:ext cx="6447502" cy="1178222"/>
+            <a:off x="508000" y="3352800"/>
+            <a:ext cx="6447504" cy="1178222"/>
           </a:xfrm>
           <a:prstGeom prst="rect">
             <a:avLst/>
@@ -4570,15 +3184,7 @@
           <a:bodyPr lIns="45699" tIns="45699" rIns="45699" bIns="45699" anchor="ctr"/>
           <a:lstStyle/>
           <a:p>
-            <a:pPr marL="228600" indent="0">
-              <a:spcBef>
-                <a:spcPts val="700"/>
-              </a:spcBef>
-              <a:buClrTx/>
-              <a:buSzTx/>
-              <a:buFontTx/>
-              <a:buNone/>
-            </a:pPr>
+            <a:pPr/>
           </a:p>
         </p:txBody>
       </p:sp>
@@ -4590,8 +3196,8 @@
         </p:nvSpPr>
         <p:spPr>
           <a:xfrm>
-            <a:off x="440702" y="352114"/>
-            <a:ext cx="388601" cy="919922"/>
+            <a:off x="440701" y="352113"/>
+            <a:ext cx="388602" cy="919923"/>
           </a:xfrm>
           <a:prstGeom prst="rect">
             <a:avLst/>
@@ -4615,6 +3221,10 @@
                 <a:solidFill>
                   <a:srgbClr val="BFE471"/>
                 </a:solidFill>
+                <a:latin typeface="+mj-lt"/>
+                <a:ea typeface="+mj-ea"/>
+                <a:cs typeface="+mj-cs"/>
+                <a:sym typeface="Arial"/>
               </a:defRPr>
             </a:lvl1pPr>
           </a:lstStyle>
@@ -4635,7 +3245,7 @@
         <p:spPr>
           <a:xfrm>
             <a:off x="6704058" y="1924247"/>
-            <a:ext cx="388601" cy="919922"/>
+            <a:ext cx="388602" cy="919922"/>
           </a:xfrm>
           <a:prstGeom prst="rect">
             <a:avLst/>
@@ -4659,6 +3269,10 @@
                 <a:solidFill>
                   <a:srgbClr val="BFE471"/>
                 </a:solidFill>
+                <a:latin typeface="+mj-lt"/>
+                <a:ea typeface="+mj-ea"/>
+                <a:cs typeface="+mj-cs"/>
+                <a:sym typeface="Arial"/>
               </a:defRPr>
             </a:lvl1pPr>
           </a:lstStyle>
@@ -4680,8 +3294,8 @@
         </p:nvSpPr>
         <p:spPr>
           <a:xfrm>
-            <a:off x="6771481" y="4577793"/>
-            <a:ext cx="184021" cy="180301"/>
+            <a:off x="6771483" y="4577794"/>
+            <a:ext cx="184020" cy="180299"/>
           </a:xfrm>
           <a:prstGeom prst="rect">
             <a:avLst/>
@@ -4733,7 +3347,7 @@
         <p:spPr>
           <a:xfrm>
             <a:off x="508001" y="1448991"/>
-            <a:ext cx="6447502" cy="1946595"/>
+            <a:ext cx="6447503" cy="1946595"/>
           </a:xfrm>
           <a:prstGeom prst="rect">
             <a:avLst/>
@@ -4765,7 +3379,7 @@
         <p:spPr>
           <a:xfrm>
             <a:off x="508001" y="3395586"/>
-            <a:ext cx="6447502" cy="1135437"/>
+            <a:ext cx="6447503" cy="1135438"/>
           </a:xfrm>
           <a:prstGeom prst="rect">
             <a:avLst/>
@@ -4774,7 +3388,7 @@
         <p:txBody>
           <a:bodyPr lIns="45699" tIns="45699" rIns="45699" bIns="45699"/>
           <a:lstStyle>
-            <a:lvl1pPr marL="228600" indent="0">
+            <a:lvl1pPr marL="0" indent="228600">
               <a:spcBef>
                 <a:spcPts val="700"/>
               </a:spcBef>
@@ -4783,7 +3397,7 @@
               <a:buFontTx/>
               <a:buNone/>
             </a:lvl1pPr>
-            <a:lvl2pPr marL="228600" indent="457200">
+            <a:lvl2pPr marL="0" indent="228600">
               <a:spcBef>
                 <a:spcPts val="700"/>
               </a:spcBef>
@@ -4792,7 +3406,7 @@
               <a:buFontTx/>
               <a:buNone/>
             </a:lvl2pPr>
-            <a:lvl3pPr marL="228600" indent="914400">
+            <a:lvl3pPr marL="0" indent="228600">
               <a:spcBef>
                 <a:spcPts val="700"/>
               </a:spcBef>
@@ -4801,7 +3415,7 @@
               <a:buFontTx/>
               <a:buNone/>
             </a:lvl3pPr>
-            <a:lvl4pPr marL="228600" indent="1371600">
+            <a:lvl4pPr marL="0" indent="228600">
               <a:spcBef>
                 <a:spcPts val="700"/>
               </a:spcBef>
@@ -4810,7 +3424,7 @@
               <a:buFontTx/>
               <a:buNone/>
             </a:lvl4pPr>
-            <a:lvl5pPr marL="228600" indent="1828800">
+            <a:lvl5pPr marL="0" indent="228600">
               <a:spcBef>
                 <a:spcPts val="700"/>
               </a:spcBef>
@@ -4862,8 +3476,8 @@
         </p:nvSpPr>
         <p:spPr>
           <a:xfrm>
-            <a:off x="6771481" y="4577793"/>
-            <a:ext cx="184021" cy="180301"/>
+            <a:off x="6771483" y="4577794"/>
+            <a:ext cx="184020" cy="180299"/>
           </a:xfrm>
           <a:prstGeom prst="rect">
             <a:avLst/>
@@ -4947,7 +3561,7 @@
         <p:spPr>
           <a:xfrm>
             <a:off x="507998" y="3009900"/>
-            <a:ext cx="6447504" cy="385687"/>
+            <a:ext cx="6447505" cy="385687"/>
           </a:xfrm>
           <a:prstGeom prst="rect">
             <a:avLst/>
@@ -4956,7 +3570,7 @@
         <p:txBody>
           <a:bodyPr lIns="45699" tIns="45699" rIns="45699" bIns="45699" anchor="b"/>
           <a:lstStyle>
-            <a:lvl1pPr marL="228600" indent="0">
+            <a:lvl1pPr marL="0" indent="228600">
               <a:spcBef>
                 <a:spcPts val="700"/>
               </a:spcBef>
@@ -4966,7 +3580,7 @@
               <a:buNone/>
               <a:defRPr sz="1800"/>
             </a:lvl1pPr>
-            <a:lvl2pPr marL="228600" indent="457200">
+            <a:lvl2pPr marL="0" indent="228600">
               <a:spcBef>
                 <a:spcPts val="700"/>
               </a:spcBef>
@@ -4976,7 +3590,7 @@
               <a:buNone/>
               <a:defRPr sz="1800"/>
             </a:lvl2pPr>
-            <a:lvl3pPr marL="228600" indent="914400">
+            <a:lvl3pPr marL="0" indent="228600">
               <a:spcBef>
                 <a:spcPts val="700"/>
               </a:spcBef>
@@ -4986,7 +3600,7 @@
               <a:buNone/>
               <a:defRPr sz="1800"/>
             </a:lvl3pPr>
-            <a:lvl4pPr marL="228600" indent="1371600">
+            <a:lvl4pPr marL="0" indent="228600">
               <a:spcBef>
                 <a:spcPts val="700"/>
               </a:spcBef>
@@ -4996,7 +3610,7 @@
               <a:buNone/>
               <a:defRPr sz="1800"/>
             </a:lvl4pPr>
-            <a:lvl5pPr marL="228600" indent="1828800">
+            <a:lvl5pPr marL="0" indent="228600">
               <a:spcBef>
                 <a:spcPts val="700"/>
               </a:spcBef>
@@ -5049,8 +3663,8 @@
         </p:nvSpPr>
         <p:spPr>
           <a:xfrm>
-            <a:off x="508001" y="3395586"/>
-            <a:ext cx="6447502" cy="1135437"/>
+            <a:off x="508000" y="3395586"/>
+            <a:ext cx="6447504" cy="1135438"/>
           </a:xfrm>
           <a:prstGeom prst="rect">
             <a:avLst/>
@@ -5060,20 +3674,7 @@
           <a:bodyPr lIns="45699" tIns="45699" rIns="45699" bIns="45699"/>
           <a:lstStyle/>
           <a:p>
-            <a:pPr marL="228600" indent="0">
-              <a:spcBef>
-                <a:spcPts val="700"/>
-              </a:spcBef>
-              <a:buClrTx/>
-              <a:buSzTx/>
-              <a:buFontTx/>
-              <a:buNone/>
-              <a:defRPr>
-                <a:solidFill>
-                  <a:srgbClr val="7F7F7F"/>
-                </a:solidFill>
-              </a:defRPr>
-            </a:pPr>
+            <a:pPr/>
           </a:p>
         </p:txBody>
       </p:sp>
@@ -5085,8 +3686,8 @@
         </p:nvSpPr>
         <p:spPr>
           <a:xfrm>
-            <a:off x="440702" y="352114"/>
-            <a:ext cx="388601" cy="919922"/>
+            <a:off x="440701" y="352113"/>
+            <a:ext cx="388602" cy="919923"/>
           </a:xfrm>
           <a:prstGeom prst="rect">
             <a:avLst/>
@@ -5110,6 +3711,10 @@
                 <a:solidFill>
                   <a:srgbClr val="BFE471"/>
                 </a:solidFill>
+                <a:latin typeface="+mj-lt"/>
+                <a:ea typeface="+mj-ea"/>
+                <a:cs typeface="+mj-cs"/>
+                <a:sym typeface="Arial"/>
               </a:defRPr>
             </a:lvl1pPr>
           </a:lstStyle>
@@ -5130,7 +3735,7 @@
         <p:spPr>
           <a:xfrm>
             <a:off x="6704058" y="1924247"/>
-            <a:ext cx="388601" cy="919922"/>
+            <a:ext cx="388602" cy="919922"/>
           </a:xfrm>
           <a:prstGeom prst="rect">
             <a:avLst/>
@@ -5154,6 +3759,10 @@
                 <a:solidFill>
                   <a:srgbClr val="BFE471"/>
                 </a:solidFill>
+                <a:latin typeface="+mj-lt"/>
+                <a:ea typeface="+mj-ea"/>
+                <a:cs typeface="+mj-cs"/>
+                <a:sym typeface="Arial"/>
               </a:defRPr>
             </a:lvl1pPr>
           </a:lstStyle>
@@ -5175,8 +3784,8 @@
         </p:nvSpPr>
         <p:spPr>
           <a:xfrm>
-            <a:off x="6771481" y="4577793"/>
-            <a:ext cx="184021" cy="180301"/>
+            <a:off x="6771483" y="4577794"/>
+            <a:ext cx="184020" cy="180299"/>
           </a:xfrm>
           <a:prstGeom prst="rect">
             <a:avLst/>
@@ -5260,7 +3869,7 @@
         <p:spPr>
           <a:xfrm>
             <a:off x="507998" y="3009900"/>
-            <a:ext cx="6447504" cy="385687"/>
+            <a:ext cx="6447505" cy="385687"/>
           </a:xfrm>
           <a:prstGeom prst="rect">
             <a:avLst/>
@@ -5269,7 +3878,7 @@
         <p:txBody>
           <a:bodyPr lIns="45699" tIns="45699" rIns="45699" bIns="45699" anchor="b"/>
           <a:lstStyle>
-            <a:lvl1pPr marL="228600" indent="0">
+            <a:lvl1pPr marL="0" indent="228600">
               <a:spcBef>
                 <a:spcPts val="700"/>
               </a:spcBef>
@@ -5283,7 +3892,7 @@
                 </a:solidFill>
               </a:defRPr>
             </a:lvl1pPr>
-            <a:lvl2pPr marL="228600" indent="457200">
+            <a:lvl2pPr marL="0" indent="228600">
               <a:spcBef>
                 <a:spcPts val="700"/>
               </a:spcBef>
@@ -5297,7 +3906,7 @@
                 </a:solidFill>
               </a:defRPr>
             </a:lvl2pPr>
-            <a:lvl3pPr marL="228600" indent="914400">
+            <a:lvl3pPr marL="0" indent="228600">
               <a:spcBef>
                 <a:spcPts val="700"/>
               </a:spcBef>
@@ -5311,7 +3920,7 @@
                 </a:solidFill>
               </a:defRPr>
             </a:lvl3pPr>
-            <a:lvl4pPr marL="228600" indent="1371600">
+            <a:lvl4pPr marL="0" indent="228600">
               <a:spcBef>
                 <a:spcPts val="700"/>
               </a:spcBef>
@@ -5325,7 +3934,7 @@
                 </a:solidFill>
               </a:defRPr>
             </a:lvl4pPr>
-            <a:lvl5pPr marL="228600" indent="1828800">
+            <a:lvl5pPr marL="0" indent="228600">
               <a:spcBef>
                 <a:spcPts val="700"/>
               </a:spcBef>
@@ -5382,8 +3991,8 @@
         </p:nvSpPr>
         <p:spPr>
           <a:xfrm>
-            <a:off x="508001" y="3395586"/>
-            <a:ext cx="6447502" cy="1135437"/>
+            <a:off x="508000" y="3395586"/>
+            <a:ext cx="6447504" cy="1135438"/>
           </a:xfrm>
           <a:prstGeom prst="rect">
             <a:avLst/>
@@ -5393,20 +4002,7 @@
           <a:bodyPr lIns="45699" tIns="45699" rIns="45699" bIns="45699"/>
           <a:lstStyle/>
           <a:p>
-            <a:pPr marL="228600" indent="0">
-              <a:spcBef>
-                <a:spcPts val="700"/>
-              </a:spcBef>
-              <a:buClrTx/>
-              <a:buSzTx/>
-              <a:buFontTx/>
-              <a:buNone/>
-              <a:defRPr>
-                <a:solidFill>
-                  <a:srgbClr val="7F7F7F"/>
-                </a:solidFill>
-              </a:defRPr>
-            </a:pPr>
+            <a:pPr/>
           </a:p>
         </p:txBody>
       </p:sp>
@@ -5420,8 +4016,8 @@
         </p:nvSpPr>
         <p:spPr>
           <a:xfrm>
-            <a:off x="6771481" y="4577793"/>
-            <a:ext cx="184021" cy="180301"/>
+            <a:off x="6771483" y="4577794"/>
+            <a:ext cx="184020" cy="180299"/>
           </a:xfrm>
           <a:prstGeom prst="rect">
             <a:avLst/>
@@ -5473,7 +4069,7 @@
         <p:spPr>
           <a:xfrm>
             <a:off x="508001" y="457200"/>
-            <a:ext cx="6447502" cy="990600"/>
+            <a:ext cx="6447503" cy="990600"/>
           </a:xfrm>
           <a:prstGeom prst="rect">
             <a:avLst/>
@@ -5501,7 +4097,7 @@
         <p:spPr>
           <a:xfrm rot="5400000">
             <a:off x="2276462" y="-148020"/>
-            <a:ext cx="2910581" cy="6447503"/>
+            <a:ext cx="2910582" cy="6447503"/>
           </a:xfrm>
           <a:prstGeom prst="rect">
             <a:avLst/>
@@ -5516,25 +4112,25 @@
               </a:spcBef>
               <a:buChar char="►"/>
             </a:lvl1pPr>
-            <a:lvl2pPr marL="941069" indent="-346709">
+            <a:lvl2pPr marL="941069" indent="-346708">
               <a:spcBef>
                 <a:spcPts val="700"/>
               </a:spcBef>
               <a:buChar char="►"/>
             </a:lvl2pPr>
-            <a:lvl3pPr marL="1467611" indent="-416050">
+            <a:lvl3pPr marL="1467611" indent="-416049">
               <a:spcBef>
                 <a:spcPts val="700"/>
               </a:spcBef>
               <a:buChar char="►"/>
             </a:lvl3pPr>
-            <a:lvl4pPr marL="1971039" indent="-462278">
+            <a:lvl4pPr marL="1971038" indent="-462277">
               <a:spcBef>
                 <a:spcPts val="700"/>
               </a:spcBef>
               <a:buChar char="►"/>
             </a:lvl4pPr>
-            <a:lvl5pPr marL="2428239" indent="-462278">
+            <a:lvl5pPr marL="2428238" indent="-462277">
               <a:spcBef>
                 <a:spcPts val="700"/>
               </a:spcBef>
@@ -5583,8 +4179,8 @@
         </p:nvSpPr>
         <p:spPr>
           <a:xfrm>
-            <a:off x="6771481" y="4577793"/>
-            <a:ext cx="184021" cy="180301"/>
+            <a:off x="6771483" y="4577794"/>
+            <a:ext cx="184020" cy="180299"/>
           </a:xfrm>
           <a:prstGeom prst="rect">
             <a:avLst/>
@@ -5636,7 +4232,7 @@
         <p:spPr>
           <a:xfrm rot="5400000">
             <a:off x="4495739" y="1937215"/>
-            <a:ext cx="3938589" cy="978558"/>
+            <a:ext cx="3938590" cy="978559"/>
           </a:xfrm>
           <a:prstGeom prst="rect">
             <a:avLst/>
@@ -5663,8 +4259,8 @@
         </p:nvSpPr>
         <p:spPr>
           <a:xfrm rot="5400000">
-            <a:off x="1186264" y="-221064"/>
-            <a:ext cx="3938588" cy="5295114"/>
+            <a:off x="1186264" y="-221065"/>
+            <a:ext cx="3938588" cy="5295115"/>
           </a:xfrm>
           <a:prstGeom prst="rect">
             <a:avLst/>
@@ -5679,25 +4275,25 @@
               </a:spcBef>
               <a:buChar char="►"/>
             </a:lvl1pPr>
-            <a:lvl2pPr marL="941069" indent="-346709">
+            <a:lvl2pPr marL="941069" indent="-346708">
               <a:spcBef>
                 <a:spcPts val="700"/>
               </a:spcBef>
               <a:buChar char="►"/>
             </a:lvl2pPr>
-            <a:lvl3pPr marL="1467611" indent="-416050">
+            <a:lvl3pPr marL="1467611" indent="-416049">
               <a:spcBef>
                 <a:spcPts val="700"/>
               </a:spcBef>
               <a:buChar char="►"/>
             </a:lvl3pPr>
-            <a:lvl4pPr marL="1971039" indent="-462278">
+            <a:lvl4pPr marL="1971038" indent="-462277">
               <a:spcBef>
                 <a:spcPts val="700"/>
               </a:spcBef>
               <a:buChar char="►"/>
             </a:lvl4pPr>
-            <a:lvl5pPr marL="2428239" indent="-462278">
+            <a:lvl5pPr marL="2428238" indent="-462277">
               <a:spcBef>
                 <a:spcPts val="700"/>
               </a:spcBef>
@@ -5746,8 +4342,8 @@
         </p:nvSpPr>
         <p:spPr>
           <a:xfrm>
-            <a:off x="6771481" y="4577793"/>
-            <a:ext cx="184021" cy="180301"/>
+            <a:off x="6771483" y="4577794"/>
+            <a:ext cx="184020" cy="180299"/>
           </a:xfrm>
           <a:prstGeom prst="rect">
             <a:avLst/>
@@ -5849,7 +4445,7 @@
         <p:spPr>
           <a:xfrm>
             <a:off x="452437" y="2698824"/>
-            <a:ext cx="8239126" cy="714379"/>
+            <a:ext cx="8239126" cy="714380"/>
           </a:xfrm>
           <a:prstGeom prst="rect">
             <a:avLst/>
@@ -6014,7 +4610,7 @@
         <p:spPr>
           <a:xfrm>
             <a:off x="-206645" y="4003075"/>
-            <a:ext cx="2676121" cy="1504497"/>
+            <a:ext cx="2676121" cy="1504498"/>
           </a:xfrm>
           <a:prstGeom prst="rect">
             <a:avLst/>
@@ -6043,7 +4639,7 @@
         <p:spPr>
           <a:xfrm>
             <a:off x="3566517" y="4003075"/>
-            <a:ext cx="2127277" cy="1504497"/>
+            <a:ext cx="2127278" cy="1504498"/>
           </a:xfrm>
           <a:prstGeom prst="rect">
             <a:avLst/>
@@ -6061,10 +4657,10 @@
         </p:nvGrpSpPr>
         <p:grpSpPr>
           <a:xfrm>
-            <a:off x="2193" y="-20602"/>
-            <a:ext cx="9139613" cy="574444"/>
-            <a:chOff x="0" y="0"/>
-            <a:chExt cx="9139611" cy="574442"/>
+            <a:off x="2191" y="-20603"/>
+            <a:ext cx="9139616" cy="574446"/>
+            <a:chOff x="-1" y="0"/>
+            <a:chExt cx="9139614" cy="574445"/>
           </a:xfrm>
         </p:grpSpPr>
         <p:sp>
@@ -6075,8 +4671,8 @@
           </p:nvSpPr>
           <p:spPr>
             <a:xfrm>
-              <a:off x="-1" y="-1"/>
-              <a:ext cx="9139613" cy="574444"/>
+              <a:off x="-2" y="-1"/>
+              <a:ext cx="9139616" cy="574446"/>
             </a:xfrm>
             <a:prstGeom prst="rect">
               <a:avLst/>
@@ -6118,8 +4714,8 @@
           </p:nvSpPr>
           <p:spPr>
             <a:xfrm>
-              <a:off x="-1" y="175130"/>
-              <a:ext cx="9139613" cy="224180"/>
+              <a:off x="-2" y="175130"/>
+              <a:ext cx="9139616" cy="224180"/>
             </a:xfrm>
             <a:prstGeom prst="rect">
               <a:avLst/>
@@ -6181,7 +4777,7 @@
         <p:spPr>
           <a:xfrm>
             <a:off x="188484" y="-364074"/>
-            <a:ext cx="2322765" cy="1261388"/>
+            <a:ext cx="2322766" cy="1261389"/>
           </a:xfrm>
           <a:prstGeom prst="rect">
             <a:avLst/>
@@ -6386,7 +4982,7 @@
         <p:spPr>
           <a:xfrm>
             <a:off x="508001" y="457200"/>
-            <a:ext cx="6447502" cy="990600"/>
+            <a:ext cx="6447503" cy="990600"/>
           </a:xfrm>
           <a:prstGeom prst="rect">
             <a:avLst/>
@@ -6414,7 +5010,7 @@
         <p:spPr>
           <a:xfrm>
             <a:off x="508001" y="1620441"/>
-            <a:ext cx="6447502" cy="2910582"/>
+            <a:ext cx="6447503" cy="2910583"/>
           </a:xfrm>
           <a:prstGeom prst="rect">
             <a:avLst/>
@@ -6429,25 +5025,25 @@
               </a:spcBef>
               <a:buChar char="►"/>
             </a:lvl1pPr>
-            <a:lvl2pPr marL="941069" indent="-346709">
+            <a:lvl2pPr marL="941069" indent="-346708">
               <a:spcBef>
                 <a:spcPts val="700"/>
               </a:spcBef>
               <a:buChar char="►"/>
             </a:lvl2pPr>
-            <a:lvl3pPr marL="1467611" indent="-416050">
+            <a:lvl3pPr marL="1467611" indent="-416049">
               <a:spcBef>
                 <a:spcPts val="700"/>
               </a:spcBef>
               <a:buChar char="►"/>
             </a:lvl3pPr>
-            <a:lvl4pPr marL="1971039" indent="-462278">
+            <a:lvl4pPr marL="1971038" indent="-462277">
               <a:spcBef>
                 <a:spcPts val="700"/>
               </a:spcBef>
               <a:buChar char="►"/>
             </a:lvl4pPr>
-            <a:lvl5pPr marL="2428239" indent="-462278">
+            <a:lvl5pPr marL="2428238" indent="-462277">
               <a:spcBef>
                 <a:spcPts val="700"/>
               </a:spcBef>
@@ -6496,8 +5092,8 @@
         </p:nvSpPr>
         <p:spPr>
           <a:xfrm>
-            <a:off x="6771481" y="4577793"/>
-            <a:ext cx="184021" cy="180301"/>
+            <a:off x="6771483" y="4577794"/>
+            <a:ext cx="184020" cy="180299"/>
           </a:xfrm>
           <a:prstGeom prst="rect">
             <a:avLst/>
@@ -6549,7 +5145,7 @@
         <p:spPr>
           <a:xfrm>
             <a:off x="508001" y="2025650"/>
-            <a:ext cx="6447502" cy="1369937"/>
+            <a:ext cx="6447503" cy="1369938"/>
           </a:xfrm>
           <a:prstGeom prst="rect">
             <a:avLst/>
@@ -6581,7 +5177,7 @@
         <p:spPr>
           <a:xfrm>
             <a:off x="508001" y="3395586"/>
-            <a:ext cx="6447502" cy="645301"/>
+            <a:ext cx="6447503" cy="645302"/>
           </a:xfrm>
           <a:prstGeom prst="rect">
             <a:avLst/>
@@ -6590,7 +5186,7 @@
         <p:txBody>
           <a:bodyPr lIns="45699" tIns="45699" rIns="45699" bIns="45699"/>
           <a:lstStyle>
-            <a:lvl1pPr marL="228600" indent="0">
+            <a:lvl1pPr marL="0" indent="228600">
               <a:spcBef>
                 <a:spcPts val="700"/>
               </a:spcBef>
@@ -6604,7 +5200,7 @@
                 </a:solidFill>
               </a:defRPr>
             </a:lvl1pPr>
-            <a:lvl2pPr marL="228600" indent="457200">
+            <a:lvl2pPr marL="0" indent="228600">
               <a:spcBef>
                 <a:spcPts val="700"/>
               </a:spcBef>
@@ -6618,7 +5214,7 @@
                 </a:solidFill>
               </a:defRPr>
             </a:lvl2pPr>
-            <a:lvl3pPr marL="228600" indent="914400">
+            <a:lvl3pPr marL="0" indent="228600">
               <a:spcBef>
                 <a:spcPts val="700"/>
               </a:spcBef>
@@ -6632,7 +5228,7 @@
                 </a:solidFill>
               </a:defRPr>
             </a:lvl3pPr>
-            <a:lvl4pPr marL="228600" indent="1371600">
+            <a:lvl4pPr marL="0" indent="228600">
               <a:spcBef>
                 <a:spcPts val="700"/>
               </a:spcBef>
@@ -6646,7 +5242,7 @@
                 </a:solidFill>
               </a:defRPr>
             </a:lvl4pPr>
-            <a:lvl5pPr marL="228600" indent="1828800">
+            <a:lvl5pPr marL="0" indent="228600">
               <a:spcBef>
                 <a:spcPts val="700"/>
               </a:spcBef>
@@ -6703,8 +5299,8 @@
         </p:nvSpPr>
         <p:spPr>
           <a:xfrm>
-            <a:off x="6771481" y="4577793"/>
-            <a:ext cx="184021" cy="180301"/>
+            <a:off x="6771483" y="4577794"/>
+            <a:ext cx="184020" cy="180299"/>
           </a:xfrm>
           <a:prstGeom prst="rect">
             <a:avLst/>
@@ -6756,7 +5352,7 @@
         <p:spPr>
           <a:xfrm>
             <a:off x="508001" y="457200"/>
-            <a:ext cx="6447502" cy="990600"/>
+            <a:ext cx="6447503" cy="990600"/>
           </a:xfrm>
           <a:prstGeom prst="rect">
             <a:avLst/>
@@ -6784,7 +5380,7 @@
         <p:spPr>
           <a:xfrm>
             <a:off x="508001" y="1620441"/>
-            <a:ext cx="3138027" cy="2910580"/>
+            <a:ext cx="3138028" cy="2910581"/>
           </a:xfrm>
           <a:prstGeom prst="rect">
             <a:avLst/>
@@ -6799,25 +5395,25 @@
               </a:spcBef>
               <a:buChar char="►"/>
             </a:lvl1pPr>
-            <a:lvl2pPr marL="941069" indent="-346709">
+            <a:lvl2pPr marL="941069" indent="-346708">
               <a:spcBef>
                 <a:spcPts val="700"/>
               </a:spcBef>
               <a:buChar char="►"/>
             </a:lvl2pPr>
-            <a:lvl3pPr marL="1467611" indent="-416050">
+            <a:lvl3pPr marL="1467611" indent="-416049">
               <a:spcBef>
                 <a:spcPts val="700"/>
               </a:spcBef>
               <a:buChar char="►"/>
             </a:lvl3pPr>
-            <a:lvl4pPr marL="1971039" indent="-462278">
+            <a:lvl4pPr marL="1971038" indent="-462277">
               <a:spcBef>
                 <a:spcPts val="700"/>
               </a:spcBef>
               <a:buChar char="►"/>
             </a:lvl4pPr>
-            <a:lvl5pPr marL="2428239" indent="-462278">
+            <a:lvl5pPr marL="2428238" indent="-462277">
               <a:spcBef>
                 <a:spcPts val="700"/>
               </a:spcBef>
@@ -6866,8 +5462,8 @@
         </p:nvSpPr>
         <p:spPr>
           <a:xfrm>
-            <a:off x="3817477" y="1620441"/>
-            <a:ext cx="3138027" cy="2910582"/>
+            <a:off x="3817477" y="1620440"/>
+            <a:ext cx="3138028" cy="2910584"/>
           </a:xfrm>
           <a:prstGeom prst="rect">
             <a:avLst/>
@@ -6877,12 +5473,7 @@
           <a:bodyPr lIns="45699" tIns="45699" rIns="45699" bIns="45699"/>
           <a:lstStyle/>
           <a:p>
-            <a:pPr indent="-320040">
-              <a:spcBef>
-                <a:spcPts val="700"/>
-              </a:spcBef>
-              <a:buChar char="►"/>
-            </a:pPr>
+            <a:pPr/>
           </a:p>
         </p:txBody>
       </p:sp>
@@ -6896,8 +5487,8 @@
         </p:nvSpPr>
         <p:spPr>
           <a:xfrm>
-            <a:off x="6771481" y="4577793"/>
-            <a:ext cx="184021" cy="180301"/>
+            <a:off x="6771483" y="4577794"/>
+            <a:ext cx="184020" cy="180299"/>
           </a:xfrm>
           <a:prstGeom prst="rect">
             <a:avLst/>
@@ -6949,7 +5540,7 @@
         <p:spPr>
           <a:xfrm>
             <a:off x="508001" y="457200"/>
-            <a:ext cx="6447502" cy="990600"/>
+            <a:ext cx="6447503" cy="990600"/>
           </a:xfrm>
           <a:prstGeom prst="rect">
             <a:avLst/>
@@ -6977,7 +5568,7 @@
         <p:spPr>
           <a:xfrm>
             <a:off x="506808" y="1620737"/>
-            <a:ext cx="3139218" cy="432198"/>
+            <a:ext cx="3139219" cy="432199"/>
           </a:xfrm>
           <a:prstGeom prst="rect">
             <a:avLst/>
@@ -6986,7 +5577,7 @@
         <p:txBody>
           <a:bodyPr lIns="45699" tIns="45699" rIns="45699" bIns="45699" anchor="b"/>
           <a:lstStyle>
-            <a:lvl1pPr marL="228600" indent="0">
+            <a:lvl1pPr marL="0" indent="228600">
               <a:spcBef>
                 <a:spcPts val="700"/>
               </a:spcBef>
@@ -6996,7 +5587,7 @@
               <a:buNone/>
               <a:defRPr sz="1800"/>
             </a:lvl1pPr>
-            <a:lvl2pPr marL="228600" indent="457200">
+            <a:lvl2pPr marL="0" indent="228600">
               <a:spcBef>
                 <a:spcPts val="700"/>
               </a:spcBef>
@@ -7006,7 +5597,7 @@
               <a:buNone/>
               <a:defRPr sz="1800"/>
             </a:lvl2pPr>
-            <a:lvl3pPr marL="228600" indent="914400">
+            <a:lvl3pPr marL="0" indent="228600">
               <a:spcBef>
                 <a:spcPts val="700"/>
               </a:spcBef>
@@ -7016,7 +5607,7 @@
               <a:buNone/>
               <a:defRPr sz="1800"/>
             </a:lvl3pPr>
-            <a:lvl4pPr marL="228600" indent="1371600">
+            <a:lvl4pPr marL="0" indent="228600">
               <a:spcBef>
                 <a:spcPts val="700"/>
               </a:spcBef>
@@ -7026,7 +5617,7 @@
               <a:buNone/>
               <a:defRPr sz="1800"/>
             </a:lvl4pPr>
-            <a:lvl5pPr marL="228600" indent="1828800">
+            <a:lvl5pPr marL="0" indent="228600">
               <a:spcBef>
                 <a:spcPts val="700"/>
               </a:spcBef>
@@ -7079,8 +5670,8 @@
         </p:nvSpPr>
         <p:spPr>
           <a:xfrm>
-            <a:off x="506808" y="2052933"/>
-            <a:ext cx="3139219" cy="2478090"/>
+            <a:off x="506807" y="2052933"/>
+            <a:ext cx="3139221" cy="2478091"/>
           </a:xfrm>
           <a:prstGeom prst="rect">
             <a:avLst/>
@@ -7090,12 +5681,7 @@
           <a:bodyPr lIns="45699" tIns="45699" rIns="45699" bIns="45699"/>
           <a:lstStyle/>
           <a:p>
-            <a:pPr indent="-320040">
-              <a:spcBef>
-                <a:spcPts val="700"/>
-              </a:spcBef>
-              <a:buChar char="►"/>
-            </a:pPr>
+            <a:pPr/>
           </a:p>
         </p:txBody>
       </p:sp>
@@ -7110,7 +5696,7 @@
         <p:spPr>
           <a:xfrm>
             <a:off x="3816286" y="1620737"/>
-            <a:ext cx="3139215" cy="432198"/>
+            <a:ext cx="3139216" cy="432199"/>
           </a:xfrm>
           <a:prstGeom prst="rect">
             <a:avLst/>
@@ -7120,16 +5706,7 @@
           <a:bodyPr lIns="45699" tIns="45699" rIns="45699" bIns="45699" anchor="b"/>
           <a:lstStyle/>
           <a:p>
-            <a:pPr marL="228600" indent="0">
-              <a:spcBef>
-                <a:spcPts val="700"/>
-              </a:spcBef>
-              <a:buClrTx/>
-              <a:buSzTx/>
-              <a:buFontTx/>
-              <a:buNone/>
-              <a:defRPr sz="1800"/>
-            </a:pPr>
+            <a:pPr/>
           </a:p>
         </p:txBody>
       </p:sp>
@@ -7143,8 +5720,8 @@
         </p:nvSpPr>
         <p:spPr>
           <a:xfrm>
-            <a:off x="3816287" y="2052933"/>
-            <a:ext cx="3139215" cy="2478090"/>
+            <a:off x="3816286" y="2052933"/>
+            <a:ext cx="3139216" cy="2478091"/>
           </a:xfrm>
           <a:prstGeom prst="rect">
             <a:avLst/>
@@ -7154,12 +5731,7 @@
           <a:bodyPr lIns="45699" tIns="45699" rIns="45699" bIns="45699"/>
           <a:lstStyle/>
           <a:p>
-            <a:pPr indent="-320040">
-              <a:spcBef>
-                <a:spcPts val="700"/>
-              </a:spcBef>
-              <a:buChar char="►"/>
-            </a:pPr>
+            <a:pPr/>
           </a:p>
         </p:txBody>
       </p:sp>
@@ -7173,8 +5745,8 @@
         </p:nvSpPr>
         <p:spPr>
           <a:xfrm>
-            <a:off x="6771481" y="4577793"/>
-            <a:ext cx="184021" cy="180301"/>
+            <a:off x="6771483" y="4577794"/>
+            <a:ext cx="184020" cy="180299"/>
           </a:xfrm>
           <a:prstGeom prst="rect">
             <a:avLst/>
@@ -7226,7 +5798,7 @@
         <p:spPr>
           <a:xfrm>
             <a:off x="508001" y="457200"/>
-            <a:ext cx="6447502" cy="990600"/>
+            <a:ext cx="6447503" cy="990600"/>
           </a:xfrm>
           <a:prstGeom prst="rect">
             <a:avLst/>
@@ -7253,8 +5825,8 @@
         </p:nvSpPr>
         <p:spPr>
           <a:xfrm>
-            <a:off x="6771481" y="4577793"/>
-            <a:ext cx="184021" cy="180301"/>
+            <a:off x="6771483" y="4577794"/>
+            <a:ext cx="184020" cy="180299"/>
           </a:xfrm>
           <a:prstGeom prst="rect">
             <a:avLst/>
@@ -7305,8 +5877,8 @@
         </p:nvSpPr>
         <p:spPr>
           <a:xfrm>
-            <a:off x="6771481" y="4577793"/>
-            <a:ext cx="184021" cy="180301"/>
+            <a:off x="6771483" y="4577794"/>
+            <a:ext cx="184020" cy="180299"/>
           </a:xfrm>
           <a:prstGeom prst="rect">
             <a:avLst/>
@@ -7358,7 +5930,7 @@
         <p:spPr>
           <a:xfrm>
             <a:off x="508001" y="1123953"/>
-            <a:ext cx="2890897" cy="958851"/>
+            <a:ext cx="2890898" cy="958851"/>
           </a:xfrm>
           <a:prstGeom prst="rect">
             <a:avLst/>
@@ -7405,25 +5977,25 @@
               </a:spcBef>
               <a:buChar char="►"/>
             </a:lvl1pPr>
-            <a:lvl2pPr marL="941069" indent="-346709">
+            <a:lvl2pPr marL="941069" indent="-346708">
               <a:spcBef>
                 <a:spcPts val="700"/>
               </a:spcBef>
               <a:buChar char="►"/>
             </a:lvl2pPr>
-            <a:lvl3pPr marL="1467611" indent="-416050">
+            <a:lvl3pPr marL="1467611" indent="-416049">
               <a:spcBef>
                 <a:spcPts val="700"/>
               </a:spcBef>
               <a:buChar char="►"/>
             </a:lvl3pPr>
-            <a:lvl4pPr marL="1971039" indent="-462278">
+            <a:lvl4pPr marL="1971038" indent="-462277">
               <a:spcBef>
                 <a:spcPts val="700"/>
               </a:spcBef>
               <a:buChar char="►"/>
             </a:lvl4pPr>
-            <a:lvl5pPr marL="2428239" indent="-462278">
+            <a:lvl5pPr marL="2428238" indent="-462277">
               <a:spcBef>
                 <a:spcPts val="700"/>
               </a:spcBef>
@@ -7472,8 +6044,8 @@
         </p:nvSpPr>
         <p:spPr>
           <a:xfrm>
-            <a:off x="508001" y="2082801"/>
-            <a:ext cx="2890897" cy="1938337"/>
+            <a:off x="508001" y="2082800"/>
+            <a:ext cx="2890898" cy="1938337"/>
           </a:xfrm>
           <a:prstGeom prst="rect">
             <a:avLst/>
@@ -7483,16 +6055,7 @@
           <a:bodyPr lIns="45699" tIns="45699" rIns="45699" bIns="45699"/>
           <a:lstStyle/>
           <a:p>
-            <a:pPr marL="228600" indent="0">
-              <a:spcBef>
-                <a:spcPts val="700"/>
-              </a:spcBef>
-              <a:buClrTx/>
-              <a:buSzTx/>
-              <a:buFontTx/>
-              <a:buNone/>
-              <a:defRPr sz="1000"/>
-            </a:pPr>
+            <a:pPr/>
           </a:p>
         </p:txBody>
       </p:sp>
@@ -7506,8 +6069,8 @@
         </p:nvSpPr>
         <p:spPr>
           <a:xfrm>
-            <a:off x="6771481" y="4577793"/>
-            <a:ext cx="184021" cy="180301"/>
+            <a:off x="6771483" y="4577794"/>
+            <a:ext cx="184020" cy="180299"/>
           </a:xfrm>
           <a:prstGeom prst="rect">
             <a:avLst/>
@@ -7563,10 +6126,10 @@
         </p:nvGrpSpPr>
         <p:grpSpPr>
           <a:xfrm>
-            <a:off x="0" y="-6351"/>
-            <a:ext cx="9144001" cy="5149851"/>
+            <a:off x="0" y="-6352"/>
+            <a:ext cx="9144002" cy="5149853"/>
             <a:chOff x="0" y="0"/>
-            <a:chExt cx="9143999" cy="5149850"/>
+            <a:chExt cx="9144001" cy="5149852"/>
           </a:xfrm>
         </p:grpSpPr>
         <p:sp>
@@ -7577,8 +6140,8 @@
           </p:nvSpPr>
           <p:spPr>
             <a:xfrm>
-              <a:off x="7028259" y="6350"/>
-              <a:ext cx="914400" cy="5143500"/>
+              <a:off x="7028260" y="6349"/>
+              <a:ext cx="914401" cy="5143502"/>
             </a:xfrm>
             <a:prstGeom prst="line">
               <a:avLst/>
@@ -7594,7 +6157,7 @@
             <a:effectLst/>
           </p:spPr>
           <p:txBody>
-            <a:bodyPr wrap="square" lIns="0" tIns="0" rIns="0" bIns="0" numCol="1" anchor="t">
+            <a:bodyPr wrap="square" lIns="45718" tIns="45718" rIns="45718" bIns="45718" numCol="1" anchor="t">
               <a:noAutofit/>
             </a:bodyPr>
             <a:lstStyle/>
@@ -7611,8 +6174,8 @@
           </p:nvSpPr>
           <p:spPr>
             <a:xfrm flipH="1">
-              <a:off x="5568950" y="2767409"/>
-              <a:ext cx="3572669" cy="2382441"/>
+              <a:off x="5568951" y="2767409"/>
+              <a:ext cx="3572670" cy="2382442"/>
             </a:xfrm>
             <a:prstGeom prst="line">
               <a:avLst/>
@@ -7628,7 +6191,7 @@
             <a:effectLst/>
           </p:spPr>
           <p:txBody>
-            <a:bodyPr wrap="square" lIns="0" tIns="0" rIns="0" bIns="0" numCol="1" anchor="t">
+            <a:bodyPr wrap="square" lIns="45718" tIns="45718" rIns="45718" bIns="45718" numCol="1" anchor="t">
               <a:noAutofit/>
             </a:bodyPr>
             <a:lstStyle/>
@@ -7645,8 +6208,8 @@
           </p:nvSpPr>
           <p:spPr>
             <a:xfrm>
-              <a:off x="6886106" y="-1"/>
-              <a:ext cx="2255513" cy="5149851"/>
+              <a:off x="6886107" y="-1"/>
+              <a:ext cx="2255514" cy="5149853"/>
             </a:xfrm>
             <a:custGeom>
               <a:avLst/>
@@ -7705,7 +6268,14 @@
             </a:bodyPr>
             <a:lstStyle/>
             <a:p>
-              <a:pPr/>
+              <a:pPr>
+                <a:defRPr>
+                  <a:latin typeface="+mj-lt"/>
+                  <a:ea typeface="+mj-ea"/>
+                  <a:cs typeface="+mj-cs"/>
+                  <a:sym typeface="Arial"/>
+                </a:defRPr>
+              </a:pPr>
             </a:p>
           </p:txBody>
         </p:sp>
@@ -7717,8 +6287,8 @@
           </p:nvSpPr>
           <p:spPr>
             <a:xfrm>
-              <a:off x="7202581" y="-1"/>
-              <a:ext cx="1941419" cy="5149851"/>
+              <a:off x="7202582" y="-1"/>
+              <a:ext cx="1941420" cy="5149853"/>
             </a:xfrm>
             <a:custGeom>
               <a:avLst/>
@@ -7777,7 +6347,14 @@
             </a:bodyPr>
             <a:lstStyle/>
             <a:p>
-              <a:pPr/>
+              <a:pPr>
+                <a:defRPr>
+                  <a:latin typeface="+mj-lt"/>
+                  <a:ea typeface="+mj-ea"/>
+                  <a:cs typeface="+mj-cs"/>
+                  <a:sym typeface="Arial"/>
+                </a:defRPr>
+              </a:pPr>
             </a:p>
           </p:txBody>
         </p:sp>
@@ -7789,8 +6366,8 @@
           </p:nvSpPr>
           <p:spPr>
             <a:xfrm>
-              <a:off x="6699250" y="2292350"/>
-              <a:ext cx="2444750" cy="2857500"/>
+              <a:off x="6699251" y="2292350"/>
+              <a:ext cx="2444751" cy="2857501"/>
             </a:xfrm>
             <a:custGeom>
               <a:avLst/>
@@ -7843,7 +6420,14 @@
             </a:bodyPr>
             <a:lstStyle/>
             <a:p>
-              <a:pPr/>
+              <a:pPr>
+                <a:defRPr>
+                  <a:latin typeface="+mj-lt"/>
+                  <a:ea typeface="+mj-ea"/>
+                  <a:cs typeface="+mj-cs"/>
+                  <a:sym typeface="Arial"/>
+                </a:defRPr>
+              </a:pPr>
             </a:p>
           </p:txBody>
         </p:sp>
@@ -7855,8 +6439,8 @@
           </p:nvSpPr>
           <p:spPr>
             <a:xfrm>
-              <a:off x="7000875" y="-1"/>
-              <a:ext cx="2140745" cy="5149851"/>
+              <a:off x="7000876" y="-1"/>
+              <a:ext cx="2140746" cy="5149853"/>
             </a:xfrm>
             <a:custGeom>
               <a:avLst/>
@@ -7915,7 +6499,14 @@
             </a:bodyPr>
             <a:lstStyle/>
             <a:p>
-              <a:pPr/>
+              <a:pPr>
+                <a:defRPr>
+                  <a:latin typeface="+mj-lt"/>
+                  <a:ea typeface="+mj-ea"/>
+                  <a:cs typeface="+mj-cs"/>
+                  <a:sym typeface="Arial"/>
+                </a:defRPr>
+              </a:pPr>
             </a:p>
           </p:txBody>
         </p:sp>
@@ -7927,8 +6518,8 @@
           </p:nvSpPr>
           <p:spPr>
             <a:xfrm>
-              <a:off x="8174047" y="-1"/>
-              <a:ext cx="967572" cy="5149851"/>
+              <a:off x="8174048" y="-1"/>
+              <a:ext cx="967573" cy="5149853"/>
             </a:xfrm>
             <a:custGeom>
               <a:avLst/>
@@ -7987,7 +6578,14 @@
             </a:bodyPr>
             <a:lstStyle/>
             <a:p>
-              <a:pPr/>
+              <a:pPr>
+                <a:defRPr>
+                  <a:latin typeface="+mj-lt"/>
+                  <a:ea typeface="+mj-ea"/>
+                  <a:cs typeface="+mj-cs"/>
+                  <a:sym typeface="Arial"/>
+                </a:defRPr>
+              </a:pPr>
             </a:p>
           </p:txBody>
         </p:sp>
@@ -7999,8 +6597,8 @@
           </p:nvSpPr>
           <p:spPr>
             <a:xfrm>
-              <a:off x="8204248" y="-1"/>
-              <a:ext cx="937370" cy="5149851"/>
+              <a:off x="8204249" y="-1"/>
+              <a:ext cx="937371" cy="5149853"/>
             </a:xfrm>
             <a:custGeom>
               <a:avLst/>
@@ -8059,7 +6657,14 @@
             </a:bodyPr>
             <a:lstStyle/>
             <a:p>
-              <a:pPr/>
+              <a:pPr>
+                <a:defRPr>
+                  <a:latin typeface="+mj-lt"/>
+                  <a:ea typeface="+mj-ea"/>
+                  <a:cs typeface="+mj-cs"/>
+                  <a:sym typeface="Arial"/>
+                </a:defRPr>
+              </a:pPr>
             </a:p>
           </p:txBody>
         </p:sp>
@@ -8071,8 +6676,8 @@
           </p:nvSpPr>
           <p:spPr>
             <a:xfrm>
-              <a:off x="7778749" y="2698750"/>
-              <a:ext cx="1362870" cy="2451100"/>
+              <a:off x="7778750" y="2698750"/>
+              <a:ext cx="1362871" cy="2451102"/>
             </a:xfrm>
             <a:custGeom>
               <a:avLst/>
@@ -8125,7 +6730,14 @@
             </a:bodyPr>
             <a:lstStyle/>
             <a:p>
-              <a:pPr/>
+              <a:pPr>
+                <a:defRPr>
+                  <a:latin typeface="+mj-lt"/>
+                  <a:ea typeface="+mj-ea"/>
+                  <a:cs typeface="+mj-cs"/>
+                  <a:sym typeface="Arial"/>
+                </a:defRPr>
+              </a:pPr>
             </a:p>
           </p:txBody>
         </p:sp>
@@ -8137,8 +6749,8 @@
           </p:nvSpPr>
           <p:spPr>
             <a:xfrm>
-              <a:off x="0" y="3016250"/>
-              <a:ext cx="336550" cy="2133600"/>
+              <a:off x="-1" y="3016250"/>
+              <a:ext cx="336552" cy="2133602"/>
             </a:xfrm>
             <a:custGeom>
               <a:avLst/>
@@ -8191,7 +6803,14 @@
             </a:bodyPr>
             <a:lstStyle/>
             <a:p>
-              <a:pPr/>
+              <a:pPr>
+                <a:defRPr>
+                  <a:latin typeface="+mj-lt"/>
+                  <a:ea typeface="+mj-ea"/>
+                  <a:cs typeface="+mj-cs"/>
+                  <a:sym typeface="Arial"/>
+                </a:defRPr>
+              </a:pPr>
             </a:p>
           </p:txBody>
         </p:sp>
@@ -8206,8 +6825,8 @@
         </p:nvSpPr>
         <p:spPr>
           <a:xfrm>
-            <a:off x="311699" y="445025"/>
-            <a:ext cx="8520602" cy="572701"/>
+            <a:off x="311698" y="445025"/>
+            <a:ext cx="8520603" cy="572702"/>
           </a:xfrm>
           <a:prstGeom prst="rect">
             <a:avLst/>
@@ -8222,7 +6841,7 @@
           </a:extLst>
         </p:spPr>
         <p:txBody>
-          <a:bodyPr lIns="91424" tIns="91424" rIns="91424" bIns="91424">
+          <a:bodyPr lIns="91423" tIns="91423" rIns="91423" bIns="91423">
             <a:normAutofit fontScale="100000" lnSpcReduction="0"/>
           </a:bodyPr>
           <a:lstStyle/>
@@ -8244,8 +6863,8 @@
         </p:nvSpPr>
         <p:spPr>
           <a:xfrm>
-            <a:off x="311699" y="1152475"/>
-            <a:ext cx="8520602" cy="3416400"/>
+            <a:off x="311698" y="1152475"/>
+            <a:ext cx="8520603" cy="3416400"/>
           </a:xfrm>
           <a:prstGeom prst="rect">
             <a:avLst/>
@@ -8260,7 +6879,7 @@
           </a:extLst>
         </p:spPr>
         <p:txBody>
-          <a:bodyPr lIns="91424" tIns="91424" rIns="91424" bIns="91424">
+          <a:bodyPr lIns="91423" tIns="91423" rIns="91423" bIns="91423">
             <a:normAutofit fontScale="100000" lnSpcReduction="0"/>
           </a:bodyPr>
           <a:lstStyle/>
@@ -8306,8 +6925,8 @@
         </p:nvSpPr>
         <p:spPr>
           <a:xfrm>
-            <a:off x="8745687" y="4724141"/>
-            <a:ext cx="275471" cy="271751"/>
+            <a:off x="8745689" y="4724142"/>
+            <a:ext cx="275470" cy="271749"/>
           </a:xfrm>
           <a:prstGeom prst="rect">
             <a:avLst/>
@@ -8317,7 +6936,7 @@
           </a:ln>
         </p:spPr>
         <p:txBody>
-          <a:bodyPr wrap="none" lIns="91424" tIns="91424" rIns="91424" bIns="91424" anchor="ctr">
+          <a:bodyPr wrap="none" lIns="91423" tIns="91423" rIns="91423" bIns="91423" anchor="ctr">
             <a:spAutoFit/>
           </a:bodyPr>
           <a:lstStyle>
@@ -8629,7 +7248,7 @@
           <a:sym typeface="Trebuchet MS"/>
         </a:defRPr>
       </a:lvl1pPr>
-      <a:lvl2pPr marL="940858" marR="0" indent="-343958" algn="l" defTabSz="914400" rtl="0" latinLnBrk="0">
+      <a:lvl2pPr marL="940857" marR="0" indent="-343957" algn="l" defTabSz="914400" rtl="0" latinLnBrk="0">
         <a:lnSpc>
           <a:spcPct val="100000"/>
         </a:lnSpc>
@@ -8685,7 +7304,7 @@
           <a:sym typeface="Trebuchet MS"/>
         </a:defRPr>
       </a:lvl3pPr>
-      <a:lvl4pPr marL="1969911" marR="0" indent="-458611" algn="l" defTabSz="914400" rtl="0" latinLnBrk="0">
+      <a:lvl4pPr marL="1969910" marR="0" indent="-458610" algn="l" defTabSz="914400" rtl="0" latinLnBrk="0">
         <a:lnSpc>
           <a:spcPct val="100000"/>
         </a:lnSpc>
@@ -8713,7 +7332,7 @@
           <a:sym typeface="Trebuchet MS"/>
         </a:defRPr>
       </a:lvl4pPr>
-      <a:lvl5pPr marL="2427111" marR="0" indent="-458611" algn="l" defTabSz="914400" rtl="0" latinLnBrk="0">
+      <a:lvl5pPr marL="2427110" marR="0" indent="-458610" algn="l" defTabSz="914400" rtl="0" latinLnBrk="0">
         <a:lnSpc>
           <a:spcPct val="100000"/>
         </a:lnSpc>
@@ -8741,7 +7360,7 @@
           <a:sym typeface="Trebuchet MS"/>
         </a:defRPr>
       </a:lvl5pPr>
-      <a:lvl6pPr marL="2884311" marR="0" indent="-458611" algn="l" defTabSz="914400" rtl="0" latinLnBrk="0">
+      <a:lvl6pPr marL="2884310" marR="0" indent="-458610" algn="l" defTabSz="914400" rtl="0" latinLnBrk="0">
         <a:lnSpc>
           <a:spcPct val="100000"/>
         </a:lnSpc>
@@ -8769,7 +7388,7 @@
           <a:sym typeface="Trebuchet MS"/>
         </a:defRPr>
       </a:lvl6pPr>
-      <a:lvl7pPr marL="3341511" marR="0" indent="-458611" algn="l" defTabSz="914400" rtl="0" latinLnBrk="0">
+      <a:lvl7pPr marL="3341511" marR="0" indent="-458610" algn="l" defTabSz="914400" rtl="0" latinLnBrk="0">
         <a:lnSpc>
           <a:spcPct val="100000"/>
         </a:lnSpc>
@@ -9171,1054 +7790,7 @@
       </p:grpSpPr>
       <p:pic>
         <p:nvPicPr>
-          <p:cNvPr id="267" name="Google Shape;211;p27" descr="Google Shape;211;p27"/>
-          <p:cNvPicPr>
-            <a:picLocks noChangeAspect="1"/>
-          </p:cNvPicPr>
-          <p:nvPr/>
-        </p:nvPicPr>
-        <p:blipFill>
-          <a:blip r:embed="rId3">
-            <a:extLst/>
-          </a:blip>
-          <a:stretch>
-            <a:fillRect/>
-          </a:stretch>
-        </p:blipFill>
-        <p:spPr>
-          <a:xfrm>
-            <a:off x="0" y="0"/>
-            <a:ext cx="9144000" cy="5143500"/>
-          </a:xfrm>
-          <a:prstGeom prst="rect">
-            <a:avLst/>
-          </a:prstGeom>
-          <a:ln w="12700">
-            <a:miter lim="400000"/>
-          </a:ln>
-        </p:spPr>
-      </p:pic>
-      <p:sp>
-        <p:nvSpPr>
-          <p:cNvPr id="268" name="Google Shape;212;p27"/>
-          <p:cNvSpPr txBox="1"/>
-          <p:nvPr>
-            <p:ph type="title"/>
-          </p:nvPr>
-        </p:nvSpPr>
-        <p:spPr>
-          <a:xfrm>
-            <a:off x="311699" y="213768"/>
-            <a:ext cx="8520602" cy="572701"/>
-          </a:xfrm>
-          <a:prstGeom prst="rect">
-            <a:avLst/>
-          </a:prstGeom>
-        </p:spPr>
-        <p:txBody>
-          <a:bodyPr/>
-          <a:lstStyle>
-            <a:lvl1pPr algn="ctr" defTabSz="877823">
-              <a:defRPr b="1" sz="2592">
-                <a:solidFill>
-                  <a:schemeClr val="accent3"/>
-                </a:solidFill>
-              </a:defRPr>
-            </a:lvl1pPr>
-          </a:lstStyle>
-          <a:p>
-            <a:pPr/>
-            <a:r>
-              <a:t>Functions </a:t>
-            </a:r>
-          </a:p>
-        </p:txBody>
-      </p:sp>
-      <p:sp>
-        <p:nvSpPr>
-          <p:cNvPr id="269" name="Google Shape;213;p27"/>
-          <p:cNvSpPr txBox="1"/>
-          <p:nvPr>
-            <p:ph type="body" idx="1"/>
-          </p:nvPr>
-        </p:nvSpPr>
-        <p:spPr>
-          <a:xfrm>
-            <a:off x="455050" y="786474"/>
-            <a:ext cx="8134199" cy="2652902"/>
-          </a:xfrm>
-          <a:prstGeom prst="rect">
-            <a:avLst/>
-          </a:prstGeom>
-        </p:spPr>
-        <p:txBody>
-          <a:bodyPr/>
-          <a:lstStyle>
-            <a:lvl1pPr indent="-381000">
-              <a:buClr>
-                <a:schemeClr val="accent3"/>
-              </a:buClr>
-              <a:buSzPts val="2400"/>
-              <a:buChar char="❖"/>
-              <a:defRPr sz="2400">
-                <a:solidFill>
-                  <a:schemeClr val="accent3"/>
-                </a:solidFill>
-                <a:latin typeface="Consolas"/>
-                <a:ea typeface="Consolas"/>
-                <a:cs typeface="Consolas"/>
-                <a:sym typeface="Consolas"/>
-              </a:defRPr>
-            </a:lvl1pPr>
-          </a:lstStyle>
-          <a:p>
-            <a:pPr/>
-            <a:r>
-              <a:t>Methods</a:t>
-            </a:r>
-          </a:p>
-        </p:txBody>
-      </p:sp>
-      <p:pic>
-        <p:nvPicPr>
-          <p:cNvPr id="270" name="Google Shape;214;p27" descr="Google Shape;214;p27"/>
-          <p:cNvPicPr>
-            <a:picLocks noChangeAspect="1"/>
-          </p:cNvPicPr>
-          <p:nvPr/>
-        </p:nvPicPr>
-        <p:blipFill>
-          <a:blip r:embed="rId4">
-            <a:extLst/>
-          </a:blip>
-          <a:stretch>
-            <a:fillRect/>
-          </a:stretch>
-        </p:blipFill>
-        <p:spPr>
-          <a:xfrm>
-            <a:off x="978099" y="1386800"/>
-            <a:ext cx="4895851" cy="3048001"/>
-          </a:xfrm>
-          <a:prstGeom prst="rect">
-            <a:avLst/>
-          </a:prstGeom>
-          <a:ln w="12700">
-            <a:miter lim="400000"/>
-          </a:ln>
-        </p:spPr>
-      </p:pic>
-    </p:spTree>
-  </p:cSld>
-  <p:clrMapOvr>
-    <a:masterClrMapping/>
-  </p:clrMapOvr>
-  <p:transition xmlns:p14="http://schemas.microsoft.com/office/powerpoint/2010/main" spd="med" advClick="1"/>
-</p:sld>
-</file>
-
-<file path=ppt/slides/slide11.xml><?xml version="1.0" encoding="utf-8"?>
-<p:sld xmlns:a="http://schemas.openxmlformats.org/drawingml/2006/main" xmlns:r="http://schemas.openxmlformats.org/officeDocument/2006/relationships" xmlns:p="http://schemas.openxmlformats.org/presentationml/2006/main" xmlns:m="http://schemas.openxmlformats.org/officeDocument/2006/math" xmlns:a14="http://schemas.microsoft.com/office/drawing/2010/main" showMasterSp="1" showMasterPhAnim="1">
-  <p:cSld>
-    <p:spTree>
-      <p:nvGrpSpPr>
-        <p:cNvPr id="1" name=""/>
-        <p:cNvGrpSpPr/>
-        <p:nvPr/>
-      </p:nvGrpSpPr>
-      <p:grpSpPr>
-        <a:xfrm>
-          <a:off x="0" y="0"/>
-          <a:ext cx="0" cy="0"/>
-          <a:chOff x="0" y="0"/>
-          <a:chExt cx="0" cy="0"/>
-        </a:xfrm>
-      </p:grpSpPr>
-      <p:pic>
-        <p:nvPicPr>
-          <p:cNvPr id="274" name="Google Shape;219;p28" descr="Google Shape;219;p28"/>
-          <p:cNvPicPr>
-            <a:picLocks noChangeAspect="1"/>
-          </p:cNvPicPr>
-          <p:nvPr/>
-        </p:nvPicPr>
-        <p:blipFill>
-          <a:blip r:embed="rId3">
-            <a:extLst/>
-          </a:blip>
-          <a:stretch>
-            <a:fillRect/>
-          </a:stretch>
-        </p:blipFill>
-        <p:spPr>
-          <a:xfrm>
-            <a:off x="0" y="0"/>
-            <a:ext cx="9144000" cy="5143500"/>
-          </a:xfrm>
-          <a:prstGeom prst="rect">
-            <a:avLst/>
-          </a:prstGeom>
-          <a:ln w="12700">
-            <a:miter lim="400000"/>
-          </a:ln>
-        </p:spPr>
-      </p:pic>
-      <p:sp>
-        <p:nvSpPr>
-          <p:cNvPr id="275" name="Google Shape;220;p28"/>
-          <p:cNvSpPr txBox="1"/>
-          <p:nvPr>
-            <p:ph type="title"/>
-          </p:nvPr>
-        </p:nvSpPr>
-        <p:spPr>
-          <a:xfrm>
-            <a:off x="311699" y="213768"/>
-            <a:ext cx="8520602" cy="572701"/>
-          </a:xfrm>
-          <a:prstGeom prst="rect">
-            <a:avLst/>
-          </a:prstGeom>
-        </p:spPr>
-        <p:txBody>
-          <a:bodyPr/>
-          <a:lstStyle>
-            <a:lvl1pPr algn="ctr" defTabSz="877823">
-              <a:defRPr b="1" sz="2592">
-                <a:solidFill>
-                  <a:schemeClr val="accent3"/>
-                </a:solidFill>
-              </a:defRPr>
-            </a:lvl1pPr>
-          </a:lstStyle>
-          <a:p>
-            <a:pPr/>
-            <a:r>
-              <a:t>Displaying the JSON file on endpoint</a:t>
-            </a:r>
-          </a:p>
-        </p:txBody>
-      </p:sp>
-      <p:sp>
-        <p:nvSpPr>
-          <p:cNvPr id="276" name="Google Shape;221;p28"/>
-          <p:cNvSpPr txBox="1"/>
-          <p:nvPr>
-            <p:ph type="body" idx="1"/>
-          </p:nvPr>
-        </p:nvSpPr>
-        <p:spPr>
-          <a:xfrm>
-            <a:off x="616500" y="748150"/>
-            <a:ext cx="7929599" cy="3949801"/>
-          </a:xfrm>
-          <a:prstGeom prst="rect">
-            <a:avLst/>
-          </a:prstGeom>
-        </p:spPr>
-        <p:txBody>
-          <a:bodyPr/>
-          <a:lstStyle/>
-          <a:p>
-            <a:pPr indent="-381000">
-              <a:buClr>
-                <a:schemeClr val="accent3"/>
-              </a:buClr>
-              <a:buSzPts val="2400"/>
-              <a:buChar char="❖"/>
-              <a:defRPr sz="2400">
-                <a:solidFill>
-                  <a:srgbClr val="FFFFFF"/>
-                </a:solidFill>
-              </a:defRPr>
-            </a:pPr>
-            <a:r>
-              <a:t>Now we will look at rendering the JSON file that we have read inside an end point.</a:t>
-            </a:r>
-          </a:p>
-          <a:p>
-            <a:pPr indent="-381000">
-              <a:buClr>
-                <a:srgbClr val="FFFFFF"/>
-              </a:buClr>
-              <a:buSzPts val="2400"/>
-              <a:buChar char="❖"/>
-              <a:defRPr sz="2400">
-                <a:solidFill>
-                  <a:srgbClr val="FFFFFF"/>
-                </a:solidFill>
-              </a:defRPr>
-            </a:pPr>
-            <a:r>
-              <a:t>We are also returning a status code of 200 (which is the default response) to be certain we will return JSON.</a:t>
-            </a:r>
-          </a:p>
-        </p:txBody>
-      </p:sp>
-      <p:pic>
-        <p:nvPicPr>
-          <p:cNvPr id="277" name="Google Shape;222;p28" descr="Google Shape;222;p28"/>
-          <p:cNvPicPr>
-            <a:picLocks noChangeAspect="1"/>
-          </p:cNvPicPr>
-          <p:nvPr/>
-        </p:nvPicPr>
-        <p:blipFill>
-          <a:blip r:embed="rId4">
-            <a:extLst/>
-          </a:blip>
-          <a:stretch>
-            <a:fillRect/>
-          </a:stretch>
-        </p:blipFill>
-        <p:spPr>
-          <a:xfrm>
-            <a:off x="1971038" y="2686374"/>
-            <a:ext cx="5220525" cy="2011577"/>
-          </a:xfrm>
-          <a:prstGeom prst="rect">
-            <a:avLst/>
-          </a:prstGeom>
-          <a:ln w="12700">
-            <a:miter lim="400000"/>
-          </a:ln>
-        </p:spPr>
-      </p:pic>
-    </p:spTree>
-  </p:cSld>
-  <p:clrMapOvr>
-    <a:masterClrMapping/>
-  </p:clrMapOvr>
-  <p:transition xmlns:p14="http://schemas.microsoft.com/office/powerpoint/2010/main" spd="med" advClick="1"/>
-</p:sld>
-</file>
-
-<file path=ppt/slides/slide12.xml><?xml version="1.0" encoding="utf-8"?>
-<p:sld xmlns:a="http://schemas.openxmlformats.org/drawingml/2006/main" xmlns:r="http://schemas.openxmlformats.org/officeDocument/2006/relationships" xmlns:p="http://schemas.openxmlformats.org/presentationml/2006/main" xmlns:m="http://schemas.openxmlformats.org/officeDocument/2006/math" xmlns:a14="http://schemas.microsoft.com/office/drawing/2010/main" showMasterSp="1" showMasterPhAnim="1">
-  <p:cSld>
-    <p:spTree>
-      <p:nvGrpSpPr>
-        <p:cNvPr id="1" name=""/>
-        <p:cNvGrpSpPr/>
-        <p:nvPr/>
-      </p:nvGrpSpPr>
-      <p:grpSpPr>
-        <a:xfrm>
-          <a:off x="0" y="0"/>
-          <a:ext cx="0" cy="0"/>
-          <a:chOff x="0" y="0"/>
-          <a:chExt cx="0" cy="0"/>
-        </a:xfrm>
-      </p:grpSpPr>
-      <p:pic>
-        <p:nvPicPr>
-          <p:cNvPr id="281" name="Google Shape;227;p29" descr="Google Shape;227;p29"/>
-          <p:cNvPicPr>
-            <a:picLocks noChangeAspect="1"/>
-          </p:cNvPicPr>
-          <p:nvPr/>
-        </p:nvPicPr>
-        <p:blipFill>
-          <a:blip r:embed="rId3">
-            <a:extLst/>
-          </a:blip>
-          <a:stretch>
-            <a:fillRect/>
-          </a:stretch>
-        </p:blipFill>
-        <p:spPr>
-          <a:xfrm>
-            <a:off x="0" y="0"/>
-            <a:ext cx="9144000" cy="5143500"/>
-          </a:xfrm>
-          <a:prstGeom prst="rect">
-            <a:avLst/>
-          </a:prstGeom>
-          <a:ln w="12700">
-            <a:miter lim="400000"/>
-          </a:ln>
-        </p:spPr>
-      </p:pic>
-      <p:sp>
-        <p:nvSpPr>
-          <p:cNvPr id="282" name="Google Shape;228;p29"/>
-          <p:cNvSpPr txBox="1"/>
-          <p:nvPr>
-            <p:ph type="title"/>
-          </p:nvPr>
-        </p:nvSpPr>
-        <p:spPr>
-          <a:xfrm>
-            <a:off x="311699" y="213768"/>
-            <a:ext cx="8520602" cy="572701"/>
-          </a:xfrm>
-          <a:prstGeom prst="rect">
-            <a:avLst/>
-          </a:prstGeom>
-        </p:spPr>
-        <p:txBody>
-          <a:bodyPr/>
-          <a:lstStyle>
-            <a:lvl1pPr algn="ctr" defTabSz="877823">
-              <a:defRPr b="1" sz="2592">
-                <a:solidFill>
-                  <a:schemeClr val="accent3"/>
-                </a:solidFill>
-              </a:defRPr>
-            </a:lvl1pPr>
-          </a:lstStyle>
-          <a:p>
-            <a:pPr/>
-            <a:r>
-              <a:t>How to get specific items</a:t>
-            </a:r>
-          </a:p>
-        </p:txBody>
-      </p:sp>
-      <p:sp>
-        <p:nvSpPr>
-          <p:cNvPr id="283" name="Google Shape;229;p29"/>
-          <p:cNvSpPr txBox="1"/>
-          <p:nvPr>
-            <p:ph type="body" idx="1"/>
-          </p:nvPr>
-        </p:nvSpPr>
-        <p:spPr>
-          <a:xfrm>
-            <a:off x="616500" y="748150"/>
-            <a:ext cx="7929599" cy="3949801"/>
-          </a:xfrm>
-          <a:prstGeom prst="rect">
-            <a:avLst/>
-          </a:prstGeom>
-        </p:spPr>
-        <p:txBody>
-          <a:bodyPr/>
-          <a:lstStyle>
-            <a:lvl1pPr indent="-381000">
-              <a:buClr>
-                <a:schemeClr val="accent3"/>
-              </a:buClr>
-              <a:buSzPts val="2400"/>
-              <a:buChar char="❖"/>
-              <a:defRPr sz="2400">
-                <a:solidFill>
-                  <a:srgbClr val="FFFFFF"/>
-                </a:solidFill>
-              </a:defRPr>
-            </a:lvl1pPr>
-          </a:lstStyle>
-          <a:p>
-            <a:pPr/>
-            <a:r>
-              <a:t>This is a specific GET Method</a:t>
-            </a:r>
-          </a:p>
-        </p:txBody>
-      </p:sp>
-      <p:pic>
-        <p:nvPicPr>
-          <p:cNvPr id="284" name="Google Shape;230;p29" descr="Google Shape;230;p29"/>
-          <p:cNvPicPr>
-            <a:picLocks noChangeAspect="1"/>
-          </p:cNvPicPr>
-          <p:nvPr/>
-        </p:nvPicPr>
-        <p:blipFill>
-          <a:blip r:embed="rId4">
-            <a:extLst/>
-          </a:blip>
-          <a:stretch>
-            <a:fillRect/>
-          </a:stretch>
-        </p:blipFill>
-        <p:spPr>
-          <a:xfrm>
-            <a:off x="1498699" y="1242024"/>
-            <a:ext cx="6146602" cy="3803250"/>
-          </a:xfrm>
-          <a:prstGeom prst="rect">
-            <a:avLst/>
-          </a:prstGeom>
-          <a:ln w="12700">
-            <a:miter lim="400000"/>
-          </a:ln>
-        </p:spPr>
-      </p:pic>
-    </p:spTree>
-  </p:cSld>
-  <p:clrMapOvr>
-    <a:masterClrMapping/>
-  </p:clrMapOvr>
-  <p:transition xmlns:p14="http://schemas.microsoft.com/office/powerpoint/2010/main" spd="med" advClick="1"/>
-</p:sld>
-</file>
-
-<file path=ppt/slides/slide13.xml><?xml version="1.0" encoding="utf-8"?>
-<p:sld xmlns:a="http://schemas.openxmlformats.org/drawingml/2006/main" xmlns:r="http://schemas.openxmlformats.org/officeDocument/2006/relationships" xmlns:p="http://schemas.openxmlformats.org/presentationml/2006/main" xmlns:m="http://schemas.openxmlformats.org/officeDocument/2006/math" xmlns:a14="http://schemas.microsoft.com/office/drawing/2010/main" showMasterSp="1" showMasterPhAnim="1">
-  <p:cSld>
-    <p:spTree>
-      <p:nvGrpSpPr>
-        <p:cNvPr id="1" name=""/>
-        <p:cNvGrpSpPr/>
-        <p:nvPr/>
-      </p:nvGrpSpPr>
-      <p:grpSpPr>
-        <a:xfrm>
-          <a:off x="0" y="0"/>
-          <a:ext cx="0" cy="0"/>
-          <a:chOff x="0" y="0"/>
-          <a:chExt cx="0" cy="0"/>
-        </a:xfrm>
-      </p:grpSpPr>
-      <p:pic>
-        <p:nvPicPr>
-          <p:cNvPr id="288" name="Google Shape;235;p30" descr="Google Shape;235;p30"/>
-          <p:cNvPicPr>
-            <a:picLocks noChangeAspect="1"/>
-          </p:cNvPicPr>
-          <p:nvPr/>
-        </p:nvPicPr>
-        <p:blipFill>
-          <a:blip r:embed="rId3">
-            <a:extLst/>
-          </a:blip>
-          <a:stretch>
-            <a:fillRect/>
-          </a:stretch>
-        </p:blipFill>
-        <p:spPr>
-          <a:xfrm>
-            <a:off x="0" y="0"/>
-            <a:ext cx="9144000" cy="5143500"/>
-          </a:xfrm>
-          <a:prstGeom prst="rect">
-            <a:avLst/>
-          </a:prstGeom>
-          <a:ln w="12700">
-            <a:miter lim="400000"/>
-          </a:ln>
-        </p:spPr>
-      </p:pic>
-      <p:sp>
-        <p:nvSpPr>
-          <p:cNvPr id="289" name="Google Shape;236;p30"/>
-          <p:cNvSpPr txBox="1"/>
-          <p:nvPr>
-            <p:ph type="title"/>
-          </p:nvPr>
-        </p:nvSpPr>
-        <p:spPr>
-          <a:xfrm>
-            <a:off x="311699" y="213768"/>
-            <a:ext cx="8520602" cy="572701"/>
-          </a:xfrm>
-          <a:prstGeom prst="rect">
-            <a:avLst/>
-          </a:prstGeom>
-        </p:spPr>
-        <p:txBody>
-          <a:bodyPr/>
-          <a:lstStyle>
-            <a:lvl1pPr algn="ctr" defTabSz="877823">
-              <a:defRPr b="1" sz="2592">
-                <a:solidFill>
-                  <a:schemeClr val="accent3"/>
-                </a:solidFill>
-              </a:defRPr>
-            </a:lvl1pPr>
-          </a:lstStyle>
-          <a:p>
-            <a:pPr/>
-            <a:r>
-              <a:t>How to Delete specific items</a:t>
-            </a:r>
-          </a:p>
-        </p:txBody>
-      </p:sp>
-      <p:sp>
-        <p:nvSpPr>
-          <p:cNvPr id="290" name="Google Shape;237;p30"/>
-          <p:cNvSpPr txBox="1"/>
-          <p:nvPr>
-            <p:ph type="body" idx="1"/>
-          </p:nvPr>
-        </p:nvSpPr>
-        <p:spPr>
-          <a:xfrm>
-            <a:off x="616500" y="748150"/>
-            <a:ext cx="7929599" cy="3949801"/>
-          </a:xfrm>
-          <a:prstGeom prst="rect">
-            <a:avLst/>
-          </a:prstGeom>
-        </p:spPr>
-        <p:txBody>
-          <a:bodyPr/>
-          <a:lstStyle>
-            <a:lvl1pPr indent="-381000">
-              <a:buClr>
-                <a:schemeClr val="accent3"/>
-              </a:buClr>
-              <a:buSzPts val="2400"/>
-              <a:buChar char="❖"/>
-              <a:defRPr sz="2400">
-                <a:solidFill>
-                  <a:srgbClr val="FFFFFF"/>
-                </a:solidFill>
-              </a:defRPr>
-            </a:lvl1pPr>
-          </a:lstStyle>
-          <a:p>
-            <a:pPr/>
-            <a:r>
-              <a:t>This is a specific Delete Method</a:t>
-            </a:r>
-          </a:p>
-        </p:txBody>
-      </p:sp>
-      <p:pic>
-        <p:nvPicPr>
-          <p:cNvPr id="291" name="Google Shape;238;p30" descr="Google Shape;238;p30"/>
-          <p:cNvPicPr>
-            <a:picLocks noChangeAspect="1"/>
-          </p:cNvPicPr>
-          <p:nvPr/>
-        </p:nvPicPr>
-        <p:blipFill>
-          <a:blip r:embed="rId4">
-            <a:extLst/>
-          </a:blip>
-          <a:stretch>
-            <a:fillRect/>
-          </a:stretch>
-        </p:blipFill>
-        <p:spPr>
-          <a:xfrm>
-            <a:off x="1220000" y="1270074"/>
-            <a:ext cx="6789850" cy="3833876"/>
-          </a:xfrm>
-          <a:prstGeom prst="rect">
-            <a:avLst/>
-          </a:prstGeom>
-          <a:ln w="12700">
-            <a:miter lim="400000"/>
-          </a:ln>
-        </p:spPr>
-      </p:pic>
-    </p:spTree>
-  </p:cSld>
-  <p:clrMapOvr>
-    <a:masterClrMapping/>
-  </p:clrMapOvr>
-  <p:transition xmlns:p14="http://schemas.microsoft.com/office/powerpoint/2010/main" spd="med" advClick="1"/>
-</p:sld>
-</file>
-
-<file path=ppt/slides/slide14.xml><?xml version="1.0" encoding="utf-8"?>
-<p:sld xmlns:a="http://schemas.openxmlformats.org/drawingml/2006/main" xmlns:r="http://schemas.openxmlformats.org/officeDocument/2006/relationships" xmlns:p="http://schemas.openxmlformats.org/presentationml/2006/main" xmlns:m="http://schemas.openxmlformats.org/officeDocument/2006/math" xmlns:a14="http://schemas.microsoft.com/office/drawing/2010/main" showMasterSp="1" showMasterPhAnim="1">
-  <p:cSld>
-    <p:spTree>
-      <p:nvGrpSpPr>
-        <p:cNvPr id="1" name=""/>
-        <p:cNvGrpSpPr/>
-        <p:nvPr/>
-      </p:nvGrpSpPr>
-      <p:grpSpPr>
-        <a:xfrm>
-          <a:off x="0" y="0"/>
-          <a:ext cx="0" cy="0"/>
-          <a:chOff x="0" y="0"/>
-          <a:chExt cx="0" cy="0"/>
-        </a:xfrm>
-      </p:grpSpPr>
-      <p:pic>
-        <p:nvPicPr>
-          <p:cNvPr id="295" name="Google Shape;243;p31" descr="Google Shape;243;p31"/>
-          <p:cNvPicPr>
-            <a:picLocks noChangeAspect="1"/>
-          </p:cNvPicPr>
-          <p:nvPr/>
-        </p:nvPicPr>
-        <p:blipFill>
-          <a:blip r:embed="rId3">
-            <a:extLst/>
-          </a:blip>
-          <a:stretch>
-            <a:fillRect/>
-          </a:stretch>
-        </p:blipFill>
-        <p:spPr>
-          <a:xfrm>
-            <a:off x="0" y="0"/>
-            <a:ext cx="9144000" cy="5143500"/>
-          </a:xfrm>
-          <a:prstGeom prst="rect">
-            <a:avLst/>
-          </a:prstGeom>
-          <a:ln w="12700">
-            <a:miter lim="400000"/>
-          </a:ln>
-        </p:spPr>
-      </p:pic>
-      <p:sp>
-        <p:nvSpPr>
-          <p:cNvPr id="296" name="Google Shape;244;p31"/>
-          <p:cNvSpPr txBox="1"/>
-          <p:nvPr>
-            <p:ph type="title"/>
-          </p:nvPr>
-        </p:nvSpPr>
-        <p:spPr>
-          <a:xfrm>
-            <a:off x="311699" y="213768"/>
-            <a:ext cx="8520602" cy="572701"/>
-          </a:xfrm>
-          <a:prstGeom prst="rect">
-            <a:avLst/>
-          </a:prstGeom>
-        </p:spPr>
-        <p:txBody>
-          <a:bodyPr/>
-          <a:lstStyle>
-            <a:lvl1pPr algn="ctr" defTabSz="877823">
-              <a:defRPr b="1" sz="2592">
-                <a:solidFill>
-                  <a:schemeClr val="accent3"/>
-                </a:solidFill>
-              </a:defRPr>
-            </a:lvl1pPr>
-          </a:lstStyle>
-          <a:p>
-            <a:pPr/>
-            <a:r>
-              <a:t>How to Add new items</a:t>
-            </a:r>
-          </a:p>
-        </p:txBody>
-      </p:sp>
-      <p:sp>
-        <p:nvSpPr>
-          <p:cNvPr id="297" name="Google Shape;245;p31"/>
-          <p:cNvSpPr txBox="1"/>
-          <p:nvPr>
-            <p:ph type="body" idx="1"/>
-          </p:nvPr>
-        </p:nvSpPr>
-        <p:spPr>
-          <a:xfrm>
-            <a:off x="616500" y="748150"/>
-            <a:ext cx="7929599" cy="3949801"/>
-          </a:xfrm>
-          <a:prstGeom prst="rect">
-            <a:avLst/>
-          </a:prstGeom>
-        </p:spPr>
-        <p:txBody>
-          <a:bodyPr/>
-          <a:lstStyle>
-            <a:lvl1pPr indent="-381000">
-              <a:buClr>
-                <a:schemeClr val="accent3"/>
-              </a:buClr>
-              <a:buSzPts val="2400"/>
-              <a:buChar char="❖"/>
-              <a:defRPr sz="2400">
-                <a:solidFill>
-                  <a:srgbClr val="FFFFFF"/>
-                </a:solidFill>
-              </a:defRPr>
-            </a:lvl1pPr>
-          </a:lstStyle>
-          <a:p>
-            <a:pPr/>
-            <a:r>
-              <a:t>This is a add new item Method</a:t>
-            </a:r>
-          </a:p>
-        </p:txBody>
-      </p:sp>
-      <p:pic>
-        <p:nvPicPr>
-          <p:cNvPr id="298" name="Google Shape;246;p31" descr="Google Shape;246;p31"/>
-          <p:cNvPicPr>
-            <a:picLocks noChangeAspect="1"/>
-          </p:cNvPicPr>
-          <p:nvPr/>
-        </p:nvPicPr>
-        <p:blipFill>
-          <a:blip r:embed="rId4">
-            <a:extLst/>
-          </a:blip>
-          <a:stretch>
-            <a:fillRect/>
-          </a:stretch>
-        </p:blipFill>
-        <p:spPr>
-          <a:xfrm>
-            <a:off x="526725" y="1227975"/>
-            <a:ext cx="8090551" cy="3880501"/>
-          </a:xfrm>
-          <a:prstGeom prst="rect">
-            <a:avLst/>
-          </a:prstGeom>
-          <a:ln w="12700">
-            <a:miter lim="400000"/>
-          </a:ln>
-        </p:spPr>
-      </p:pic>
-    </p:spTree>
-  </p:cSld>
-  <p:clrMapOvr>
-    <a:masterClrMapping/>
-  </p:clrMapOvr>
-  <p:transition xmlns:p14="http://schemas.microsoft.com/office/powerpoint/2010/main" spd="med" advClick="1"/>
-</p:sld>
-</file>
-
-<file path=ppt/slides/slide15.xml><?xml version="1.0" encoding="utf-8"?>
-<p:sld xmlns:a="http://schemas.openxmlformats.org/drawingml/2006/main" xmlns:r="http://schemas.openxmlformats.org/officeDocument/2006/relationships" xmlns:p="http://schemas.openxmlformats.org/presentationml/2006/main" xmlns:m="http://schemas.openxmlformats.org/officeDocument/2006/math" xmlns:a14="http://schemas.microsoft.com/office/drawing/2010/main" showMasterSp="1" showMasterPhAnim="1">
-  <p:cSld>
-    <p:spTree>
-      <p:nvGrpSpPr>
-        <p:cNvPr id="1" name=""/>
-        <p:cNvGrpSpPr/>
-        <p:nvPr/>
-      </p:nvGrpSpPr>
-      <p:grpSpPr>
-        <a:xfrm>
-          <a:off x="0" y="0"/>
-          <a:ext cx="0" cy="0"/>
-          <a:chOff x="0" y="0"/>
-          <a:chExt cx="0" cy="0"/>
-        </a:xfrm>
-      </p:grpSpPr>
-      <p:pic>
-        <p:nvPicPr>
-          <p:cNvPr id="302" name="Google Shape;251;p32" descr="Google Shape;251;p32"/>
-          <p:cNvPicPr>
-            <a:picLocks noChangeAspect="1"/>
-          </p:cNvPicPr>
-          <p:nvPr/>
-        </p:nvPicPr>
-        <p:blipFill>
-          <a:blip r:embed="rId3">
-            <a:extLst/>
-          </a:blip>
-          <a:stretch>
-            <a:fillRect/>
-          </a:stretch>
-        </p:blipFill>
-        <p:spPr>
-          <a:xfrm>
-            <a:off x="0" y="0"/>
-            <a:ext cx="9144000" cy="5143500"/>
-          </a:xfrm>
-          <a:prstGeom prst="rect">
-            <a:avLst/>
-          </a:prstGeom>
-          <a:ln w="12700">
-            <a:miter lim="400000"/>
-          </a:ln>
-        </p:spPr>
-      </p:pic>
-      <p:graphicFrame>
-        <p:nvGraphicFramePr>
-          <p:cNvPr id="303" name="Google Shape;252;p32"/>
-          <p:cNvGraphicFramePr/>
-          <p:nvPr/>
-        </p:nvGraphicFramePr>
-        <p:xfrm>
-          <a:off x="1706399" y="1508125"/>
-          <a:ext cx="5731202" cy="12700"/>
-        </p:xfrm>
-        <a:graphic xmlns:a="http://schemas.openxmlformats.org/drawingml/2006/main">
-          <a:graphicData uri="http://schemas.openxmlformats.org/drawingml/2006/table">
-            <a:tbl>
-              <a:tblPr firstCol="0" firstRow="0" lastCol="0" lastRow="0" bandCol="0" bandRow="0" rtl="0">
-                <a:tableStyleId>{4C3C2611-4C71-4FC5-86AE-919BDF0F9419}</a:tableStyleId>
-              </a:tblPr>
-              <a:tblGrid>
-                <a:gridCol w="5731200"/>
-              </a:tblGrid>
-              <a:tr h="101600">
-                <a:tc>
-                  <a:txBody>
-                    <a:bodyPr/>
-                    <a:lstStyle/>
-                    <a:p>
-                      <a:pPr algn="just">
-                        <a:spcBef>
-                          <a:spcPts val="500"/>
-                        </a:spcBef>
-                        <a:defRPr sz="1400">
-                          <a:latin typeface="Montserrat Light"/>
-                          <a:ea typeface="Montserrat Light"/>
-                          <a:cs typeface="Montserrat Light"/>
-                          <a:sym typeface="Montserrat Light"/>
-                        </a:defRPr>
-                      </a:pPr>
-                      <a:r>
-                        <a:t>class MyComponent extends React.Component {</a:t>
-                      </a:r>
-                    </a:p>
-                    <a:p>
-                      <a:pPr algn="just">
-                        <a:spcBef>
-                          <a:spcPts val="500"/>
-                        </a:spcBef>
-                        <a:defRPr sz="1400">
-                          <a:latin typeface="Montserrat Light"/>
-                          <a:ea typeface="Montserrat Light"/>
-                          <a:cs typeface="Montserrat Light"/>
-                          <a:sym typeface="Montserrat Light"/>
-                        </a:defRPr>
-                      </a:pPr>
-                      <a:r>
-                        <a:t>  constructor(props) {</a:t>
-                      </a:r>
-                    </a:p>
-                    <a:p>
-                      <a:pPr algn="just">
-                        <a:spcBef>
-                          <a:spcPts val="500"/>
-                        </a:spcBef>
-                        <a:defRPr sz="1400">
-                          <a:latin typeface="Montserrat Light"/>
-                          <a:ea typeface="Montserrat Light"/>
-                          <a:cs typeface="Montserrat Light"/>
-                          <a:sym typeface="Montserrat Light"/>
-                        </a:defRPr>
-                      </a:pPr>
-                      <a:r>
-                        <a:t>    super(props);</a:t>
-                      </a:r>
-                    </a:p>
-                    <a:p>
-                      <a:pPr algn="just">
-                        <a:spcBef>
-                          <a:spcPts val="500"/>
-                        </a:spcBef>
-                        <a:defRPr sz="1400">
-                          <a:latin typeface="Montserrat Light"/>
-                          <a:ea typeface="Montserrat Light"/>
-                          <a:cs typeface="Montserrat Light"/>
-                          <a:sym typeface="Montserrat Light"/>
-                        </a:defRPr>
-                      </a:pPr>
-                      <a:r>
-                        <a:t>    this.state = {</a:t>
-                      </a:r>
-                    </a:p>
-                    <a:p>
-                      <a:pPr algn="just">
-                        <a:spcBef>
-                          <a:spcPts val="500"/>
-                        </a:spcBef>
-                        <a:defRPr sz="1400">
-                          <a:latin typeface="Montserrat Light"/>
-                          <a:ea typeface="Montserrat Light"/>
-                          <a:cs typeface="Montserrat Light"/>
-                          <a:sym typeface="Montserrat Light"/>
-                        </a:defRPr>
-                      </a:pPr>
-                      <a:r>
-                        <a:t>      error: null,</a:t>
-                      </a:r>
-                    </a:p>
-                    <a:p>
-                      <a:pPr algn="just">
-                        <a:spcBef>
-                          <a:spcPts val="500"/>
-                        </a:spcBef>
-                        <a:defRPr sz="1400">
-                          <a:latin typeface="Montserrat Light"/>
-                          <a:ea typeface="Montserrat Light"/>
-                          <a:cs typeface="Montserrat Light"/>
-                          <a:sym typeface="Montserrat Light"/>
-                        </a:defRPr>
-                      </a:pPr>
-                      <a:r>
-                        <a:t>      isLoaded: false,</a:t>
-                      </a:r>
-                    </a:p>
-                    <a:p>
-                      <a:pPr algn="just">
-                        <a:spcBef>
-                          <a:spcPts val="500"/>
-                        </a:spcBef>
-                        <a:defRPr sz="1400">
-                          <a:latin typeface="Montserrat Light"/>
-                          <a:ea typeface="Montserrat Light"/>
-                          <a:cs typeface="Montserrat Light"/>
-                          <a:sym typeface="Montserrat Light"/>
-                        </a:defRPr>
-                      </a:pPr>
-                      <a:r>
-                        <a:t>      items: [] };}</a:t>
-                      </a:r>
-                    </a:p>
-                  </a:txBody>
-                  <a:tcPr marL="63500" marR="63500" marT="63500" marB="63500" anchor="t" anchorCtr="0" horzOverflow="overflow">
-                    <a:lnL w="19050">
-                      <a:solidFill>
-                        <a:srgbClr val="FFFFFF"/>
-                      </a:solidFill>
-                    </a:lnL>
-                    <a:lnR w="19050">
-                      <a:solidFill>
-                        <a:srgbClr val="FFFFFF"/>
-                      </a:solidFill>
-                    </a:lnR>
-                    <a:lnT w="19050">
-                      <a:solidFill>
-                        <a:srgbClr val="FFFFFF"/>
-                      </a:solidFill>
-                    </a:lnT>
-                    <a:lnB w="19050">
-                      <a:solidFill>
-                        <a:srgbClr val="FFFFFF"/>
-                      </a:solidFill>
-                    </a:lnB>
-                    <a:solidFill>
-                      <a:srgbClr val="EAEFF5"/>
-                    </a:solidFill>
-                  </a:tcPr>
-                </a:tc>
-              </a:tr>
-            </a:tbl>
-          </a:graphicData>
-        </a:graphic>
-      </p:graphicFrame>
-    </p:spTree>
-  </p:cSld>
-  <p:clrMapOvr>
-    <a:masterClrMapping/>
-  </p:clrMapOvr>
-  <p:transition xmlns:p14="http://schemas.microsoft.com/office/powerpoint/2010/main" spd="med" advClick="1"/>
-</p:sld>
-</file>
-
-<file path=ppt/slides/slide16.xml><?xml version="1.0" encoding="utf-8"?>
-<p:sld xmlns:a="http://schemas.openxmlformats.org/drawingml/2006/main" xmlns:r="http://schemas.openxmlformats.org/officeDocument/2006/relationships" xmlns:p="http://schemas.openxmlformats.org/presentationml/2006/main" xmlns:m="http://schemas.openxmlformats.org/officeDocument/2006/math" xmlns:a14="http://schemas.microsoft.com/office/drawing/2010/main" showMasterSp="1" showMasterPhAnim="1">
-  <p:cSld>
-    <p:spTree>
-      <p:nvGrpSpPr>
-        <p:cNvPr id="1" name=""/>
-        <p:cNvGrpSpPr/>
-        <p:nvPr/>
-      </p:nvGrpSpPr>
-      <p:grpSpPr>
-        <a:xfrm>
-          <a:off x="0" y="0"/>
-          <a:ext cx="0" cy="0"/>
-          <a:chOff x="0" y="0"/>
-          <a:chExt cx="0" cy="0"/>
-        </a:xfrm>
-      </p:grpSpPr>
-      <p:pic>
-        <p:nvPicPr>
-          <p:cNvPr id="307" name="Google Shape;257;p33" descr="Google Shape;257;p33"/>
+          <p:cNvPr id="265" name="Google Shape;257;p33" descr="Google Shape;257;p33"/>
           <p:cNvPicPr>
             <a:picLocks noChangeAspect="1"/>
           </p:cNvPicPr>
@@ -10247,13 +7819,13 @@
       </p:pic>
       <p:graphicFrame>
         <p:nvGraphicFramePr>
-          <p:cNvPr id="308" name="Google Shape;258;p33"/>
+          <p:cNvPr id="266" name="Google Shape;258;p33"/>
           <p:cNvGraphicFramePr/>
           <p:nvPr/>
         </p:nvGraphicFramePr>
         <p:xfrm>
-          <a:off x="1706399" y="541337"/>
-          <a:ext cx="5731202" cy="12701"/>
+          <a:off x="1706398" y="541337"/>
+          <a:ext cx="5731202" cy="101601"/>
         </p:xfrm>
         <a:graphic xmlns:a="http://schemas.openxmlformats.org/drawingml/2006/main">
           <a:graphicData uri="http://schemas.openxmlformats.org/drawingml/2006/table">
@@ -10534,7 +8106,7 @@
 </p:sld>
 </file>
 
-<file path=ppt/slides/slide17.xml><?xml version="1.0" encoding="utf-8"?>
+<file path=ppt/slides/slide11.xml><?xml version="1.0" encoding="utf-8"?>
 <p:sld xmlns:a="http://schemas.openxmlformats.org/drawingml/2006/main" xmlns:r="http://schemas.openxmlformats.org/officeDocument/2006/relationships" xmlns:p="http://schemas.openxmlformats.org/presentationml/2006/main" xmlns:m="http://schemas.openxmlformats.org/officeDocument/2006/math" xmlns:a14="http://schemas.microsoft.com/office/drawing/2010/main" showMasterSp="1" showMasterPhAnim="1">
   <p:cSld>
     <p:spTree>
@@ -10553,7 +8125,7 @@
       </p:grpSpPr>
       <p:pic>
         <p:nvPicPr>
-          <p:cNvPr id="310" name="Google Shape;263;p34" descr="Google Shape;263;p34"/>
+          <p:cNvPr id="268" name="Google Shape;263;p34" descr="Google Shape;263;p34"/>
           <p:cNvPicPr>
             <a:picLocks noChangeAspect="1"/>
           </p:cNvPicPr>
@@ -10582,13 +8154,13 @@
       </p:pic>
       <p:graphicFrame>
         <p:nvGraphicFramePr>
-          <p:cNvPr id="311" name="Google Shape;264;p34"/>
+          <p:cNvPr id="269" name="Google Shape;264;p34"/>
           <p:cNvGraphicFramePr/>
           <p:nvPr/>
         </p:nvGraphicFramePr>
         <p:xfrm>
-          <a:off x="1706399" y="265113"/>
-          <a:ext cx="5731202" cy="12701"/>
+          <a:off x="1706398" y="265113"/>
+          <a:ext cx="5731202" cy="101601"/>
         </p:xfrm>
         <a:graphic xmlns:a="http://schemas.openxmlformats.org/drawingml/2006/main">
           <a:graphicData uri="http://schemas.openxmlformats.org/drawingml/2006/table">
@@ -10901,7 +8473,7 @@
 </p:sld>
 </file>
 
-<file path=ppt/slides/slide18.xml><?xml version="1.0" encoding="utf-8"?>
+<file path=ppt/slides/slide12.xml><?xml version="1.0" encoding="utf-8"?>
 <p:sld xmlns:a="http://schemas.openxmlformats.org/drawingml/2006/main" xmlns:r="http://schemas.openxmlformats.org/officeDocument/2006/relationships" xmlns:p="http://schemas.openxmlformats.org/presentationml/2006/main" xmlns:m="http://schemas.openxmlformats.org/officeDocument/2006/math" xmlns:a14="http://schemas.microsoft.com/office/drawing/2010/main" showMasterSp="1" showMasterPhAnim="1">
   <p:cSld>
     <p:spTree>
@@ -10920,7 +8492,7 @@
       </p:grpSpPr>
       <p:pic>
         <p:nvPicPr>
-          <p:cNvPr id="315" name="Google Shape;269;p35" descr="Google Shape;269;p35"/>
+          <p:cNvPr id="273" name="Google Shape;269;p35" descr="Google Shape;269;p35"/>
           <p:cNvPicPr>
             <a:picLocks noChangeAspect="1"/>
           </p:cNvPicPr>
@@ -10949,7 +8521,7 @@
       </p:pic>
       <p:sp>
         <p:nvSpPr>
-          <p:cNvPr id="316" name="Google Shape;270;p35"/>
+          <p:cNvPr id="274" name="Google Shape;270;p35"/>
           <p:cNvSpPr txBox="1"/>
           <p:nvPr>
             <p:ph type="title"/>
@@ -10958,7 +8530,7 @@
         <p:spPr>
           <a:xfrm>
             <a:off x="311699" y="213768"/>
-            <a:ext cx="8520602" cy="572701"/>
+            <a:ext cx="8520602" cy="572702"/>
           </a:xfrm>
           <a:prstGeom prst="rect">
             <a:avLst/>
@@ -10967,8 +8539,8 @@
         <p:txBody>
           <a:bodyPr/>
           <a:lstStyle>
-            <a:lvl1pPr algn="ctr" defTabSz="877823">
-              <a:defRPr b="1" sz="2592">
+            <a:lvl1pPr algn="ctr" defTabSz="877822">
+              <a:defRPr b="1" sz="2500">
                 <a:solidFill>
                   <a:schemeClr val="accent3"/>
                 </a:solidFill>
@@ -10985,7 +8557,7 @@
       </p:sp>
       <p:sp>
         <p:nvSpPr>
-          <p:cNvPr id="317" name="Google Shape;271;p35"/>
+          <p:cNvPr id="275" name="Google Shape;271;p35"/>
           <p:cNvSpPr txBox="1"/>
           <p:nvPr>
             <p:ph type="body" idx="1"/>
@@ -10993,8 +8565,8 @@
         </p:nvSpPr>
         <p:spPr>
           <a:xfrm>
-            <a:off x="616500" y="748150"/>
-            <a:ext cx="7929599" cy="3949801"/>
+            <a:off x="616500" y="748149"/>
+            <a:ext cx="7929599" cy="3949803"/>
           </a:xfrm>
           <a:prstGeom prst="rect">
             <a:avLst/>
@@ -11135,7 +8707,7 @@
 </p:sld>
 </file>
 
-<file path=ppt/slides/slide19.xml><?xml version="1.0" encoding="utf-8"?>
+<file path=ppt/slides/slide13.xml><?xml version="1.0" encoding="utf-8"?>
 <p:sld xmlns:a="http://schemas.openxmlformats.org/drawingml/2006/main" xmlns:r="http://schemas.openxmlformats.org/officeDocument/2006/relationships" xmlns:p="http://schemas.openxmlformats.org/presentationml/2006/main" xmlns:m="http://schemas.openxmlformats.org/officeDocument/2006/math" xmlns:a14="http://schemas.microsoft.com/office/drawing/2010/main" showMasterSp="1" showMasterPhAnim="1">
   <p:cSld>
     <p:spTree>
@@ -11154,7 +8726,7 @@
       </p:grpSpPr>
       <p:pic>
         <p:nvPicPr>
-          <p:cNvPr id="321" name="Google Shape;276;p36" descr="Google Shape;276;p36"/>
+          <p:cNvPr id="279" name="Google Shape;276;p36" descr="Google Shape;276;p36"/>
           <p:cNvPicPr>
             <a:picLocks noChangeAspect="1"/>
           </p:cNvPicPr>
@@ -11183,7 +8755,7 @@
       </p:pic>
       <p:sp>
         <p:nvSpPr>
-          <p:cNvPr id="322" name="Google Shape;277;p36"/>
+          <p:cNvPr id="280" name="Google Shape;277;p36"/>
           <p:cNvSpPr txBox="1"/>
           <p:nvPr>
             <p:ph type="title"/>
@@ -11192,7 +8764,7 @@
         <p:spPr>
           <a:xfrm>
             <a:off x="311699" y="213768"/>
-            <a:ext cx="8520602" cy="572701"/>
+            <a:ext cx="8520602" cy="572702"/>
           </a:xfrm>
           <a:prstGeom prst="rect">
             <a:avLst/>
@@ -11201,8 +8773,8 @@
         <p:txBody>
           <a:bodyPr/>
           <a:lstStyle>
-            <a:lvl1pPr algn="ctr" defTabSz="877823">
-              <a:defRPr b="1" sz="2592">
+            <a:lvl1pPr algn="ctr" defTabSz="877822">
+              <a:defRPr b="1" sz="2500">
                 <a:solidFill>
                   <a:schemeClr val="accent3"/>
                 </a:solidFill>
@@ -11219,13 +8791,13 @@
       </p:sp>
       <p:graphicFrame>
         <p:nvGraphicFramePr>
-          <p:cNvPr id="323" name="Google Shape;278;p36"/>
+          <p:cNvPr id="281" name="Google Shape;278;p36"/>
           <p:cNvGraphicFramePr/>
           <p:nvPr/>
         </p:nvGraphicFramePr>
         <p:xfrm>
-          <a:off x="797400" y="749399"/>
-          <a:ext cx="7508776" cy="12701"/>
+          <a:off x="797400" y="749398"/>
+          <a:ext cx="7508776" cy="101601"/>
         </p:xfrm>
         <a:graphic xmlns:a="http://schemas.openxmlformats.org/drawingml/2006/main">
           <a:graphicData uri="http://schemas.openxmlformats.org/drawingml/2006/table">
@@ -11295,15 +8867,12 @@
                           <a:spcPct val="115000"/>
                         </a:lnSpc>
                         <a:defRPr sz="1400">
-                          <a:sym typeface="Arial"/>
+                          <a:latin typeface="Montserrat Light"/>
+                          <a:ea typeface="Montserrat Light"/>
+                          <a:cs typeface="Montserrat Light"/>
+                          <a:sym typeface="Montserrat Light"/>
                         </a:defRPr>
                       </a:pPr>
-                      <a:endParaRPr>
-                        <a:latin typeface="Montserrat Light"/>
-                        <a:ea typeface="Montserrat Light"/>
-                        <a:cs typeface="Montserrat Light"/>
-                        <a:sym typeface="Montserrat Light"/>
-                      </a:endParaRPr>
                     </a:p>
                     <a:p>
                       <a:pPr algn="just">
@@ -11522,6 +9091,171 @@
 </p:sld>
 </file>
 
+<file path=ppt/slides/slide14.xml><?xml version="1.0" encoding="utf-8"?>
+<p:sld xmlns:a="http://schemas.openxmlformats.org/drawingml/2006/main" xmlns:r="http://schemas.openxmlformats.org/officeDocument/2006/relationships" xmlns:p="http://schemas.openxmlformats.org/presentationml/2006/main" xmlns:m="http://schemas.openxmlformats.org/officeDocument/2006/math" xmlns:a14="http://schemas.microsoft.com/office/drawing/2010/main" showMasterSp="1" showMasterPhAnim="1">
+  <p:cSld>
+    <p:spTree>
+      <p:nvGrpSpPr>
+        <p:cNvPr id="1" name=""/>
+        <p:cNvGrpSpPr/>
+        <p:nvPr/>
+      </p:nvGrpSpPr>
+      <p:grpSpPr>
+        <a:xfrm>
+          <a:off x="0" y="0"/>
+          <a:ext cx="0" cy="0"/>
+          <a:chOff x="0" y="0"/>
+          <a:chExt cx="0" cy="0"/>
+        </a:xfrm>
+      </p:grpSpPr>
+      <p:pic>
+        <p:nvPicPr>
+          <p:cNvPr id="285" name="Google Shape;283;p37" descr="Google Shape;283;p37"/>
+          <p:cNvPicPr>
+            <a:picLocks noChangeAspect="1"/>
+          </p:cNvPicPr>
+          <p:nvPr/>
+        </p:nvPicPr>
+        <p:blipFill>
+          <a:blip r:embed="rId3">
+            <a:extLst/>
+          </a:blip>
+          <a:stretch>
+            <a:fillRect/>
+          </a:stretch>
+        </p:blipFill>
+        <p:spPr>
+          <a:xfrm>
+            <a:off x="0" y="0"/>
+            <a:ext cx="9144000" cy="5143500"/>
+          </a:xfrm>
+          <a:prstGeom prst="rect">
+            <a:avLst/>
+          </a:prstGeom>
+          <a:ln w="12700">
+            <a:miter lim="400000"/>
+          </a:ln>
+        </p:spPr>
+      </p:pic>
+      <p:sp>
+        <p:nvSpPr>
+          <p:cNvPr id="286" name="Google Shape;284;p37"/>
+          <p:cNvSpPr txBox="1"/>
+          <p:nvPr>
+            <p:ph type="title"/>
+          </p:nvPr>
+        </p:nvSpPr>
+        <p:spPr>
+          <a:xfrm>
+            <a:off x="311699" y="213768"/>
+            <a:ext cx="8520602" cy="572702"/>
+          </a:xfrm>
+          <a:prstGeom prst="rect">
+            <a:avLst/>
+          </a:prstGeom>
+        </p:spPr>
+        <p:txBody>
+          <a:bodyPr/>
+          <a:lstStyle>
+            <a:lvl1pPr algn="ctr" defTabSz="877822">
+              <a:defRPr b="1" sz="2500">
+                <a:solidFill>
+                  <a:schemeClr val="accent3"/>
+                </a:solidFill>
+              </a:defRPr>
+            </a:lvl1pPr>
+          </a:lstStyle>
+          <a:p>
+            <a:pPr/>
+            <a:r>
+              <a:t>Use Fetch API to Post Data to Server</a:t>
+            </a:r>
+          </a:p>
+        </p:txBody>
+      </p:sp>
+      <p:sp>
+        <p:nvSpPr>
+          <p:cNvPr id="287" name="Google Shape;285;p37"/>
+          <p:cNvSpPr txBox="1"/>
+          <p:nvPr>
+            <p:ph type="body" idx="1"/>
+          </p:nvPr>
+        </p:nvSpPr>
+        <p:spPr>
+          <a:xfrm>
+            <a:off x="616500" y="824348"/>
+            <a:ext cx="7929599" cy="4190703"/>
+          </a:xfrm>
+          <a:prstGeom prst="rect">
+            <a:avLst/>
+          </a:prstGeom>
+        </p:spPr>
+        <p:txBody>
+          <a:bodyPr/>
+          <a:lstStyle/>
+          <a:p>
+            <a:pPr indent="-381000">
+              <a:buClr>
+                <a:schemeClr val="accent3"/>
+              </a:buClr>
+              <a:buSzPts val="2400"/>
+              <a:buChar char="❖"/>
+              <a:defRPr sz="2400">
+                <a:solidFill>
+                  <a:srgbClr val="FFFFFF"/>
+                </a:solidFill>
+              </a:defRPr>
+            </a:pPr>
+            <a:r>
+              <a:t>If we want our Express server to be able to access content that is passed in the body of the HTTP request, we need to include the </a:t>
+            </a:r>
+            <a:r>
+              <a:rPr>
+                <a:solidFill>
+                  <a:schemeClr val="accent3"/>
+                </a:solidFill>
+              </a:rPr>
+              <a:t>body-parser middleware.</a:t>
+            </a:r>
+            <a:endParaRPr>
+              <a:solidFill>
+                <a:schemeClr val="accent3"/>
+              </a:solidFill>
+            </a:endParaRPr>
+          </a:p>
+          <a:p>
+            <a:pPr indent="-381000">
+              <a:buClr>
+                <a:schemeClr val="accent3"/>
+              </a:buClr>
+              <a:buSzPts val="2400"/>
+              <a:buChar char="❖"/>
+              <a:defRPr sz="2400">
+                <a:solidFill>
+                  <a:srgbClr val="FFFFFF"/>
+                </a:solidFill>
+              </a:defRPr>
+            </a:pPr>
+            <a:r>
+              <a:rPr>
+                <a:solidFill>
+                  <a:schemeClr val="accent3"/>
+                </a:solidFill>
+              </a:rPr>
+              <a:t>app.use(express.json())</a:t>
+            </a:r>
+          </a:p>
+        </p:txBody>
+      </p:sp>
+    </p:spTree>
+  </p:cSld>
+  <p:clrMapOvr>
+    <a:masterClrMapping/>
+  </p:clrMapOvr>
+  <p:transition xmlns:p14="http://schemas.microsoft.com/office/powerpoint/2010/main" spd="med" advClick="1"/>
+</p:sld>
+</file>
+
 <file path=ppt/slides/slide2.xml><?xml version="1.0" encoding="utf-8"?>
 <p:sld xmlns:a="http://schemas.openxmlformats.org/drawingml/2006/main" xmlns:r="http://schemas.openxmlformats.org/officeDocument/2006/relationships" xmlns:p="http://schemas.openxmlformats.org/presentationml/2006/main" xmlns:m="http://schemas.openxmlformats.org/officeDocument/2006/math" xmlns:a14="http://schemas.microsoft.com/office/drawing/2010/main" showMasterSp="1" showMasterPhAnim="1">
   <p:cSld>
@@ -11579,7 +9313,7 @@
         <p:spPr>
           <a:xfrm>
             <a:off x="727650" y="620400"/>
-            <a:ext cx="7688699" cy="535201"/>
+            <a:ext cx="7688699" cy="535202"/>
           </a:xfrm>
           <a:prstGeom prst="rect">
             <a:avLst/>
@@ -11589,7 +9323,7 @@
           <a:bodyPr/>
           <a:lstStyle>
             <a:lvl1pPr algn="ctr" defTabSz="676655">
-              <a:defRPr b="1" sz="2368">
+              <a:defRPr b="1" sz="2300">
                 <a:solidFill>
                   <a:schemeClr val="accent3"/>
                 </a:solidFill>
@@ -11615,7 +9349,7 @@
         <p:spPr>
           <a:xfrm>
             <a:off x="727649" y="1434525"/>
-            <a:ext cx="8035202" cy="3000601"/>
+            <a:ext cx="8035202" cy="3000602"/>
           </a:xfrm>
           <a:prstGeom prst="rect">
             <a:avLst/>
@@ -11664,2136 +9398,6 @@
             <a:r>
               <a:t>We will also be covering the basics of react hooks( modern way of writing react components without state) in this lesson</a:t>
             </a:r>
-          </a:p>
-        </p:txBody>
-      </p:sp>
-    </p:spTree>
-  </p:cSld>
-  <p:clrMapOvr>
-    <a:masterClrMapping/>
-  </p:clrMapOvr>
-  <p:transition xmlns:p14="http://schemas.microsoft.com/office/powerpoint/2010/main" spd="med" advClick="1"/>
-</p:sld>
-</file>
-
-<file path=ppt/slides/slide20.xml><?xml version="1.0" encoding="utf-8"?>
-<p:sld xmlns:a="http://schemas.openxmlformats.org/drawingml/2006/main" xmlns:r="http://schemas.openxmlformats.org/officeDocument/2006/relationships" xmlns:p="http://schemas.openxmlformats.org/presentationml/2006/main" xmlns:m="http://schemas.openxmlformats.org/officeDocument/2006/math" xmlns:a14="http://schemas.microsoft.com/office/drawing/2010/main" showMasterSp="1" showMasterPhAnim="1">
-  <p:cSld>
-    <p:spTree>
-      <p:nvGrpSpPr>
-        <p:cNvPr id="1" name=""/>
-        <p:cNvGrpSpPr/>
-        <p:nvPr/>
-      </p:nvGrpSpPr>
-      <p:grpSpPr>
-        <a:xfrm>
-          <a:off x="0" y="0"/>
-          <a:ext cx="0" cy="0"/>
-          <a:chOff x="0" y="0"/>
-          <a:chExt cx="0" cy="0"/>
-        </a:xfrm>
-      </p:grpSpPr>
-      <p:pic>
-        <p:nvPicPr>
-          <p:cNvPr id="327" name="Google Shape;283;p37" descr="Google Shape;283;p37"/>
-          <p:cNvPicPr>
-            <a:picLocks noChangeAspect="1"/>
-          </p:cNvPicPr>
-          <p:nvPr/>
-        </p:nvPicPr>
-        <p:blipFill>
-          <a:blip r:embed="rId3">
-            <a:extLst/>
-          </a:blip>
-          <a:stretch>
-            <a:fillRect/>
-          </a:stretch>
-        </p:blipFill>
-        <p:spPr>
-          <a:xfrm>
-            <a:off x="0" y="0"/>
-            <a:ext cx="9144000" cy="5143500"/>
-          </a:xfrm>
-          <a:prstGeom prst="rect">
-            <a:avLst/>
-          </a:prstGeom>
-          <a:ln w="12700">
-            <a:miter lim="400000"/>
-          </a:ln>
-        </p:spPr>
-      </p:pic>
-      <p:sp>
-        <p:nvSpPr>
-          <p:cNvPr id="328" name="Google Shape;284;p37"/>
-          <p:cNvSpPr txBox="1"/>
-          <p:nvPr>
-            <p:ph type="title"/>
-          </p:nvPr>
-        </p:nvSpPr>
-        <p:spPr>
-          <a:xfrm>
-            <a:off x="311699" y="213768"/>
-            <a:ext cx="8520602" cy="572701"/>
-          </a:xfrm>
-          <a:prstGeom prst="rect">
-            <a:avLst/>
-          </a:prstGeom>
-        </p:spPr>
-        <p:txBody>
-          <a:bodyPr/>
-          <a:lstStyle>
-            <a:lvl1pPr algn="ctr" defTabSz="877823">
-              <a:defRPr b="1" sz="2592">
-                <a:solidFill>
-                  <a:schemeClr val="accent3"/>
-                </a:solidFill>
-              </a:defRPr>
-            </a:lvl1pPr>
-          </a:lstStyle>
-          <a:p>
-            <a:pPr/>
-            <a:r>
-              <a:t>Use Fetch API to Post Data to Server</a:t>
-            </a:r>
-          </a:p>
-        </p:txBody>
-      </p:sp>
-      <p:sp>
-        <p:nvSpPr>
-          <p:cNvPr id="329" name="Google Shape;285;p37"/>
-          <p:cNvSpPr txBox="1"/>
-          <p:nvPr>
-            <p:ph type="body" idx="1"/>
-          </p:nvPr>
-        </p:nvSpPr>
-        <p:spPr>
-          <a:xfrm>
-            <a:off x="616500" y="824349"/>
-            <a:ext cx="7929599" cy="4190701"/>
-          </a:xfrm>
-          <a:prstGeom prst="rect">
-            <a:avLst/>
-          </a:prstGeom>
-        </p:spPr>
-        <p:txBody>
-          <a:bodyPr/>
-          <a:lstStyle/>
-          <a:p>
-            <a:pPr indent="-381000">
-              <a:buClr>
-                <a:schemeClr val="accent3"/>
-              </a:buClr>
-              <a:buSzPts val="2400"/>
-              <a:buChar char="❖"/>
-              <a:defRPr sz="2400">
-                <a:solidFill>
-                  <a:srgbClr val="FFFFFF"/>
-                </a:solidFill>
-              </a:defRPr>
-            </a:pPr>
-            <a:r>
-              <a:t>If we want our Express server to be able to access content that is passed in the body of the HTTP request, we need to include the </a:t>
-            </a:r>
-            <a:r>
-              <a:rPr>
-                <a:solidFill>
-                  <a:schemeClr val="accent3"/>
-                </a:solidFill>
-              </a:rPr>
-              <a:t>body-parser middleware.</a:t>
-            </a:r>
-          </a:p>
-        </p:txBody>
-      </p:sp>
-    </p:spTree>
-  </p:cSld>
-  <p:clrMapOvr>
-    <a:masterClrMapping/>
-  </p:clrMapOvr>
-  <p:transition xmlns:p14="http://schemas.microsoft.com/office/powerpoint/2010/main" spd="med" advClick="1"/>
-</p:sld>
-</file>
-
-<file path=ppt/slides/slide21.xml><?xml version="1.0" encoding="utf-8"?>
-<p:sld xmlns:a="http://schemas.openxmlformats.org/drawingml/2006/main" xmlns:r="http://schemas.openxmlformats.org/officeDocument/2006/relationships" xmlns:p="http://schemas.openxmlformats.org/presentationml/2006/main" xmlns:m="http://schemas.openxmlformats.org/officeDocument/2006/math" xmlns:a14="http://schemas.microsoft.com/office/drawing/2010/main" showMasterSp="1" showMasterPhAnim="1">
-  <p:cSld>
-    <p:spTree>
-      <p:nvGrpSpPr>
-        <p:cNvPr id="1" name=""/>
-        <p:cNvGrpSpPr/>
-        <p:nvPr/>
-      </p:nvGrpSpPr>
-      <p:grpSpPr>
-        <a:xfrm>
-          <a:off x="0" y="0"/>
-          <a:ext cx="0" cy="0"/>
-          <a:chOff x="0" y="0"/>
-          <a:chExt cx="0" cy="0"/>
-        </a:xfrm>
-      </p:grpSpPr>
-      <p:pic>
-        <p:nvPicPr>
-          <p:cNvPr id="333" name="Google Shape;290;p38" descr="Google Shape;290;p38"/>
-          <p:cNvPicPr>
-            <a:picLocks noChangeAspect="1"/>
-          </p:cNvPicPr>
-          <p:nvPr/>
-        </p:nvPicPr>
-        <p:blipFill>
-          <a:blip r:embed="rId3">
-            <a:extLst/>
-          </a:blip>
-          <a:stretch>
-            <a:fillRect/>
-          </a:stretch>
-        </p:blipFill>
-        <p:spPr>
-          <a:xfrm>
-            <a:off x="0" y="0"/>
-            <a:ext cx="9144000" cy="5143500"/>
-          </a:xfrm>
-          <a:prstGeom prst="rect">
-            <a:avLst/>
-          </a:prstGeom>
-          <a:ln w="12700">
-            <a:miter lim="400000"/>
-          </a:ln>
-        </p:spPr>
-      </p:pic>
-      <p:sp>
-        <p:nvSpPr>
-          <p:cNvPr id="334" name="Google Shape;291;p38"/>
-          <p:cNvSpPr txBox="1"/>
-          <p:nvPr>
-            <p:ph type="title"/>
-          </p:nvPr>
-        </p:nvSpPr>
-        <p:spPr>
-          <a:xfrm>
-            <a:off x="311699" y="213768"/>
-            <a:ext cx="8520602" cy="572701"/>
-          </a:xfrm>
-          <a:prstGeom prst="rect">
-            <a:avLst/>
-          </a:prstGeom>
-        </p:spPr>
-        <p:txBody>
-          <a:bodyPr/>
-          <a:lstStyle>
-            <a:lvl1pPr algn="ctr" defTabSz="877823">
-              <a:defRPr b="1" sz="2592">
-                <a:solidFill>
-                  <a:schemeClr val="accent3"/>
-                </a:solidFill>
-              </a:defRPr>
-            </a:lvl1pPr>
-          </a:lstStyle>
-          <a:p>
-            <a:pPr/>
-            <a:r>
-              <a:t>Use Fetch API to Post Data to Server</a:t>
-            </a:r>
-          </a:p>
-        </p:txBody>
-      </p:sp>
-      <p:sp>
-        <p:nvSpPr>
-          <p:cNvPr id="335" name="Google Shape;292;p38"/>
-          <p:cNvSpPr txBox="1"/>
-          <p:nvPr>
-            <p:ph type="body" idx="1"/>
-          </p:nvPr>
-        </p:nvSpPr>
-        <p:spPr>
-          <a:xfrm>
-            <a:off x="616500" y="595750"/>
-            <a:ext cx="7929599" cy="4454400"/>
-          </a:xfrm>
-          <a:prstGeom prst="rect">
-            <a:avLst/>
-          </a:prstGeom>
-        </p:spPr>
-        <p:txBody>
-          <a:bodyPr/>
-          <a:lstStyle/>
-          <a:p>
-            <a:pPr marL="0" indent="0" defTabSz="905255">
-              <a:buSzTx/>
-              <a:buNone/>
-              <a:defRPr sz="2376">
-                <a:solidFill>
-                  <a:srgbClr val="FFFFFF"/>
-                </a:solidFill>
-              </a:defRPr>
-            </a:pPr>
-            <a:r>
-              <a:t>To use body-parser: </a:t>
-            </a:r>
-          </a:p>
-          <a:p>
-            <a:pPr marL="452627" indent="-377190" defTabSz="905255">
-              <a:buClr>
-                <a:schemeClr val="accent3"/>
-              </a:buClr>
-              <a:buSzPts val="2300"/>
-              <a:buChar char="❖"/>
-              <a:defRPr sz="2376">
-                <a:solidFill>
-                  <a:srgbClr val="FFFFFF"/>
-                </a:solidFill>
-              </a:defRPr>
-            </a:pPr>
-            <a:r>
-              <a:t>Install body-parser:</a:t>
-            </a:r>
-            <a:r>
-              <a:rPr>
-                <a:solidFill>
-                  <a:schemeClr val="accent3"/>
-                </a:solidFill>
-                <a:latin typeface="Consolas"/>
-                <a:ea typeface="Consolas"/>
-                <a:cs typeface="Consolas"/>
-                <a:sym typeface="Consolas"/>
-              </a:rPr>
-              <a:t> npm install body-parser --save</a:t>
-            </a:r>
-            <a:endParaRPr>
-              <a:solidFill>
-                <a:schemeClr val="accent3"/>
-              </a:solidFill>
-              <a:latin typeface="Consolas"/>
-              <a:ea typeface="Consolas"/>
-              <a:cs typeface="Consolas"/>
-              <a:sym typeface="Consolas"/>
-            </a:endParaRPr>
-          </a:p>
-          <a:p>
-            <a:pPr marL="452627" indent="-377190" defTabSz="905255">
-              <a:buClr>
-                <a:schemeClr val="accent3"/>
-              </a:buClr>
-              <a:buSzPts val="2300"/>
-              <a:buChar char="❖"/>
-              <a:defRPr sz="2376">
-                <a:solidFill>
-                  <a:srgbClr val="FFFFFF"/>
-                </a:solidFill>
-              </a:defRPr>
-            </a:pPr>
-            <a:r>
-              <a:t>In your Express code where you will be processing the Post request, include the following code:</a:t>
-            </a:r>
-          </a:p>
-          <a:p>
-            <a:pPr marL="0" indent="452627" defTabSz="905255">
-              <a:buSzTx/>
-              <a:buNone/>
-              <a:defRPr sz="2376">
-                <a:solidFill>
-                  <a:schemeClr val="accent3"/>
-                </a:solidFill>
-                <a:latin typeface="Consolas"/>
-                <a:ea typeface="Consolas"/>
-                <a:cs typeface="Consolas"/>
-                <a:sym typeface="Consolas"/>
-              </a:defRPr>
-            </a:pPr>
-            <a:r>
-              <a:t>const bodyParser = require('body-parser');</a:t>
-            </a:r>
-          </a:p>
-          <a:p>
-            <a:pPr marL="0" indent="452627" defTabSz="905255">
-              <a:buSzTx/>
-              <a:buNone/>
-              <a:defRPr sz="2376">
-                <a:solidFill>
-                  <a:schemeClr val="accent3"/>
-                </a:solidFill>
-                <a:latin typeface="Consolas"/>
-                <a:ea typeface="Consolas"/>
-                <a:cs typeface="Consolas"/>
-                <a:sym typeface="Consolas"/>
-              </a:defRPr>
-            </a:pPr>
-            <a:r>
-              <a:t>app.use(bodyParser.urlencoded({ extended: true }))</a:t>
-            </a:r>
-          </a:p>
-          <a:p>
-            <a:pPr marL="0" indent="452627" defTabSz="905255">
-              <a:buSzTx/>
-              <a:buNone/>
-              <a:defRPr sz="2376">
-                <a:solidFill>
-                  <a:schemeClr val="accent3"/>
-                </a:solidFill>
-                <a:latin typeface="Consolas"/>
-                <a:ea typeface="Consolas"/>
-                <a:cs typeface="Consolas"/>
-                <a:sym typeface="Consolas"/>
-              </a:defRPr>
-            </a:pPr>
-            <a:r>
-              <a:t>app.use(bodyParser.json())</a:t>
-            </a:r>
-          </a:p>
-          <a:p>
-            <a:pPr marL="452627" indent="-377190" defTabSz="905255">
-              <a:buClr>
-                <a:schemeClr val="accent3"/>
-              </a:buClr>
-              <a:buSzPts val="2300"/>
-              <a:buChar char="❖"/>
-              <a:defRPr sz="2376">
-                <a:solidFill>
-                  <a:srgbClr val="FFFFFF"/>
-                </a:solidFill>
-              </a:defRPr>
-            </a:pPr>
-            <a:r>
-              <a:t>You will now be able to get data passed through in the body of the HTTP POST or PUT request using </a:t>
-            </a:r>
-            <a:r>
-              <a:rPr>
-                <a:solidFill>
-                  <a:schemeClr val="accent3"/>
-                </a:solidFill>
-                <a:latin typeface="Consolas"/>
-                <a:ea typeface="Consolas"/>
-                <a:cs typeface="Consolas"/>
-                <a:sym typeface="Consolas"/>
-              </a:rPr>
-              <a:t>req.body </a:t>
-            </a:r>
-          </a:p>
-        </p:txBody>
-      </p:sp>
-    </p:spTree>
-  </p:cSld>
-  <p:clrMapOvr>
-    <a:masterClrMapping/>
-  </p:clrMapOvr>
-  <p:transition xmlns:p14="http://schemas.microsoft.com/office/powerpoint/2010/main" spd="med" advClick="1"/>
-</p:sld>
-</file>
-
-<file path=ppt/slides/slide22.xml><?xml version="1.0" encoding="utf-8"?>
-<p:sld xmlns:a="http://schemas.openxmlformats.org/drawingml/2006/main" xmlns:r="http://schemas.openxmlformats.org/officeDocument/2006/relationships" xmlns:p="http://schemas.openxmlformats.org/presentationml/2006/main" xmlns:m="http://schemas.openxmlformats.org/officeDocument/2006/math" xmlns:a14="http://schemas.microsoft.com/office/drawing/2010/main" showMasterSp="1" showMasterPhAnim="1">
-  <p:cSld>
-    <p:spTree>
-      <p:nvGrpSpPr>
-        <p:cNvPr id="1" name=""/>
-        <p:cNvGrpSpPr/>
-        <p:nvPr/>
-      </p:nvGrpSpPr>
-      <p:grpSpPr>
-        <a:xfrm>
-          <a:off x="0" y="0"/>
-          <a:ext cx="0" cy="0"/>
-          <a:chOff x="0" y="0"/>
-          <a:chExt cx="0" cy="0"/>
-        </a:xfrm>
-      </p:grpSpPr>
-      <p:pic>
-        <p:nvPicPr>
-          <p:cNvPr id="339" name="Google Shape;297;p39" descr="Google Shape;297;p39"/>
-          <p:cNvPicPr>
-            <a:picLocks noChangeAspect="1"/>
-          </p:cNvPicPr>
-          <p:nvPr/>
-        </p:nvPicPr>
-        <p:blipFill>
-          <a:blip r:embed="rId3">
-            <a:extLst/>
-          </a:blip>
-          <a:stretch>
-            <a:fillRect/>
-          </a:stretch>
-        </p:blipFill>
-        <p:spPr>
-          <a:xfrm>
-            <a:off x="0" y="0"/>
-            <a:ext cx="9144000" cy="5143500"/>
-          </a:xfrm>
-          <a:prstGeom prst="rect">
-            <a:avLst/>
-          </a:prstGeom>
-          <a:ln w="12700">
-            <a:miter lim="400000"/>
-          </a:ln>
-        </p:spPr>
-      </p:pic>
-      <p:sp>
-        <p:nvSpPr>
-          <p:cNvPr id="340" name="Google Shape;298;p39"/>
-          <p:cNvSpPr txBox="1"/>
-          <p:nvPr>
-            <p:ph type="title"/>
-          </p:nvPr>
-        </p:nvSpPr>
-        <p:spPr>
-          <a:xfrm>
-            <a:off x="311699" y="213768"/>
-            <a:ext cx="8520602" cy="572701"/>
-          </a:xfrm>
-          <a:prstGeom prst="rect">
-            <a:avLst/>
-          </a:prstGeom>
-        </p:spPr>
-        <p:txBody>
-          <a:bodyPr/>
-          <a:lstStyle>
-            <a:lvl1pPr algn="ctr" defTabSz="877823">
-              <a:defRPr b="1" sz="2592">
-                <a:solidFill>
-                  <a:schemeClr val="accent3"/>
-                </a:solidFill>
-              </a:defRPr>
-            </a:lvl1pPr>
-          </a:lstStyle>
-          <a:p>
-            <a:pPr/>
-            <a:r>
-              <a:t>Preparing your App for Deployment </a:t>
-            </a:r>
-          </a:p>
-        </p:txBody>
-      </p:sp>
-      <p:sp>
-        <p:nvSpPr>
-          <p:cNvPr id="341" name="Google Shape;299;p39"/>
-          <p:cNvSpPr txBox="1"/>
-          <p:nvPr/>
-        </p:nvSpPr>
-        <p:spPr>
-          <a:xfrm>
-            <a:off x="325300" y="761299"/>
-            <a:ext cx="7634100" cy="4282868"/>
-          </a:xfrm>
-          <a:prstGeom prst="rect">
-            <a:avLst/>
-          </a:prstGeom>
-          <a:ln w="12700">
-            <a:miter lim="400000"/>
-          </a:ln>
-          <a:extLst>
-            <a:ext uri="{C572A759-6A51-4108-AA02-DFA0A04FC94B}">
-              <ma14:wrappingTextBoxFlag xmlns:ma14="http://schemas.microsoft.com/office/mac/drawingml/2011/main" val="1"/>
-            </a:ext>
-          </a:extLst>
-        </p:spPr>
-        <p:txBody>
-          <a:bodyPr lIns="91424" tIns="91424" rIns="91424" bIns="91424">
-            <a:spAutoFit/>
-          </a:bodyPr>
-          <a:lstStyle/>
-          <a:p>
-            <a:pPr marL="457200" indent="-381000">
-              <a:buClr>
-                <a:schemeClr val="accent3"/>
-              </a:buClr>
-              <a:buSzPts val="2400"/>
-              <a:buFont typeface="Trebuchet MS"/>
-              <a:buChar char="❖"/>
-              <a:defRPr sz="2400">
-                <a:solidFill>
-                  <a:srgbClr val="FFFFFF"/>
-                </a:solidFill>
-                <a:latin typeface="Trebuchet MS"/>
-                <a:ea typeface="Trebuchet MS"/>
-                <a:cs typeface="Trebuchet MS"/>
-                <a:sym typeface="Trebuchet MS"/>
-              </a:defRPr>
-            </a:pPr>
-            <a:r>
-              <a:t>Specify the version of Node.js and NPM you have used to build your app:</a:t>
-            </a:r>
-          </a:p>
-          <a:p>
-            <a:pPr lvl="1" marL="914400" indent="-381000">
-              <a:buClr>
-                <a:schemeClr val="accent3"/>
-              </a:buClr>
-              <a:buSzPts val="2400"/>
-              <a:buFont typeface="Trebuchet MS"/>
-              <a:buChar char="➢"/>
-              <a:defRPr sz="2400">
-                <a:solidFill>
-                  <a:srgbClr val="FFFFFF"/>
-                </a:solidFill>
-                <a:latin typeface="Trebuchet MS"/>
-                <a:ea typeface="Trebuchet MS"/>
-                <a:cs typeface="Trebuchet MS"/>
-                <a:sym typeface="Trebuchet MS"/>
-              </a:defRPr>
-            </a:pPr>
-            <a:r>
-              <a:t>Find out which </a:t>
-            </a:r>
-            <a:r>
-              <a:rPr>
-                <a:solidFill>
-                  <a:schemeClr val="accent3"/>
-                </a:solidFill>
-              </a:rPr>
-              <a:t>version </a:t>
-            </a:r>
-            <a:r>
-              <a:t>of </a:t>
-            </a:r>
-            <a:r>
-              <a:rPr>
-                <a:solidFill>
-                  <a:schemeClr val="accent3"/>
-                </a:solidFill>
-              </a:rPr>
-              <a:t>Node.js </a:t>
-            </a:r>
-            <a:r>
-              <a:t>you have been using by typing </a:t>
-            </a:r>
-            <a:r>
-              <a:rPr>
-                <a:solidFill>
-                  <a:schemeClr val="accent3"/>
-                </a:solidFill>
-                <a:latin typeface="Consolas"/>
-                <a:ea typeface="Consolas"/>
-                <a:cs typeface="Consolas"/>
-                <a:sym typeface="Consolas"/>
-              </a:rPr>
-              <a:t>node -v </a:t>
-            </a:r>
-            <a:r>
-              <a:t>into the command line interface. </a:t>
-            </a:r>
-          </a:p>
-          <a:p>
-            <a:pPr lvl="1" marL="914400" indent="-381000">
-              <a:buClr>
-                <a:schemeClr val="accent3"/>
-              </a:buClr>
-              <a:buSzPts val="2400"/>
-              <a:buFont typeface="Trebuchet MS"/>
-              <a:buChar char="➢"/>
-              <a:defRPr sz="2400">
-                <a:solidFill>
-                  <a:srgbClr val="FFFFFF"/>
-                </a:solidFill>
-                <a:latin typeface="Trebuchet MS"/>
-                <a:ea typeface="Trebuchet MS"/>
-                <a:cs typeface="Trebuchet MS"/>
-                <a:sym typeface="Trebuchet MS"/>
-              </a:defRPr>
-            </a:pPr>
-            <a:r>
-              <a:t> find out which </a:t>
-            </a:r>
-            <a:r>
-              <a:rPr>
-                <a:solidFill>
-                  <a:schemeClr val="accent3"/>
-                </a:solidFill>
-              </a:rPr>
-              <a:t>version </a:t>
-            </a:r>
-            <a:r>
-              <a:t>of </a:t>
-            </a:r>
-            <a:r>
-              <a:rPr>
-                <a:solidFill>
-                  <a:schemeClr val="accent3"/>
-                </a:solidFill>
-              </a:rPr>
-              <a:t>NPM </a:t>
-            </a:r>
-            <a:r>
-              <a:t>you have been using </a:t>
-            </a:r>
-            <a:r>
-              <a:rPr>
-                <a:solidFill>
-                  <a:schemeClr val="accent3"/>
-                </a:solidFill>
-                <a:latin typeface="Consolas"/>
-                <a:ea typeface="Consolas"/>
-                <a:cs typeface="Consolas"/>
-                <a:sym typeface="Consolas"/>
-              </a:rPr>
-              <a:t>npm -v</a:t>
-            </a:r>
-            <a:endParaRPr>
-              <a:solidFill>
-                <a:schemeClr val="accent3"/>
-              </a:solidFill>
-              <a:latin typeface="Consolas"/>
-              <a:ea typeface="Consolas"/>
-              <a:cs typeface="Consolas"/>
-              <a:sym typeface="Consolas"/>
-            </a:endParaRPr>
-          </a:p>
-          <a:p>
-            <a:pPr lvl="1" marL="914400" indent="-381000">
-              <a:buClr>
-                <a:schemeClr val="accent3"/>
-              </a:buClr>
-              <a:buSzPts val="2400"/>
-              <a:buFont typeface="Trebuchet MS"/>
-              <a:buChar char="➢"/>
-              <a:defRPr sz="2400">
-                <a:solidFill>
-                  <a:srgbClr val="FFFFFF"/>
-                </a:solidFill>
-                <a:latin typeface="Trebuchet MS"/>
-                <a:ea typeface="Trebuchet MS"/>
-                <a:cs typeface="Trebuchet MS"/>
-                <a:sym typeface="Trebuchet MS"/>
-              </a:defRPr>
-            </a:pPr>
-            <a:r>
-              <a:t>Update your package.json file by specifying an </a:t>
-            </a:r>
-            <a:r>
-              <a:rPr>
-                <a:solidFill>
-                  <a:schemeClr val="accent3"/>
-                </a:solidFill>
-                <a:latin typeface="Consolas"/>
-                <a:ea typeface="Consolas"/>
-                <a:cs typeface="Consolas"/>
-                <a:sym typeface="Consolas"/>
-              </a:rPr>
-              <a:t>‘engines’ </a:t>
-            </a:r>
-            <a:r>
-              <a:t>field in your package.json </a:t>
-            </a:r>
-          </a:p>
-          <a:p>
-            <a:pPr indent="914400">
-              <a:defRPr sz="2400">
-                <a:solidFill>
-                  <a:srgbClr val="FFFFFF"/>
-                </a:solidFill>
-                <a:latin typeface="Trebuchet MS"/>
-                <a:ea typeface="Trebuchet MS"/>
-                <a:cs typeface="Trebuchet MS"/>
-                <a:sym typeface="Trebuchet MS"/>
-              </a:defRPr>
-            </a:pPr>
-            <a:r>
-              <a:t>file</a:t>
-            </a:r>
-          </a:p>
-        </p:txBody>
-      </p:sp>
-      <p:pic>
-        <p:nvPicPr>
-          <p:cNvPr id="342" name="Google Shape;300;p39" descr="Google Shape;300;p39"/>
-          <p:cNvPicPr>
-            <a:picLocks noChangeAspect="1"/>
-          </p:cNvPicPr>
-          <p:nvPr/>
-        </p:nvPicPr>
-        <p:blipFill>
-          <a:blip r:embed="rId4">
-            <a:extLst/>
-          </a:blip>
-          <a:stretch>
-            <a:fillRect/>
-          </a:stretch>
-        </p:blipFill>
-        <p:spPr>
-          <a:xfrm>
-            <a:off x="6822578" y="3863575"/>
-            <a:ext cx="2162126" cy="893826"/>
-          </a:xfrm>
-          <a:prstGeom prst="rect">
-            <a:avLst/>
-          </a:prstGeom>
-          <a:ln w="12700">
-            <a:miter lim="400000"/>
-          </a:ln>
-        </p:spPr>
-      </p:pic>
-    </p:spTree>
-  </p:cSld>
-  <p:clrMapOvr>
-    <a:masterClrMapping/>
-  </p:clrMapOvr>
-  <p:transition xmlns:p14="http://schemas.microsoft.com/office/powerpoint/2010/main" spd="med" advClick="1"/>
-</p:sld>
-</file>
-
-<file path=ppt/slides/slide23.xml><?xml version="1.0" encoding="utf-8"?>
-<p:sld xmlns:a="http://schemas.openxmlformats.org/drawingml/2006/main" xmlns:r="http://schemas.openxmlformats.org/officeDocument/2006/relationships" xmlns:p="http://schemas.openxmlformats.org/presentationml/2006/main" xmlns:m="http://schemas.openxmlformats.org/officeDocument/2006/math" xmlns:a14="http://schemas.microsoft.com/office/drawing/2010/main" showMasterSp="1" showMasterPhAnim="1">
-  <p:cSld>
-    <p:spTree>
-      <p:nvGrpSpPr>
-        <p:cNvPr id="1" name=""/>
-        <p:cNvGrpSpPr/>
-        <p:nvPr/>
-      </p:nvGrpSpPr>
-      <p:grpSpPr>
-        <a:xfrm>
-          <a:off x="0" y="0"/>
-          <a:ext cx="0" cy="0"/>
-          <a:chOff x="0" y="0"/>
-          <a:chExt cx="0" cy="0"/>
-        </a:xfrm>
-      </p:grpSpPr>
-      <p:pic>
-        <p:nvPicPr>
-          <p:cNvPr id="346" name="Google Shape;305;p40" descr="Google Shape;305;p40"/>
-          <p:cNvPicPr>
-            <a:picLocks noChangeAspect="1"/>
-          </p:cNvPicPr>
-          <p:nvPr/>
-        </p:nvPicPr>
-        <p:blipFill>
-          <a:blip r:embed="rId3">
-            <a:extLst/>
-          </a:blip>
-          <a:stretch>
-            <a:fillRect/>
-          </a:stretch>
-        </p:blipFill>
-        <p:spPr>
-          <a:xfrm>
-            <a:off x="0" y="0"/>
-            <a:ext cx="9144000" cy="5143500"/>
-          </a:xfrm>
-          <a:prstGeom prst="rect">
-            <a:avLst/>
-          </a:prstGeom>
-          <a:ln w="12700">
-            <a:miter lim="400000"/>
-          </a:ln>
-        </p:spPr>
-      </p:pic>
-      <p:sp>
-        <p:nvSpPr>
-          <p:cNvPr id="347" name="Google Shape;306;p40"/>
-          <p:cNvSpPr txBox="1"/>
-          <p:nvPr>
-            <p:ph type="title"/>
-          </p:nvPr>
-        </p:nvSpPr>
-        <p:spPr>
-          <a:xfrm>
-            <a:off x="311699" y="213768"/>
-            <a:ext cx="8520602" cy="572701"/>
-          </a:xfrm>
-          <a:prstGeom prst="rect">
-            <a:avLst/>
-          </a:prstGeom>
-        </p:spPr>
-        <p:txBody>
-          <a:bodyPr/>
-          <a:lstStyle>
-            <a:lvl1pPr algn="ctr" defTabSz="877823">
-              <a:defRPr b="1" sz="2592">
-                <a:solidFill>
-                  <a:schemeClr val="accent3"/>
-                </a:solidFill>
-              </a:defRPr>
-            </a:lvl1pPr>
-          </a:lstStyle>
-          <a:p>
-            <a:pPr/>
-            <a:r>
-              <a:t>Preparing your App for Deployment </a:t>
-            </a:r>
-          </a:p>
-        </p:txBody>
-      </p:sp>
-      <p:sp>
-        <p:nvSpPr>
-          <p:cNvPr id="348" name="Google Shape;307;p40"/>
-          <p:cNvSpPr txBox="1"/>
-          <p:nvPr/>
-        </p:nvSpPr>
-        <p:spPr>
-          <a:xfrm>
-            <a:off x="325300" y="761299"/>
-            <a:ext cx="7634100" cy="2327167"/>
-          </a:xfrm>
-          <a:prstGeom prst="rect">
-            <a:avLst/>
-          </a:prstGeom>
-          <a:ln w="12700">
-            <a:miter lim="400000"/>
-          </a:ln>
-          <a:extLst>
-            <a:ext uri="{C572A759-6A51-4108-AA02-DFA0A04FC94B}">
-              <ma14:wrappingTextBoxFlag xmlns:ma14="http://schemas.microsoft.com/office/mac/drawingml/2011/main" val="1"/>
-            </a:ext>
-          </a:extLst>
-        </p:spPr>
-        <p:txBody>
-          <a:bodyPr lIns="91424" tIns="91424" rIns="91424" bIns="91424">
-            <a:spAutoFit/>
-          </a:bodyPr>
-          <a:lstStyle/>
-          <a:p>
-            <a:pPr marL="457200" indent="-381000">
-              <a:buClr>
-                <a:schemeClr val="accent3"/>
-              </a:buClr>
-              <a:buSzPts val="2400"/>
-              <a:buFont typeface="Trebuchet MS"/>
-              <a:buChar char="❖"/>
-              <a:defRPr sz="2400">
-                <a:solidFill>
-                  <a:srgbClr val="FFFFFF"/>
-                </a:solidFill>
-                <a:latin typeface="Trebuchet MS"/>
-                <a:ea typeface="Trebuchet MS"/>
-                <a:cs typeface="Trebuchet MS"/>
-                <a:sym typeface="Trebuchet MS"/>
-              </a:defRPr>
-            </a:pPr>
-            <a:r>
-              <a:t>Dynamically bind ports:</a:t>
-            </a:r>
-          </a:p>
-          <a:p>
-            <a:pPr lvl="1" marL="914400" indent="-381000">
-              <a:buClr>
-                <a:schemeClr val="accent3"/>
-              </a:buClr>
-              <a:buSzPts val="2400"/>
-              <a:buFont typeface="Trebuchet MS"/>
-              <a:buChar char="➢"/>
-              <a:defRPr sz="2400">
-                <a:solidFill>
-                  <a:srgbClr val="FFFFFF"/>
-                </a:solidFill>
-                <a:latin typeface="Trebuchet MS"/>
-                <a:ea typeface="Trebuchet MS"/>
-                <a:cs typeface="Trebuchet MS"/>
-                <a:sym typeface="Trebuchet MS"/>
-              </a:defRPr>
-            </a:pPr>
-            <a:r>
-              <a:t>Modify the code where we set up our server. </a:t>
-            </a:r>
-          </a:p>
-          <a:p>
-            <a:pPr lvl="1" marL="914400" indent="-381000">
-              <a:buClr>
-                <a:schemeClr val="accent3"/>
-              </a:buClr>
-              <a:buSzPts val="2400"/>
-              <a:buFont typeface="Trebuchet MS"/>
-              <a:buChar char="➢"/>
-              <a:defRPr sz="2400">
-                <a:solidFill>
-                  <a:srgbClr val="FFFFFF"/>
-                </a:solidFill>
-                <a:latin typeface="Trebuchet MS"/>
-                <a:ea typeface="Trebuchet MS"/>
-                <a:cs typeface="Trebuchet MS"/>
-                <a:sym typeface="Trebuchet MS"/>
-              </a:defRPr>
-            </a:pPr>
-            <a:r>
-              <a:t>E.g. </a:t>
-            </a:r>
-            <a:r>
-              <a:rPr>
-                <a:solidFill>
-                  <a:schemeClr val="accent3"/>
-                </a:solidFill>
-                <a:latin typeface="Consolas"/>
-                <a:ea typeface="Consolas"/>
-                <a:cs typeface="Consolas"/>
-                <a:sym typeface="Consolas"/>
-              </a:rPr>
-              <a:t>app.listen(3001) </a:t>
-            </a:r>
-            <a:r>
-              <a:t>changes to</a:t>
-            </a:r>
-          </a:p>
-          <a:p>
-            <a:pPr indent="914400">
-              <a:defRPr sz="2400">
-                <a:solidFill>
-                  <a:schemeClr val="accent3"/>
-                </a:solidFill>
-                <a:latin typeface="Consolas"/>
-                <a:ea typeface="Consolas"/>
-                <a:cs typeface="Consolas"/>
-                <a:sym typeface="Consolas"/>
-              </a:defRPr>
-            </a:pPr>
-            <a:r>
-              <a:t>const PORT = process.env.PORT || 3001;</a:t>
-            </a:r>
-          </a:p>
-          <a:p>
-            <a:pPr indent="914400">
-              <a:defRPr sz="2400">
-                <a:solidFill>
-                  <a:schemeClr val="accent3"/>
-                </a:solidFill>
-                <a:latin typeface="Consolas"/>
-                <a:ea typeface="Consolas"/>
-                <a:cs typeface="Consolas"/>
-                <a:sym typeface="Consolas"/>
-              </a:defRPr>
-            </a:pPr>
-            <a:r>
-              <a:t>app.listen(PORT);</a:t>
-            </a:r>
-          </a:p>
-        </p:txBody>
-      </p:sp>
-    </p:spTree>
-  </p:cSld>
-  <p:clrMapOvr>
-    <a:masterClrMapping/>
-  </p:clrMapOvr>
-  <p:transition xmlns:p14="http://schemas.microsoft.com/office/powerpoint/2010/main" spd="med" advClick="1"/>
-</p:sld>
-</file>
-
-<file path=ppt/slides/slide24.xml><?xml version="1.0" encoding="utf-8"?>
-<p:sld xmlns:a="http://schemas.openxmlformats.org/drawingml/2006/main" xmlns:r="http://schemas.openxmlformats.org/officeDocument/2006/relationships" xmlns:p="http://schemas.openxmlformats.org/presentationml/2006/main" xmlns:m="http://schemas.openxmlformats.org/officeDocument/2006/math" xmlns:a14="http://schemas.microsoft.com/office/drawing/2010/main" showMasterSp="1" showMasterPhAnim="1">
-  <p:cSld>
-    <p:spTree>
-      <p:nvGrpSpPr>
-        <p:cNvPr id="1" name=""/>
-        <p:cNvGrpSpPr/>
-        <p:nvPr/>
-      </p:nvGrpSpPr>
-      <p:grpSpPr>
-        <a:xfrm>
-          <a:off x="0" y="0"/>
-          <a:ext cx="0" cy="0"/>
-          <a:chOff x="0" y="0"/>
-          <a:chExt cx="0" cy="0"/>
-        </a:xfrm>
-      </p:grpSpPr>
-      <p:pic>
-        <p:nvPicPr>
-          <p:cNvPr id="352" name="Google Shape;312;p41" descr="Google Shape;312;p41"/>
-          <p:cNvPicPr>
-            <a:picLocks noChangeAspect="1"/>
-          </p:cNvPicPr>
-          <p:nvPr/>
-        </p:nvPicPr>
-        <p:blipFill>
-          <a:blip r:embed="rId3">
-            <a:extLst/>
-          </a:blip>
-          <a:stretch>
-            <a:fillRect/>
-          </a:stretch>
-        </p:blipFill>
-        <p:spPr>
-          <a:xfrm>
-            <a:off x="0" y="0"/>
-            <a:ext cx="9144000" cy="5143500"/>
-          </a:xfrm>
-          <a:prstGeom prst="rect">
-            <a:avLst/>
-          </a:prstGeom>
-          <a:ln w="12700">
-            <a:miter lim="400000"/>
-          </a:ln>
-        </p:spPr>
-      </p:pic>
-      <p:sp>
-        <p:nvSpPr>
-          <p:cNvPr id="353" name="Google Shape;313;p41"/>
-          <p:cNvSpPr txBox="1"/>
-          <p:nvPr>
-            <p:ph type="title"/>
-          </p:nvPr>
-        </p:nvSpPr>
-        <p:spPr>
-          <a:xfrm>
-            <a:off x="311699" y="213768"/>
-            <a:ext cx="8520602" cy="572701"/>
-          </a:xfrm>
-          <a:prstGeom prst="rect">
-            <a:avLst/>
-          </a:prstGeom>
-        </p:spPr>
-        <p:txBody>
-          <a:bodyPr/>
-          <a:lstStyle>
-            <a:lvl1pPr algn="ctr" defTabSz="877823">
-              <a:defRPr b="1" sz="2592">
-                <a:solidFill>
-                  <a:schemeClr val="accent3"/>
-                </a:solidFill>
-              </a:defRPr>
-            </a:lvl1pPr>
-          </a:lstStyle>
-          <a:p>
-            <a:pPr/>
-            <a:r>
-              <a:t>Preparing your App for Deployment </a:t>
-            </a:r>
-          </a:p>
-        </p:txBody>
-      </p:sp>
-      <p:sp>
-        <p:nvSpPr>
-          <p:cNvPr id="354" name="Google Shape;314;p41"/>
-          <p:cNvSpPr txBox="1"/>
-          <p:nvPr/>
-        </p:nvSpPr>
-        <p:spPr>
-          <a:xfrm>
-            <a:off x="325300" y="761299"/>
-            <a:ext cx="7634100" cy="3090457"/>
-          </a:xfrm>
-          <a:prstGeom prst="rect">
-            <a:avLst/>
-          </a:prstGeom>
-          <a:ln w="12700">
-            <a:miter lim="400000"/>
-          </a:ln>
-          <a:extLst>
-            <a:ext uri="{C572A759-6A51-4108-AA02-DFA0A04FC94B}">
-              <ma14:wrappingTextBoxFlag xmlns:ma14="http://schemas.microsoft.com/office/mac/drawingml/2011/main" val="1"/>
-            </a:ext>
-          </a:extLst>
-        </p:spPr>
-        <p:txBody>
-          <a:bodyPr lIns="91424" tIns="91424" rIns="91424" bIns="91424">
-            <a:spAutoFit/>
-          </a:bodyPr>
-          <a:lstStyle/>
-          <a:p>
-            <a:pPr marL="457200" indent="-381000">
-              <a:buClr>
-                <a:schemeClr val="accent3"/>
-              </a:buClr>
-              <a:buSzPts val="2400"/>
-              <a:buFont typeface="Trebuchet MS"/>
-              <a:buChar char="❖"/>
-              <a:defRPr sz="2400">
-                <a:solidFill>
-                  <a:srgbClr val="FFFFFF"/>
-                </a:solidFill>
-                <a:latin typeface="Trebuchet MS"/>
-                <a:ea typeface="Trebuchet MS"/>
-                <a:cs typeface="Trebuchet MS"/>
-                <a:sym typeface="Trebuchet MS"/>
-              </a:defRPr>
-            </a:pPr>
-            <a:r>
-              <a:t>Specify start scripts </a:t>
-            </a:r>
-          </a:p>
-          <a:p>
-            <a:pPr lvl="1" marL="914400" indent="-381000">
-              <a:buClr>
-                <a:schemeClr val="accent3"/>
-              </a:buClr>
-              <a:buSzPts val="2400"/>
-              <a:buFont typeface="Trebuchet MS"/>
-              <a:buChar char="➢"/>
-              <a:defRPr sz="2400">
-                <a:solidFill>
-                  <a:srgbClr val="FFFFFF"/>
-                </a:solidFill>
-                <a:latin typeface="Trebuchet MS"/>
-                <a:ea typeface="Trebuchet MS"/>
-                <a:cs typeface="Trebuchet MS"/>
-                <a:sym typeface="Trebuchet MS"/>
-              </a:defRPr>
-            </a:pPr>
-            <a:r>
-              <a:t>Specify the </a:t>
-            </a:r>
-            <a:r>
-              <a:rPr>
-                <a:solidFill>
-                  <a:schemeClr val="accent3"/>
-                </a:solidFill>
-              </a:rPr>
-              <a:t>file </a:t>
-            </a:r>
-            <a:r>
-              <a:t>that you want to use to</a:t>
-            </a:r>
-            <a:r>
-              <a:rPr>
-                <a:solidFill>
-                  <a:schemeClr val="accent3"/>
-                </a:solidFill>
-              </a:rPr>
-              <a:t> start your server</a:t>
-            </a:r>
-            <a:r>
-              <a:t> in the scripts section of your package.json file. </a:t>
-            </a:r>
-          </a:p>
-          <a:p>
-            <a:pPr lvl="1" marL="914400" indent="-381000">
-              <a:buClr>
-                <a:schemeClr val="accent3"/>
-              </a:buClr>
-              <a:buSzPts val="2400"/>
-              <a:buFont typeface="Trebuchet MS"/>
-              <a:buChar char="➢"/>
-              <a:defRPr sz="2400">
-                <a:solidFill>
-                  <a:srgbClr val="FFFFFF"/>
-                </a:solidFill>
-                <a:latin typeface="Trebuchet MS"/>
-                <a:ea typeface="Trebuchet MS"/>
-                <a:cs typeface="Trebuchet MS"/>
-                <a:sym typeface="Trebuchet MS"/>
-              </a:defRPr>
-            </a:pPr>
-            <a:r>
-              <a:t>E.g. </a:t>
-            </a:r>
-            <a:r>
-              <a:rPr>
-                <a:solidFill>
-                  <a:schemeClr val="accent3"/>
-                </a:solidFill>
-                <a:latin typeface="Consolas"/>
-                <a:ea typeface="Consolas"/>
-                <a:cs typeface="Consolas"/>
-                <a:sym typeface="Consolas"/>
-              </a:rPr>
-              <a:t>"start": "app.js"</a:t>
-            </a:r>
-            <a:endParaRPr>
-              <a:solidFill>
-                <a:schemeClr val="accent3"/>
-              </a:solidFill>
-              <a:latin typeface="Consolas"/>
-              <a:ea typeface="Consolas"/>
-              <a:cs typeface="Consolas"/>
-              <a:sym typeface="Consolas"/>
-            </a:endParaRPr>
-          </a:p>
-          <a:p>
-            <a:pPr indent="914400"/>
-            <a:endParaRPr sz="2400">
-              <a:solidFill>
-                <a:srgbClr val="FFFFFF"/>
-              </a:solidFill>
-              <a:latin typeface="Trebuchet MS"/>
-              <a:ea typeface="Trebuchet MS"/>
-              <a:cs typeface="Trebuchet MS"/>
-              <a:sym typeface="Trebuchet MS"/>
-            </a:endParaRPr>
-          </a:p>
-          <a:p>
-            <a:pPr indent="914400"/>
-            <a:endParaRPr sz="2400">
-              <a:solidFill>
-                <a:srgbClr val="FFFFFF"/>
-              </a:solidFill>
-              <a:latin typeface="Trebuchet MS"/>
-              <a:ea typeface="Trebuchet MS"/>
-              <a:cs typeface="Trebuchet MS"/>
-              <a:sym typeface="Trebuchet MS"/>
-            </a:endParaRPr>
-          </a:p>
-        </p:txBody>
-      </p:sp>
-    </p:spTree>
-  </p:cSld>
-  <p:clrMapOvr>
-    <a:masterClrMapping/>
-  </p:clrMapOvr>
-  <p:transition xmlns:p14="http://schemas.microsoft.com/office/powerpoint/2010/main" spd="med" advClick="1"/>
-</p:sld>
-</file>
-
-<file path=ppt/slides/slide25.xml><?xml version="1.0" encoding="utf-8"?>
-<p:sld xmlns:a="http://schemas.openxmlformats.org/drawingml/2006/main" xmlns:r="http://schemas.openxmlformats.org/officeDocument/2006/relationships" xmlns:p="http://schemas.openxmlformats.org/presentationml/2006/main" xmlns:m="http://schemas.openxmlformats.org/officeDocument/2006/math" xmlns:a14="http://schemas.microsoft.com/office/drawing/2010/main" showMasterSp="1" showMasterPhAnim="1">
-  <p:cSld>
-    <p:spTree>
-      <p:nvGrpSpPr>
-        <p:cNvPr id="1" name=""/>
-        <p:cNvGrpSpPr/>
-        <p:nvPr/>
-      </p:nvGrpSpPr>
-      <p:grpSpPr>
-        <a:xfrm>
-          <a:off x="0" y="0"/>
-          <a:ext cx="0" cy="0"/>
-          <a:chOff x="0" y="0"/>
-          <a:chExt cx="0" cy="0"/>
-        </a:xfrm>
-      </p:grpSpPr>
-      <p:pic>
-        <p:nvPicPr>
-          <p:cNvPr id="358" name="Google Shape;319;p42" descr="Google Shape;319;p42"/>
-          <p:cNvPicPr>
-            <a:picLocks noChangeAspect="1"/>
-          </p:cNvPicPr>
-          <p:nvPr/>
-        </p:nvPicPr>
-        <p:blipFill>
-          <a:blip r:embed="rId3">
-            <a:extLst/>
-          </a:blip>
-          <a:stretch>
-            <a:fillRect/>
-          </a:stretch>
-        </p:blipFill>
-        <p:spPr>
-          <a:xfrm>
-            <a:off x="0" y="0"/>
-            <a:ext cx="9144000" cy="5143500"/>
-          </a:xfrm>
-          <a:prstGeom prst="rect">
-            <a:avLst/>
-          </a:prstGeom>
-          <a:ln w="12700">
-            <a:miter lim="400000"/>
-          </a:ln>
-        </p:spPr>
-      </p:pic>
-      <p:sp>
-        <p:nvSpPr>
-          <p:cNvPr id="359" name="Google Shape;320;p42"/>
-          <p:cNvSpPr txBox="1"/>
-          <p:nvPr>
-            <p:ph type="title"/>
-          </p:nvPr>
-        </p:nvSpPr>
-        <p:spPr>
-          <a:xfrm>
-            <a:off x="311699" y="213768"/>
-            <a:ext cx="8520602" cy="572701"/>
-          </a:xfrm>
-          <a:prstGeom prst="rect">
-            <a:avLst/>
-          </a:prstGeom>
-        </p:spPr>
-        <p:txBody>
-          <a:bodyPr/>
-          <a:lstStyle>
-            <a:lvl1pPr algn="ctr" defTabSz="877823">
-              <a:defRPr b="1" sz="2592">
-                <a:solidFill>
-                  <a:schemeClr val="accent3"/>
-                </a:solidFill>
-              </a:defRPr>
-            </a:lvl1pPr>
-          </a:lstStyle>
-          <a:p>
-            <a:pPr/>
-            <a:r>
-              <a:t>Preparing your App for Deployment </a:t>
-            </a:r>
-          </a:p>
-        </p:txBody>
-      </p:sp>
-      <p:sp>
-        <p:nvSpPr>
-          <p:cNvPr id="360" name="Google Shape;321;p42"/>
-          <p:cNvSpPr txBox="1"/>
-          <p:nvPr/>
-        </p:nvSpPr>
-        <p:spPr>
-          <a:xfrm>
-            <a:off x="325300" y="761299"/>
-            <a:ext cx="7634100" cy="3801657"/>
-          </a:xfrm>
-          <a:prstGeom prst="rect">
-            <a:avLst/>
-          </a:prstGeom>
-          <a:ln w="12700">
-            <a:miter lim="400000"/>
-          </a:ln>
-          <a:extLst>
-            <a:ext uri="{C572A759-6A51-4108-AA02-DFA0A04FC94B}">
-              <ma14:wrappingTextBoxFlag xmlns:ma14="http://schemas.microsoft.com/office/mac/drawingml/2011/main" val="1"/>
-            </a:ext>
-          </a:extLst>
-        </p:spPr>
-        <p:txBody>
-          <a:bodyPr lIns="91424" tIns="91424" rIns="91424" bIns="91424">
-            <a:spAutoFit/>
-          </a:bodyPr>
-          <a:lstStyle/>
-          <a:p>
-            <a:pPr marL="457200" indent="-381000">
-              <a:buClr>
-                <a:schemeClr val="accent3"/>
-              </a:buClr>
-              <a:buSzPts val="2400"/>
-              <a:buFont typeface="Trebuchet MS"/>
-              <a:buChar char="❖"/>
-              <a:defRPr sz="2400">
-                <a:solidFill>
-                  <a:srgbClr val="FFFFFF"/>
-                </a:solidFill>
-                <a:latin typeface="Trebuchet MS"/>
-                <a:ea typeface="Trebuchet MS"/>
-                <a:cs typeface="Trebuchet MS"/>
-                <a:sym typeface="Trebuchet MS"/>
-              </a:defRPr>
-            </a:pPr>
-            <a:r>
-              <a:t>Specify a heroku-postbuild script</a:t>
-            </a:r>
-          </a:p>
-          <a:p>
-            <a:pPr lvl="1" marL="914400" indent="-381000">
-              <a:buClr>
-                <a:schemeClr val="accent3"/>
-              </a:buClr>
-              <a:buSzPts val="2400"/>
-              <a:buFont typeface="Trebuchet MS"/>
-              <a:buChar char="➢"/>
-              <a:defRPr sz="2400">
-                <a:solidFill>
-                  <a:srgbClr val="FFFFFF"/>
-                </a:solidFill>
-                <a:latin typeface="Trebuchet MS"/>
-                <a:ea typeface="Trebuchet MS"/>
-                <a:cs typeface="Trebuchet MS"/>
-                <a:sym typeface="Trebuchet MS"/>
-              </a:defRPr>
-            </a:pPr>
-            <a:r>
-              <a:t>Add a </a:t>
-            </a:r>
-            <a:r>
-              <a:rPr>
-                <a:solidFill>
-                  <a:schemeClr val="accent3"/>
-                </a:solidFill>
-              </a:rPr>
-              <a:t>heroku-postbuild script</a:t>
-            </a:r>
-            <a:r>
-              <a:t> to our root Express package.json file</a:t>
-            </a:r>
-          </a:p>
-          <a:p>
-            <a:pPr lvl="1" marL="914400" indent="-381000">
-              <a:buClr>
-                <a:schemeClr val="accent3"/>
-              </a:buClr>
-              <a:buSzPts val="2400"/>
-              <a:buFont typeface="Trebuchet MS"/>
-              <a:buChar char="➢"/>
-              <a:defRPr sz="2400">
-                <a:solidFill>
-                  <a:srgbClr val="FFFFFF"/>
-                </a:solidFill>
-                <a:latin typeface="Trebuchet MS"/>
-                <a:ea typeface="Trebuchet MS"/>
-                <a:cs typeface="Trebuchet MS"/>
-                <a:sym typeface="Trebuchet MS"/>
-              </a:defRPr>
-            </a:pPr>
-            <a:r>
-              <a:t>E.g.: </a:t>
-            </a:r>
-            <a:r>
-              <a:rPr>
-                <a:solidFill>
-                  <a:schemeClr val="accent3"/>
-                </a:solidFill>
-                <a:latin typeface="Consolas"/>
-                <a:ea typeface="Consolas"/>
-                <a:cs typeface="Consolas"/>
-                <a:sym typeface="Consolas"/>
-              </a:rPr>
-              <a:t>"heroku-postbuild": "NPM_CONFIG_PRODUCTION=false npm install --prefix frontend &amp;&amp; npm run build --prefix frontend"</a:t>
-            </a:r>
-            <a:endParaRPr>
-              <a:solidFill>
-                <a:schemeClr val="accent3"/>
-              </a:solidFill>
-              <a:latin typeface="Consolas"/>
-              <a:ea typeface="Consolas"/>
-              <a:cs typeface="Consolas"/>
-              <a:sym typeface="Consolas"/>
-            </a:endParaRPr>
-          </a:p>
-          <a:p>
-            <a:pPr indent="914400"/>
-            <a:endParaRPr sz="2400">
-              <a:solidFill>
-                <a:srgbClr val="FFFFFF"/>
-              </a:solidFill>
-              <a:latin typeface="Trebuchet MS"/>
-              <a:ea typeface="Trebuchet MS"/>
-              <a:cs typeface="Trebuchet MS"/>
-              <a:sym typeface="Trebuchet MS"/>
-            </a:endParaRPr>
-          </a:p>
-          <a:p>
-            <a:pPr indent="914400"/>
-            <a:endParaRPr sz="2400">
-              <a:solidFill>
-                <a:srgbClr val="FFFFFF"/>
-              </a:solidFill>
-              <a:latin typeface="Trebuchet MS"/>
-              <a:ea typeface="Trebuchet MS"/>
-              <a:cs typeface="Trebuchet MS"/>
-              <a:sym typeface="Trebuchet MS"/>
-            </a:endParaRPr>
-          </a:p>
-        </p:txBody>
-      </p:sp>
-    </p:spTree>
-  </p:cSld>
-  <p:clrMapOvr>
-    <a:masterClrMapping/>
-  </p:clrMapOvr>
-  <p:transition xmlns:p14="http://schemas.microsoft.com/office/powerpoint/2010/main" spd="med" advClick="1"/>
-</p:sld>
-</file>
-
-<file path=ppt/slides/slide26.xml><?xml version="1.0" encoding="utf-8"?>
-<p:sld xmlns:a="http://schemas.openxmlformats.org/drawingml/2006/main" xmlns:r="http://schemas.openxmlformats.org/officeDocument/2006/relationships" xmlns:p="http://schemas.openxmlformats.org/presentationml/2006/main" xmlns:m="http://schemas.openxmlformats.org/officeDocument/2006/math" xmlns:a14="http://schemas.microsoft.com/office/drawing/2010/main" showMasterSp="1" showMasterPhAnim="1">
-  <p:cSld>
-    <p:spTree>
-      <p:nvGrpSpPr>
-        <p:cNvPr id="1" name=""/>
-        <p:cNvGrpSpPr/>
-        <p:nvPr/>
-      </p:nvGrpSpPr>
-      <p:grpSpPr>
-        <a:xfrm>
-          <a:off x="0" y="0"/>
-          <a:ext cx="0" cy="0"/>
-          <a:chOff x="0" y="0"/>
-          <a:chExt cx="0" cy="0"/>
-        </a:xfrm>
-      </p:grpSpPr>
-      <p:pic>
-        <p:nvPicPr>
-          <p:cNvPr id="364" name="Google Shape;326;p43" descr="Google Shape;326;p43"/>
-          <p:cNvPicPr>
-            <a:picLocks noChangeAspect="1"/>
-          </p:cNvPicPr>
-          <p:nvPr/>
-        </p:nvPicPr>
-        <p:blipFill>
-          <a:blip r:embed="rId3">
-            <a:extLst/>
-          </a:blip>
-          <a:stretch>
-            <a:fillRect/>
-          </a:stretch>
-        </p:blipFill>
-        <p:spPr>
-          <a:xfrm>
-            <a:off x="0" y="0"/>
-            <a:ext cx="9144000" cy="5143500"/>
-          </a:xfrm>
-          <a:prstGeom prst="rect">
-            <a:avLst/>
-          </a:prstGeom>
-          <a:ln w="12700">
-            <a:miter lim="400000"/>
-          </a:ln>
-        </p:spPr>
-      </p:pic>
-      <p:sp>
-        <p:nvSpPr>
-          <p:cNvPr id="365" name="Google Shape;327;p43"/>
-          <p:cNvSpPr txBox="1"/>
-          <p:nvPr>
-            <p:ph type="title"/>
-          </p:nvPr>
-        </p:nvSpPr>
-        <p:spPr>
-          <a:xfrm>
-            <a:off x="311699" y="213768"/>
-            <a:ext cx="8520602" cy="572701"/>
-          </a:xfrm>
-          <a:prstGeom prst="rect">
-            <a:avLst/>
-          </a:prstGeom>
-        </p:spPr>
-        <p:txBody>
-          <a:bodyPr/>
-          <a:lstStyle>
-            <a:lvl1pPr algn="ctr" defTabSz="877823">
-              <a:defRPr b="1" sz="2592">
-                <a:solidFill>
-                  <a:schemeClr val="accent3"/>
-                </a:solidFill>
-              </a:defRPr>
-            </a:lvl1pPr>
-          </a:lstStyle>
-          <a:p>
-            <a:pPr/>
-            <a:r>
-              <a:t>Preparing your App for Deployment </a:t>
-            </a:r>
-          </a:p>
-        </p:txBody>
-      </p:sp>
-      <p:sp>
-        <p:nvSpPr>
-          <p:cNvPr id="366" name="Google Shape;328;p43"/>
-          <p:cNvSpPr txBox="1"/>
-          <p:nvPr/>
-        </p:nvSpPr>
-        <p:spPr>
-          <a:xfrm>
-            <a:off x="325300" y="608900"/>
-            <a:ext cx="8408700" cy="5415251"/>
-          </a:xfrm>
-          <a:prstGeom prst="rect">
-            <a:avLst/>
-          </a:prstGeom>
-          <a:ln w="12700">
-            <a:miter lim="400000"/>
-          </a:ln>
-          <a:extLst>
-            <a:ext uri="{C572A759-6A51-4108-AA02-DFA0A04FC94B}">
-              <ma14:wrappingTextBoxFlag xmlns:ma14="http://schemas.microsoft.com/office/mac/drawingml/2011/main" val="1"/>
-            </a:ext>
-          </a:extLst>
-        </p:spPr>
-        <p:txBody>
-          <a:bodyPr lIns="91424" tIns="91424" rIns="91424" bIns="91424">
-            <a:spAutoFit/>
-          </a:bodyPr>
-          <a:lstStyle/>
-          <a:p>
-            <a:pPr marL="457200" indent="-381000">
-              <a:buClr>
-                <a:schemeClr val="accent3"/>
-              </a:buClr>
-              <a:buSzPts val="2400"/>
-              <a:buFont typeface="Trebuchet MS"/>
-              <a:buChar char="❖"/>
-              <a:defRPr sz="2400">
-                <a:solidFill>
-                  <a:srgbClr val="FFFFFF"/>
-                </a:solidFill>
-                <a:latin typeface="Trebuchet MS"/>
-                <a:ea typeface="Trebuchet MS"/>
-                <a:cs typeface="Trebuchet MS"/>
-                <a:sym typeface="Trebuchet MS"/>
-              </a:defRPr>
-            </a:pPr>
-            <a:r>
-              <a:t>Change Express’ App.js file to </a:t>
-            </a:r>
-            <a:r>
-              <a:rPr>
-                <a:solidFill>
-                  <a:schemeClr val="accent3"/>
-                </a:solidFill>
-              </a:rPr>
-              <a:t>call </a:t>
-            </a:r>
-            <a:r>
-              <a:t>React</a:t>
-            </a:r>
-            <a:r>
-              <a:rPr>
-                <a:solidFill>
-                  <a:schemeClr val="accent3"/>
-                </a:solidFill>
-              </a:rPr>
-              <a:t> build assets</a:t>
-            </a:r>
-            <a:endParaRPr>
-              <a:solidFill>
-                <a:schemeClr val="accent3"/>
-              </a:solidFill>
-            </a:endParaRPr>
-          </a:p>
-          <a:p>
-            <a:pPr lvl="1" marL="914400" indent="-381000">
-              <a:buClr>
-                <a:schemeClr val="accent3"/>
-              </a:buClr>
-              <a:buSzPts val="2400"/>
-              <a:buFont typeface="Trebuchet MS"/>
-              <a:buChar char="➢"/>
-              <a:defRPr sz="2400">
-                <a:solidFill>
-                  <a:srgbClr val="FFFFFF"/>
-                </a:solidFill>
-                <a:latin typeface="Trebuchet MS"/>
-                <a:ea typeface="Trebuchet MS"/>
-                <a:cs typeface="Trebuchet MS"/>
-                <a:sym typeface="Trebuchet MS"/>
-              </a:defRPr>
-            </a:pPr>
-            <a:r>
-              <a:t>Express needs to serve up resources that have been built from the React app by adding this to App.js of the Express application:</a:t>
-            </a:r>
-          </a:p>
-          <a:p>
-            <a:pPr>
-              <a:defRPr sz="2300">
-                <a:solidFill>
-                  <a:schemeClr val="accent3"/>
-                </a:solidFill>
-                <a:latin typeface="Consolas"/>
-                <a:ea typeface="Consolas"/>
-                <a:cs typeface="Consolas"/>
-                <a:sym typeface="Consolas"/>
-              </a:defRPr>
-            </a:pPr>
-            <a:r>
-              <a:t>if (process.env.NODE_ENV === 'production'){</a:t>
-            </a:r>
-          </a:p>
-          <a:p>
-            <a:pPr indent="457200">
-              <a:defRPr sz="2300">
-                <a:solidFill>
-                  <a:schemeClr val="accent3"/>
-                </a:solidFill>
-                <a:latin typeface="Consolas"/>
-                <a:ea typeface="Consolas"/>
-                <a:cs typeface="Consolas"/>
-                <a:sym typeface="Consolas"/>
-              </a:defRPr>
-            </a:pPr>
-            <a:r>
-              <a:t>app.use(express.static(path.join(__dirname, 'frontend/build')));</a:t>
-            </a:r>
-          </a:p>
-          <a:p>
-            <a:pPr indent="914400">
-              <a:defRPr sz="2300">
-                <a:solidFill>
-                  <a:schemeClr val="accent3"/>
-                </a:solidFill>
-                <a:latin typeface="Consolas"/>
-                <a:ea typeface="Consolas"/>
-                <a:cs typeface="Consolas"/>
-                <a:sym typeface="Consolas"/>
-              </a:defRPr>
-            </a:pPr>
-            <a:r>
-              <a:t>app.get('*',(req,res)=&gt; {res.sendFile(path.resolve(__dirname,</a:t>
-            </a:r>
-          </a:p>
-          <a:p>
-            <a:pPr>
-              <a:defRPr sz="2300">
-                <a:solidFill>
-                  <a:schemeClr val="accent3"/>
-                </a:solidFill>
-                <a:latin typeface="Consolas"/>
-                <a:ea typeface="Consolas"/>
-                <a:cs typeface="Consolas"/>
-                <a:sym typeface="Consolas"/>
-              </a:defRPr>
-            </a:pPr>
-            <a:r>
-              <a:t>'frontend', 'build','index.html'));</a:t>
-            </a:r>
-          </a:p>
-          <a:p>
-            <a:pPr>
-              <a:defRPr sz="2300">
-                <a:solidFill>
-                  <a:schemeClr val="accent3"/>
-                </a:solidFill>
-                <a:latin typeface="Consolas"/>
-                <a:ea typeface="Consolas"/>
-                <a:cs typeface="Consolas"/>
-                <a:sym typeface="Consolas"/>
-              </a:defRPr>
-            </a:pPr>
-            <a:r>
-              <a:t>});</a:t>
-            </a:r>
-          </a:p>
-          <a:p>
-            <a:pPr>
-              <a:defRPr sz="2300">
-                <a:solidFill>
-                  <a:schemeClr val="accent3"/>
-                </a:solidFill>
-                <a:latin typeface="Consolas"/>
-                <a:ea typeface="Consolas"/>
-                <a:cs typeface="Consolas"/>
-                <a:sym typeface="Consolas"/>
-              </a:defRPr>
-            </a:pPr>
-            <a:r>
-              <a:t>}</a:t>
-            </a:r>
-            <a:endParaRPr>
-              <a:solidFill>
-                <a:srgbClr val="FFFFFF"/>
-              </a:solidFill>
-              <a:latin typeface="Trebuchet MS"/>
-              <a:ea typeface="Trebuchet MS"/>
-              <a:cs typeface="Trebuchet MS"/>
-              <a:sym typeface="Trebuchet MS"/>
-            </a:endParaRPr>
-          </a:p>
-          <a:p>
-            <a:pPr indent="914400"/>
-            <a:endParaRPr sz="2400">
-              <a:solidFill>
-                <a:srgbClr val="FFFFFF"/>
-              </a:solidFill>
-              <a:latin typeface="Trebuchet MS"/>
-              <a:ea typeface="Trebuchet MS"/>
-              <a:cs typeface="Trebuchet MS"/>
-              <a:sym typeface="Trebuchet MS"/>
-            </a:endParaRPr>
-          </a:p>
-          <a:p>
-            <a:pPr indent="914400"/>
-            <a:endParaRPr sz="2400">
-              <a:solidFill>
-                <a:srgbClr val="FFFFFF"/>
-              </a:solidFill>
-              <a:latin typeface="Trebuchet MS"/>
-              <a:ea typeface="Trebuchet MS"/>
-              <a:cs typeface="Trebuchet MS"/>
-              <a:sym typeface="Trebuchet MS"/>
-            </a:endParaRPr>
-          </a:p>
-        </p:txBody>
-      </p:sp>
-    </p:spTree>
-  </p:cSld>
-  <p:clrMapOvr>
-    <a:masterClrMapping/>
-  </p:clrMapOvr>
-  <p:transition xmlns:p14="http://schemas.microsoft.com/office/powerpoint/2010/main" spd="med" advClick="1"/>
-</p:sld>
-</file>
-
-<file path=ppt/slides/slide27.xml><?xml version="1.0" encoding="utf-8"?>
-<p:sld xmlns:a="http://schemas.openxmlformats.org/drawingml/2006/main" xmlns:r="http://schemas.openxmlformats.org/officeDocument/2006/relationships" xmlns:p="http://schemas.openxmlformats.org/presentationml/2006/main" xmlns:m="http://schemas.openxmlformats.org/officeDocument/2006/math" xmlns:a14="http://schemas.microsoft.com/office/drawing/2010/main" showMasterSp="1" showMasterPhAnim="1">
-  <p:cSld>
-    <p:spTree>
-      <p:nvGrpSpPr>
-        <p:cNvPr id="1" name=""/>
-        <p:cNvGrpSpPr/>
-        <p:nvPr/>
-      </p:nvGrpSpPr>
-      <p:grpSpPr>
-        <a:xfrm>
-          <a:off x="0" y="0"/>
-          <a:ext cx="0" cy="0"/>
-          <a:chOff x="0" y="0"/>
-          <a:chExt cx="0" cy="0"/>
-        </a:xfrm>
-      </p:grpSpPr>
-      <p:pic>
-        <p:nvPicPr>
-          <p:cNvPr id="370" name="Google Shape;333;p44" descr="Google Shape;333;p44"/>
-          <p:cNvPicPr>
-            <a:picLocks noChangeAspect="1"/>
-          </p:cNvPicPr>
-          <p:nvPr/>
-        </p:nvPicPr>
-        <p:blipFill>
-          <a:blip r:embed="rId2">
-            <a:extLst/>
-          </a:blip>
-          <a:stretch>
-            <a:fillRect/>
-          </a:stretch>
-        </p:blipFill>
-        <p:spPr>
-          <a:xfrm>
-            <a:off x="0" y="0"/>
-            <a:ext cx="9144000" cy="5143500"/>
-          </a:xfrm>
-          <a:prstGeom prst="rect">
-            <a:avLst/>
-          </a:prstGeom>
-          <a:ln w="12700">
-            <a:miter lim="400000"/>
-          </a:ln>
-        </p:spPr>
-      </p:pic>
-      <p:sp>
-        <p:nvSpPr>
-          <p:cNvPr id="371" name="Google Shape;334;p44"/>
-          <p:cNvSpPr txBox="1"/>
-          <p:nvPr>
-            <p:ph type="title"/>
-          </p:nvPr>
-        </p:nvSpPr>
-        <p:spPr>
-          <a:xfrm>
-            <a:off x="311699" y="213768"/>
-            <a:ext cx="8520602" cy="572701"/>
-          </a:xfrm>
-          <a:prstGeom prst="rect">
-            <a:avLst/>
-          </a:prstGeom>
-        </p:spPr>
-        <p:txBody>
-          <a:bodyPr/>
-          <a:lstStyle>
-            <a:lvl1pPr algn="ctr" defTabSz="877823">
-              <a:defRPr b="1" sz="2592">
-                <a:solidFill>
-                  <a:schemeClr val="accent3"/>
-                </a:solidFill>
-              </a:defRPr>
-            </a:lvl1pPr>
-          </a:lstStyle>
-          <a:p>
-            <a:pPr/>
-            <a:r>
-              <a:t>Preparing your App for Deployment </a:t>
-            </a:r>
-          </a:p>
-        </p:txBody>
-      </p:sp>
-      <p:sp>
-        <p:nvSpPr>
-          <p:cNvPr id="372" name="Google Shape;335;p44"/>
-          <p:cNvSpPr txBox="1"/>
-          <p:nvPr/>
-        </p:nvSpPr>
-        <p:spPr>
-          <a:xfrm>
-            <a:off x="325300" y="710275"/>
-            <a:ext cx="8408700" cy="5286861"/>
-          </a:xfrm>
-          <a:prstGeom prst="rect">
-            <a:avLst/>
-          </a:prstGeom>
-          <a:ln w="12700">
-            <a:miter lim="400000"/>
-          </a:ln>
-          <a:extLst>
-            <a:ext uri="{C572A759-6A51-4108-AA02-DFA0A04FC94B}">
-              <ma14:wrappingTextBoxFlag xmlns:ma14="http://schemas.microsoft.com/office/mac/drawingml/2011/main" val="1"/>
-            </a:ext>
-          </a:extLst>
-        </p:spPr>
-        <p:txBody>
-          <a:bodyPr lIns="91424" tIns="91424" rIns="91424" bIns="91424">
-            <a:spAutoFit/>
-          </a:bodyPr>
-          <a:lstStyle/>
-          <a:p>
-            <a:pPr marL="457200" indent="-381000">
-              <a:buClr>
-                <a:schemeClr val="accent3"/>
-              </a:buClr>
-              <a:buSzPts val="2400"/>
-              <a:buFont typeface="Trebuchet MS"/>
-              <a:buChar char="❖"/>
-              <a:defRPr sz="2400">
-                <a:solidFill>
-                  <a:srgbClr val="FFFFFF"/>
-                </a:solidFill>
-                <a:latin typeface="Trebuchet MS"/>
-                <a:ea typeface="Trebuchet MS"/>
-                <a:cs typeface="Trebuchet MS"/>
-                <a:sym typeface="Trebuchet MS"/>
-              </a:defRPr>
-            </a:pPr>
-            <a:r>
-              <a:t>Create a </a:t>
-            </a:r>
-            <a:r>
-              <a:rPr>
-                <a:solidFill>
-                  <a:schemeClr val="accent3"/>
-                </a:solidFill>
-              </a:rPr>
-              <a:t>.gitignore</a:t>
-            </a:r>
-            <a:r>
-              <a:t> file </a:t>
-            </a:r>
-          </a:p>
-          <a:p>
-            <a:pPr lvl="1" marL="914400" indent="-381000">
-              <a:buClr>
-                <a:schemeClr val="accent3"/>
-              </a:buClr>
-              <a:buSzPts val="2400"/>
-              <a:buFont typeface="Trebuchet MS"/>
-              <a:buChar char="➢"/>
-              <a:defRPr sz="2400">
-                <a:solidFill>
-                  <a:srgbClr val="FFFFFF"/>
-                </a:solidFill>
-                <a:latin typeface="Trebuchet MS"/>
-                <a:ea typeface="Trebuchet MS"/>
-                <a:cs typeface="Trebuchet MS"/>
-                <a:sym typeface="Trebuchet MS"/>
-              </a:defRPr>
-            </a:pPr>
-            <a:r>
-              <a:t>Express applications you have created contained a </a:t>
-            </a:r>
-            <a:r>
-              <a:rPr>
-                <a:solidFill>
-                  <a:schemeClr val="accent3"/>
-                </a:solidFill>
-                <a:latin typeface="Consolas"/>
-                <a:ea typeface="Consolas"/>
-                <a:cs typeface="Consolas"/>
-                <a:sym typeface="Consolas"/>
-              </a:rPr>
-              <a:t>node_modules</a:t>
-            </a:r>
-            <a:r>
-              <a:t> directory. These are specified in your package.json file.</a:t>
-            </a:r>
-          </a:p>
-          <a:p>
-            <a:pPr lvl="1" marL="914400" indent="-381000">
-              <a:buClr>
-                <a:schemeClr val="accent3"/>
-              </a:buClr>
-              <a:buSzPts val="2400"/>
-              <a:buFont typeface="Trebuchet MS"/>
-              <a:buChar char="➢"/>
-              <a:defRPr sz="2400">
-                <a:solidFill>
-                  <a:srgbClr val="FFFFFF"/>
-                </a:solidFill>
-                <a:latin typeface="Trebuchet MS"/>
-                <a:ea typeface="Trebuchet MS"/>
-                <a:cs typeface="Trebuchet MS"/>
-                <a:sym typeface="Trebuchet MS"/>
-              </a:defRPr>
-            </a:pPr>
-            <a:r>
-              <a:t>Heroku will </a:t>
-            </a:r>
-            <a:r>
-              <a:rPr>
-                <a:solidFill>
-                  <a:schemeClr val="accent3"/>
-                </a:solidFill>
-              </a:rPr>
-              <a:t>automatically create</a:t>
-            </a:r>
-            <a:r>
-              <a:t> a new node_modules directory for your app</a:t>
-            </a:r>
-          </a:p>
-          <a:p>
-            <a:pPr lvl="1" marL="914400" indent="-381000">
-              <a:buClr>
-                <a:schemeClr val="accent3"/>
-              </a:buClr>
-              <a:buSzPts val="2400"/>
-              <a:buFont typeface="Trebuchet MS"/>
-              <a:buChar char="➢"/>
-              <a:defRPr sz="2400">
-                <a:solidFill>
-                  <a:srgbClr val="FFFFFF"/>
-                </a:solidFill>
-                <a:latin typeface="Trebuchet MS"/>
-                <a:ea typeface="Trebuchet MS"/>
-                <a:cs typeface="Trebuchet MS"/>
-                <a:sym typeface="Trebuchet MS"/>
-              </a:defRPr>
-            </a:pPr>
-            <a:r>
-              <a:t>To avoid conflicts, </a:t>
-            </a:r>
-            <a:r>
-              <a:rPr>
-                <a:solidFill>
-                  <a:schemeClr val="accent3"/>
-                </a:solidFill>
-              </a:rPr>
-              <a:t>create a .gitignore file</a:t>
-            </a:r>
-            <a:r>
-              <a:t>. This specifies which files and directories should not be committed to Git.</a:t>
-            </a:r>
-          </a:p>
-          <a:p>
-            <a:pPr lvl="1" marL="914400" indent="-381000">
-              <a:buClr>
-                <a:schemeClr val="accent3"/>
-              </a:buClr>
-              <a:buSzPts val="2400"/>
-              <a:buFont typeface="Trebuchet MS"/>
-              <a:buChar char="➢"/>
-              <a:defRPr sz="2400">
-                <a:solidFill>
-                  <a:srgbClr val="FFFFFF"/>
-                </a:solidFill>
-                <a:latin typeface="Trebuchet MS"/>
-                <a:ea typeface="Trebuchet MS"/>
-                <a:cs typeface="Trebuchet MS"/>
-                <a:sym typeface="Trebuchet MS"/>
-              </a:defRPr>
-            </a:pPr>
-            <a:r>
-              <a:t>Create a file called </a:t>
-            </a:r>
-            <a:r>
-              <a:rPr>
-                <a:solidFill>
-                  <a:schemeClr val="accent3"/>
-                </a:solidFill>
-              </a:rPr>
-              <a:t>.gitignore</a:t>
-            </a:r>
-            <a:r>
-              <a:t> in the root directory of your application. Type </a:t>
-            </a:r>
-            <a:r>
-              <a:rPr>
-                <a:solidFill>
-                  <a:schemeClr val="accent3"/>
-                </a:solidFill>
-                <a:latin typeface="Consolas"/>
-                <a:ea typeface="Consolas"/>
-                <a:cs typeface="Consolas"/>
-                <a:sym typeface="Consolas"/>
-              </a:rPr>
-              <a:t>node_modules</a:t>
-            </a:r>
-            <a:r>
-              <a:t> and save. </a:t>
-            </a:r>
-          </a:p>
-          <a:p>
-            <a:pPr indent="914400"/>
-            <a:endParaRPr sz="2400">
-              <a:solidFill>
-                <a:srgbClr val="FFFFFF"/>
-              </a:solidFill>
-              <a:latin typeface="Trebuchet MS"/>
-              <a:ea typeface="Trebuchet MS"/>
-              <a:cs typeface="Trebuchet MS"/>
-              <a:sym typeface="Trebuchet MS"/>
-            </a:endParaRPr>
-          </a:p>
-          <a:p>
-            <a:pPr indent="914400"/>
-            <a:endParaRPr sz="2400">
-              <a:solidFill>
-                <a:srgbClr val="FFFFFF"/>
-              </a:solidFill>
-              <a:latin typeface="Trebuchet MS"/>
-              <a:ea typeface="Trebuchet MS"/>
-              <a:cs typeface="Trebuchet MS"/>
-              <a:sym typeface="Trebuchet MS"/>
-            </a:endParaRPr>
           </a:p>
         </p:txBody>
       </p:sp>
@@ -13825,7 +9429,116 @@
       </p:grpSpPr>
       <p:pic>
         <p:nvPicPr>
-          <p:cNvPr id="220" name="Google Shape;305;p40" descr="Google Shape;305;p40"/>
+          <p:cNvPr id="220" name="Google Shape;162;p21" descr="Google Shape;162;p21"/>
+          <p:cNvPicPr>
+            <a:picLocks noChangeAspect="1"/>
+          </p:cNvPicPr>
+          <p:nvPr/>
+        </p:nvPicPr>
+        <p:blipFill>
+          <a:blip r:embed="rId2">
+            <a:extLst/>
+          </a:blip>
+          <a:stretch>
+            <a:fillRect/>
+          </a:stretch>
+        </p:blipFill>
+        <p:spPr>
+          <a:xfrm>
+            <a:off x="0" y="0"/>
+            <a:ext cx="9249048" cy="5143500"/>
+          </a:xfrm>
+          <a:prstGeom prst="rect">
+            <a:avLst/>
+          </a:prstGeom>
+          <a:ln w="12700">
+            <a:miter lim="400000"/>
+          </a:ln>
+        </p:spPr>
+      </p:pic>
+      <p:sp>
+        <p:nvSpPr>
+          <p:cNvPr id="221" name="Google Shape;163;p21"/>
+          <p:cNvSpPr txBox="1"/>
+          <p:nvPr>
+            <p:ph type="title" idx="4294967295"/>
+          </p:nvPr>
+        </p:nvSpPr>
+        <p:spPr>
+          <a:xfrm>
+            <a:off x="727650" y="620400"/>
+            <a:ext cx="7688699" cy="535202"/>
+          </a:xfrm>
+          <a:prstGeom prst="rect">
+            <a:avLst/>
+          </a:prstGeom>
+        </p:spPr>
+        <p:txBody>
+          <a:bodyPr/>
+          <a:lstStyle>
+            <a:lvl1pPr algn="ctr" defTabSz="676655">
+              <a:defRPr b="1" sz="2300">
+                <a:solidFill>
+                  <a:schemeClr val="accent3"/>
+                </a:solidFill>
+              </a:defRPr>
+            </a:lvl1pPr>
+          </a:lstStyle>
+          <a:p>
+            <a:pPr/>
+            <a:r>
+              <a:t>Front end example</a:t>
+            </a:r>
+          </a:p>
+        </p:txBody>
+      </p:sp>
+      <p:sp>
+        <p:nvSpPr>
+          <p:cNvPr id="222" name="Google Shape;164;p21"/>
+          <p:cNvSpPr txBox="1"/>
+          <p:nvPr>
+            <p:ph type="body" idx="4294967295"/>
+          </p:nvPr>
+        </p:nvSpPr>
+        <p:spPr>
+          <a:xfrm>
+            <a:off x="727649" y="1434525"/>
+            <a:ext cx="8035202" cy="3000602"/>
+          </a:xfrm>
+          <a:prstGeom prst="rect">
+            <a:avLst/>
+          </a:prstGeom>
+        </p:spPr>
+        <p:txBody>
+          <a:bodyPr/>
+          <a:lstStyle>
+            <a:lvl1pPr indent="-381000">
+              <a:lnSpc>
+                <a:spcPct val="115000"/>
+              </a:lnSpc>
+              <a:buClr>
+                <a:srgbClr val="FFFFFF"/>
+              </a:buClr>
+              <a:buSzPts val="2400"/>
+              <a:buChar char="❖"/>
+              <a:defRPr sz="2400">
+                <a:solidFill>
+                  <a:srgbClr val="FFFFFF"/>
+                </a:solidFill>
+              </a:defRPr>
+            </a:lvl1pPr>
+          </a:lstStyle>
+          <a:p>
+            <a:pPr/>
+            <a:r>
+              <a:t>This is the front end of our application</a:t>
+            </a:r>
+          </a:p>
+        </p:txBody>
+      </p:sp>
+      <p:pic>
+        <p:nvPicPr>
+          <p:cNvPr id="223" name="Google Shape;165;p21" descr="Google Shape;165;p21"/>
           <p:cNvPicPr>
             <a:picLocks noChangeAspect="1"/>
           </p:cNvPicPr>
@@ -13841,8 +9554,8 @@
         </p:blipFill>
         <p:spPr>
           <a:xfrm>
-            <a:off x="0" y="0"/>
-            <a:ext cx="9144000" cy="5143500"/>
+            <a:off x="1071949" y="1986876"/>
+            <a:ext cx="6028252" cy="2617226"/>
           </a:xfrm>
           <a:prstGeom prst="rect">
             <a:avLst/>
@@ -13852,206 +9565,6 @@
           </a:ln>
         </p:spPr>
       </p:pic>
-      <p:sp>
-        <p:nvSpPr>
-          <p:cNvPr id="221" name="Google Shape;306;p40"/>
-          <p:cNvSpPr txBox="1"/>
-          <p:nvPr>
-            <p:ph type="title"/>
-          </p:nvPr>
-        </p:nvSpPr>
-        <p:spPr>
-          <a:xfrm>
-            <a:off x="311699" y="213768"/>
-            <a:ext cx="8520602" cy="572701"/>
-          </a:xfrm>
-          <a:prstGeom prst="rect">
-            <a:avLst/>
-          </a:prstGeom>
-        </p:spPr>
-        <p:txBody>
-          <a:bodyPr/>
-          <a:lstStyle>
-            <a:lvl1pPr algn="ctr" defTabSz="877823">
-              <a:defRPr b="1" sz="2592">
-                <a:solidFill>
-                  <a:schemeClr val="accent3"/>
-                </a:solidFill>
-              </a:defRPr>
-            </a:lvl1pPr>
-          </a:lstStyle>
-          <a:p>
-            <a:pPr/>
-            <a:r>
-              <a:t>Set up Proxy</a:t>
-            </a:r>
-          </a:p>
-        </p:txBody>
-      </p:sp>
-      <p:sp>
-        <p:nvSpPr>
-          <p:cNvPr id="222" name="Google Shape;307;p40"/>
-          <p:cNvSpPr txBox="1"/>
-          <p:nvPr/>
-        </p:nvSpPr>
-        <p:spPr>
-          <a:xfrm>
-            <a:off x="325300" y="761299"/>
-            <a:ext cx="7634100" cy="3686762"/>
-          </a:xfrm>
-          <a:prstGeom prst="rect">
-            <a:avLst/>
-          </a:prstGeom>
-          <a:ln w="12700">
-            <a:miter lim="400000"/>
-          </a:ln>
-          <a:extLst>
-            <a:ext uri="{C572A759-6A51-4108-AA02-DFA0A04FC94B}">
-              <ma14:wrappingTextBoxFlag xmlns:ma14="http://schemas.microsoft.com/office/mac/drawingml/2011/main" val="1"/>
-            </a:ext>
-          </a:extLst>
-        </p:spPr>
-        <p:txBody>
-          <a:bodyPr lIns="91424" tIns="91424" rIns="91424" bIns="91424">
-            <a:spAutoFit/>
-          </a:bodyPr>
-          <a:lstStyle/>
-          <a:p>
-            <a:pPr marL="457200" indent="-381000">
-              <a:buClr>
-                <a:schemeClr val="accent3"/>
-              </a:buClr>
-              <a:buSzPts val="2400"/>
-              <a:buFont typeface="Trebuchet MS"/>
-              <a:buChar char="❖"/>
-              <a:defRPr sz="2400">
-                <a:solidFill>
-                  <a:srgbClr val="FFFFFF"/>
-                </a:solidFill>
-                <a:latin typeface="Trebuchet MS"/>
-                <a:ea typeface="Trebuchet MS"/>
-                <a:cs typeface="Trebuchet MS"/>
-                <a:sym typeface="Trebuchet MS"/>
-              </a:defRPr>
-            </a:pPr>
-            <a:r>
-              <a:t>One of the most important things: make your Express app the </a:t>
-            </a:r>
-            <a:r>
-              <a:rPr>
-                <a:solidFill>
-                  <a:schemeClr val="accent3"/>
-                </a:solidFill>
-              </a:rPr>
-              <a:t>proxy server</a:t>
-            </a:r>
-            <a:r>
-              <a:t> for your React app.</a:t>
-            </a:r>
-          </a:p>
-          <a:p>
-            <a:pPr marL="457200" indent="-381000">
-              <a:buClr>
-                <a:schemeClr val="accent3"/>
-              </a:buClr>
-              <a:buSzPts val="2400"/>
-              <a:buFont typeface="Trebuchet MS"/>
-              <a:buChar char="❖"/>
-              <a:defRPr sz="2400">
-                <a:solidFill>
-                  <a:srgbClr val="FFFFFF"/>
-                </a:solidFill>
-                <a:latin typeface="Trebuchet MS"/>
-                <a:ea typeface="Trebuchet MS"/>
-                <a:cs typeface="Trebuchet MS"/>
-                <a:sym typeface="Trebuchet MS"/>
-              </a:defRPr>
-            </a:pPr>
-            <a:r>
-              <a:t>A proxy server is a server that works by intercepting connections between a sender and receiver</a:t>
-            </a:r>
-          </a:p>
-          <a:p>
-            <a:pPr marL="457200" indent="-381000">
-              <a:buClr>
-                <a:schemeClr val="accent3"/>
-              </a:buClr>
-              <a:buSzPts val="2400"/>
-              <a:buFont typeface="Trebuchet MS"/>
-              <a:buChar char="❖"/>
-              <a:defRPr sz="2400">
-                <a:solidFill>
-                  <a:srgbClr val="FFFFFF"/>
-                </a:solidFill>
-                <a:latin typeface="Trebuchet MS"/>
-                <a:ea typeface="Trebuchet MS"/>
-                <a:cs typeface="Trebuchet MS"/>
-                <a:sym typeface="Trebuchet MS"/>
-              </a:defRPr>
-            </a:pPr>
-            <a:r>
-              <a:t>HTTP proxy intercepts web access requests and handles them appropriately</a:t>
-            </a:r>
-          </a:p>
-          <a:p>
-            <a:pPr lvl="1" marL="914400" indent="-381000">
-              <a:buClr>
-                <a:schemeClr val="accent3"/>
-              </a:buClr>
-              <a:buSzPts val="2400"/>
-              <a:buFont typeface="Trebuchet MS"/>
-              <a:buChar char="➢"/>
-              <a:defRPr sz="2400">
-                <a:solidFill>
-                  <a:srgbClr val="FFFFFF"/>
-                </a:solidFill>
-                <a:latin typeface="Trebuchet MS"/>
-                <a:ea typeface="Trebuchet MS"/>
-                <a:cs typeface="Trebuchet MS"/>
-                <a:sym typeface="Trebuchet MS"/>
-              </a:defRPr>
-            </a:pPr>
-            <a:r>
-              <a:t>Open the </a:t>
-            </a:r>
-            <a:r>
-              <a:rPr b="1"/>
-              <a:t>package.json </a:t>
-            </a:r>
-            <a:r>
-              <a:t>file of your React app.</a:t>
-            </a:r>
-          </a:p>
-          <a:p>
-            <a:pPr lvl="1" marL="914400" indent="-381000">
-              <a:buClr>
-                <a:schemeClr val="accent3"/>
-              </a:buClr>
-              <a:buSzPts val="2400"/>
-              <a:buFont typeface="Trebuchet MS"/>
-              <a:buChar char="➢"/>
-              <a:defRPr sz="2400">
-                <a:solidFill>
-                  <a:schemeClr val="accent3"/>
-                </a:solidFill>
-                <a:latin typeface="Trebuchet MS"/>
-                <a:ea typeface="Trebuchet MS"/>
-                <a:cs typeface="Trebuchet MS"/>
-                <a:sym typeface="Trebuchet MS"/>
-              </a:defRPr>
-            </a:pPr>
-            <a:r>
-              <a:t>"proxy": "http://localhost:3001"</a:t>
-            </a:r>
-            <a:endParaRPr>
-              <a:latin typeface="Consolas"/>
-              <a:ea typeface="Consolas"/>
-              <a:cs typeface="Consolas"/>
-              <a:sym typeface="Consolas"/>
-            </a:endParaRPr>
-          </a:p>
-        </p:txBody>
-      </p:sp>
     </p:spTree>
   </p:cSld>
   <p:clrMapOvr>
@@ -14080,116 +9593,7 @@
       </p:grpSpPr>
       <p:pic>
         <p:nvPicPr>
-          <p:cNvPr id="226" name="Google Shape;162;p21" descr="Google Shape;162;p21"/>
-          <p:cNvPicPr>
-            <a:picLocks noChangeAspect="1"/>
-          </p:cNvPicPr>
-          <p:nvPr/>
-        </p:nvPicPr>
-        <p:blipFill>
-          <a:blip r:embed="rId2">
-            <a:extLst/>
-          </a:blip>
-          <a:stretch>
-            <a:fillRect/>
-          </a:stretch>
-        </p:blipFill>
-        <p:spPr>
-          <a:xfrm>
-            <a:off x="0" y="0"/>
-            <a:ext cx="9249048" cy="5143500"/>
-          </a:xfrm>
-          <a:prstGeom prst="rect">
-            <a:avLst/>
-          </a:prstGeom>
-          <a:ln w="12700">
-            <a:miter lim="400000"/>
-          </a:ln>
-        </p:spPr>
-      </p:pic>
-      <p:sp>
-        <p:nvSpPr>
-          <p:cNvPr id="227" name="Google Shape;163;p21"/>
-          <p:cNvSpPr txBox="1"/>
-          <p:nvPr>
-            <p:ph type="title" idx="4294967295"/>
-          </p:nvPr>
-        </p:nvSpPr>
-        <p:spPr>
-          <a:xfrm>
-            <a:off x="727650" y="620400"/>
-            <a:ext cx="7688699" cy="535201"/>
-          </a:xfrm>
-          <a:prstGeom prst="rect">
-            <a:avLst/>
-          </a:prstGeom>
-        </p:spPr>
-        <p:txBody>
-          <a:bodyPr/>
-          <a:lstStyle>
-            <a:lvl1pPr algn="ctr" defTabSz="676655">
-              <a:defRPr b="1" sz="2368">
-                <a:solidFill>
-                  <a:schemeClr val="accent3"/>
-                </a:solidFill>
-              </a:defRPr>
-            </a:lvl1pPr>
-          </a:lstStyle>
-          <a:p>
-            <a:pPr/>
-            <a:r>
-              <a:t>Front end example</a:t>
-            </a:r>
-          </a:p>
-        </p:txBody>
-      </p:sp>
-      <p:sp>
-        <p:nvSpPr>
-          <p:cNvPr id="228" name="Google Shape;164;p21"/>
-          <p:cNvSpPr txBox="1"/>
-          <p:nvPr>
-            <p:ph type="body" idx="4294967295"/>
-          </p:nvPr>
-        </p:nvSpPr>
-        <p:spPr>
-          <a:xfrm>
-            <a:off x="727649" y="1434525"/>
-            <a:ext cx="8035202" cy="3000601"/>
-          </a:xfrm>
-          <a:prstGeom prst="rect">
-            <a:avLst/>
-          </a:prstGeom>
-        </p:spPr>
-        <p:txBody>
-          <a:bodyPr/>
-          <a:lstStyle>
-            <a:lvl1pPr indent="-381000">
-              <a:lnSpc>
-                <a:spcPct val="115000"/>
-              </a:lnSpc>
-              <a:buClr>
-                <a:srgbClr val="FFFFFF"/>
-              </a:buClr>
-              <a:buSzPts val="2400"/>
-              <a:buChar char="❖"/>
-              <a:defRPr sz="2400">
-                <a:solidFill>
-                  <a:srgbClr val="FFFFFF"/>
-                </a:solidFill>
-              </a:defRPr>
-            </a:lvl1pPr>
-          </a:lstStyle>
-          <a:p>
-            <a:pPr/>
-            <a:r>
-              <a:t>This is the front end of our application</a:t>
-            </a:r>
-          </a:p>
-        </p:txBody>
-      </p:sp>
-      <p:pic>
-        <p:nvPicPr>
-          <p:cNvPr id="229" name="Google Shape;165;p21" descr="Google Shape;165;p21"/>
+          <p:cNvPr id="225" name="Google Shape;211;p27" descr="Google Shape;211;p27"/>
           <p:cNvPicPr>
             <a:picLocks noChangeAspect="1"/>
           </p:cNvPicPr>
@@ -14205,8 +9609,118 @@
         </p:blipFill>
         <p:spPr>
           <a:xfrm>
-            <a:off x="1071949" y="1986876"/>
-            <a:ext cx="6028251" cy="2617226"/>
+            <a:off x="0" y="0"/>
+            <a:ext cx="9144000" cy="5143500"/>
+          </a:xfrm>
+          <a:prstGeom prst="rect">
+            <a:avLst/>
+          </a:prstGeom>
+          <a:ln w="12700">
+            <a:miter lim="400000"/>
+          </a:ln>
+        </p:spPr>
+      </p:pic>
+      <p:sp>
+        <p:nvSpPr>
+          <p:cNvPr id="226" name="Google Shape;212;p27"/>
+          <p:cNvSpPr txBox="1"/>
+          <p:nvPr>
+            <p:ph type="title"/>
+          </p:nvPr>
+        </p:nvSpPr>
+        <p:spPr>
+          <a:xfrm>
+            <a:off x="311699" y="213768"/>
+            <a:ext cx="8520602" cy="572702"/>
+          </a:xfrm>
+          <a:prstGeom prst="rect">
+            <a:avLst/>
+          </a:prstGeom>
+        </p:spPr>
+        <p:txBody>
+          <a:bodyPr/>
+          <a:lstStyle>
+            <a:lvl1pPr algn="ctr" defTabSz="877822">
+              <a:defRPr b="1" sz="2500">
+                <a:solidFill>
+                  <a:schemeClr val="accent3"/>
+                </a:solidFill>
+              </a:defRPr>
+            </a:lvl1pPr>
+          </a:lstStyle>
+          <a:p>
+            <a:pPr/>
+            <a:r>
+              <a:t>Functions </a:t>
+            </a:r>
+          </a:p>
+        </p:txBody>
+      </p:sp>
+      <p:sp>
+        <p:nvSpPr>
+          <p:cNvPr id="227" name="Google Shape;213;p27"/>
+          <p:cNvSpPr txBox="1"/>
+          <p:nvPr>
+            <p:ph type="body" idx="1"/>
+          </p:nvPr>
+        </p:nvSpPr>
+        <p:spPr>
+          <a:xfrm>
+            <a:off x="455050" y="786473"/>
+            <a:ext cx="8134199" cy="2652904"/>
+          </a:xfrm>
+          <a:prstGeom prst="rect">
+            <a:avLst/>
+          </a:prstGeom>
+        </p:spPr>
+        <p:txBody>
+          <a:bodyPr/>
+          <a:lstStyle>
+            <a:lvl1pPr indent="-381000">
+              <a:buClr>
+                <a:schemeClr val="accent3"/>
+              </a:buClr>
+              <a:buSzPts val="2400"/>
+              <a:buChar char="❖"/>
+              <a:defRPr sz="2400">
+                <a:solidFill>
+                  <a:schemeClr val="accent3"/>
+                </a:solidFill>
+                <a:latin typeface="Consolas"/>
+                <a:ea typeface="Consolas"/>
+                <a:cs typeface="Consolas"/>
+                <a:sym typeface="Consolas"/>
+              </a:defRPr>
+            </a:lvl1pPr>
+          </a:lstStyle>
+          <a:p>
+            <a:pPr/>
+            <a:r>
+              <a:t>Methods</a:t>
+            </a:r>
+          </a:p>
+        </p:txBody>
+      </p:sp>
+      <p:pic>
+        <p:nvPicPr>
+          <p:cNvPr id="228" name="Google Shape;214;p27" descr="Google Shape;214;p27"/>
+          <p:cNvPicPr>
+            <a:picLocks noChangeAspect="1"/>
+          </p:cNvPicPr>
+          <p:nvPr/>
+        </p:nvPicPr>
+        <p:blipFill>
+          <a:blip r:embed="rId4">
+            <a:extLst/>
+          </a:blip>
+          <a:stretch>
+            <a:fillRect/>
+          </a:stretch>
+        </p:blipFill>
+        <p:spPr>
+          <a:xfrm>
+            <a:off x="978099" y="1386800"/>
+            <a:ext cx="4895852" cy="3048002"/>
           </a:xfrm>
           <a:prstGeom prst="rect">
             <a:avLst/>
@@ -14244,7 +9758,7 @@
       </p:grpSpPr>
       <p:pic>
         <p:nvPicPr>
-          <p:cNvPr id="231" name="Google Shape;170;p22" descr="Google Shape;170;p22"/>
+          <p:cNvPr id="232" name="Google Shape;219;p28" descr="Google Shape;219;p28"/>
           <p:cNvPicPr>
             <a:picLocks noChangeAspect="1"/>
           </p:cNvPicPr>
@@ -14273,7 +9787,7 @@
       </p:pic>
       <p:sp>
         <p:nvSpPr>
-          <p:cNvPr id="232" name="Google Shape;171;p22"/>
+          <p:cNvPr id="233" name="Google Shape;220;p28"/>
           <p:cNvSpPr txBox="1"/>
           <p:nvPr>
             <p:ph type="title"/>
@@ -14282,7 +9796,7 @@
         <p:spPr>
           <a:xfrm>
             <a:off x="311699" y="213768"/>
-            <a:ext cx="8520602" cy="572701"/>
+            <a:ext cx="8520602" cy="572702"/>
           </a:xfrm>
           <a:prstGeom prst="rect">
             <a:avLst/>
@@ -14291,8 +9805,8 @@
         <p:txBody>
           <a:bodyPr/>
           <a:lstStyle>
-            <a:lvl1pPr algn="ctr" defTabSz="877823">
-              <a:defRPr b="1" sz="2592">
+            <a:lvl1pPr algn="ctr" defTabSz="877822">
+              <a:defRPr b="1" sz="2500">
                 <a:solidFill>
                   <a:schemeClr val="accent3"/>
                 </a:solidFill>
@@ -14302,14 +9816,14 @@
           <a:p>
             <a:pPr/>
             <a:r>
-              <a:t>Writing our Hooks</a:t>
+              <a:t>Displaying the JSON file on endpoint</a:t>
             </a:r>
           </a:p>
         </p:txBody>
       </p:sp>
       <p:sp>
         <p:nvSpPr>
-          <p:cNvPr id="233" name="Google Shape;172;p22"/>
+          <p:cNvPr id="234" name="Google Shape;221;p28"/>
           <p:cNvSpPr txBox="1"/>
           <p:nvPr>
             <p:ph type="body" idx="1"/>
@@ -14317,8 +9831,8 @@
         </p:nvSpPr>
         <p:spPr>
           <a:xfrm>
-            <a:off x="412000" y="786474"/>
-            <a:ext cx="8134199" cy="2887802"/>
+            <a:off x="616500" y="748149"/>
+            <a:ext cx="7929599" cy="3949803"/>
           </a:xfrm>
           <a:prstGeom prst="rect">
             <a:avLst/>
@@ -14326,8 +9840,9 @@
         </p:spPr>
         <p:txBody>
           <a:bodyPr/>
-          <a:lstStyle>
-            <a:lvl1pPr indent="-381000">
+          <a:lstStyle/>
+          <a:p>
+            <a:pPr indent="-381000">
               <a:buClr>
                 <a:schemeClr val="accent3"/>
               </a:buClr>
@@ -14338,19 +9853,33 @@
                   <a:srgbClr val="FFFFFF"/>
                 </a:solidFill>
               </a:defRPr>
-            </a:lvl1pPr>
-          </a:lstStyle>
-          <a:p>
-            <a:pPr/>
-            <a:r>
-              <a:t>This Component will fetch the data and display it.</a:t>
+            </a:pPr>
+            <a:r>
+              <a:t>Now we will look at rendering the JSON file that we have read inside an end point.</a:t>
+            </a:r>
+          </a:p>
+          <a:p>
+            <a:pPr indent="-381000">
+              <a:buClr>
+                <a:srgbClr val="FFFFFF"/>
+              </a:buClr>
+              <a:buSzPts val="2400"/>
+              <a:buChar char="❖"/>
+              <a:defRPr sz="2400">
+                <a:solidFill>
+                  <a:srgbClr val="FFFFFF"/>
+                </a:solidFill>
+              </a:defRPr>
+            </a:pPr>
+            <a:r>
+              <a:t>We are also returning a status code of 200 (which is the default response) to be certain we will return JSON.</a:t>
             </a:r>
           </a:p>
         </p:txBody>
       </p:sp>
       <p:pic>
         <p:nvPicPr>
-          <p:cNvPr id="234" name="Google Shape;173;p22" descr="Google Shape;173;p22"/>
+          <p:cNvPr id="235" name="Google Shape;222;p28" descr="Google Shape;222;p28"/>
           <p:cNvPicPr>
             <a:picLocks noChangeAspect="1"/>
           </p:cNvPicPr>
@@ -14366,8 +9895,8 @@
         </p:blipFill>
         <p:spPr>
           <a:xfrm>
-            <a:off x="691903" y="1322724"/>
-            <a:ext cx="5750026" cy="3365251"/>
+            <a:off x="1971038" y="2686374"/>
+            <a:ext cx="5220526" cy="2011578"/>
           </a:xfrm>
           <a:prstGeom prst="rect">
             <a:avLst/>
@@ -14405,7 +9934,7 @@
       </p:grpSpPr>
       <p:pic>
         <p:nvPicPr>
-          <p:cNvPr id="238" name="Google Shape;178;p23" descr="Google Shape;178;p23"/>
+          <p:cNvPr id="239" name="Google Shape;227;p29" descr="Google Shape;227;p29"/>
           <p:cNvPicPr>
             <a:picLocks noChangeAspect="1"/>
           </p:cNvPicPr>
@@ -14434,7 +9963,7 @@
       </p:pic>
       <p:sp>
         <p:nvSpPr>
-          <p:cNvPr id="239" name="Google Shape;179;p23"/>
+          <p:cNvPr id="240" name="Google Shape;228;p29"/>
           <p:cNvSpPr txBox="1"/>
           <p:nvPr>
             <p:ph type="title"/>
@@ -14443,7 +9972,7 @@
         <p:spPr>
           <a:xfrm>
             <a:off x="311699" y="213768"/>
-            <a:ext cx="8520602" cy="572701"/>
+            <a:ext cx="8520602" cy="572702"/>
           </a:xfrm>
           <a:prstGeom prst="rect">
             <a:avLst/>
@@ -14452,8 +9981,8 @@
         <p:txBody>
           <a:bodyPr/>
           <a:lstStyle>
-            <a:lvl1pPr algn="ctr" defTabSz="877823">
-              <a:defRPr b="1" sz="2592">
+            <a:lvl1pPr algn="ctr" defTabSz="877822">
+              <a:defRPr b="1" sz="2500">
                 <a:solidFill>
                   <a:schemeClr val="accent3"/>
                 </a:solidFill>
@@ -14463,14 +9992,14 @@
           <a:p>
             <a:pPr/>
             <a:r>
-              <a:t>What are Hooks?</a:t>
+              <a:t>How to get specific items</a:t>
             </a:r>
           </a:p>
         </p:txBody>
       </p:sp>
       <p:sp>
         <p:nvSpPr>
-          <p:cNvPr id="240" name="Google Shape;180;p23"/>
+          <p:cNvPr id="241" name="Google Shape;229;p29"/>
           <p:cNvSpPr txBox="1"/>
           <p:nvPr>
             <p:ph type="body" idx="1"/>
@@ -14478,8 +10007,8 @@
         </p:nvSpPr>
         <p:spPr>
           <a:xfrm>
-            <a:off x="411999" y="748149"/>
-            <a:ext cx="8238002" cy="4202702"/>
+            <a:off x="616500" y="748149"/>
+            <a:ext cx="7929599" cy="3949803"/>
           </a:xfrm>
           <a:prstGeom prst="rect">
             <a:avLst/>
@@ -14487,11 +10016,10 @@
         </p:spPr>
         <p:txBody>
           <a:bodyPr/>
-          <a:lstStyle/>
-          <a:p>
-            <a:pPr indent="-381000">
+          <a:lstStyle>
+            <a:lvl1pPr indent="-381000">
               <a:buClr>
-                <a:srgbClr val="FFFFFF"/>
+                <a:schemeClr val="accent3"/>
               </a:buClr>
               <a:buSzPts val="2400"/>
               <a:buChar char="❖"/>
@@ -14500,33 +10028,19 @@
                   <a:srgbClr val="FFFFFF"/>
                 </a:solidFill>
               </a:defRPr>
-            </a:pPr>
-            <a:r>
-              <a:t>Hooks are functions that let you “hook into” React state and lifecycle features from function components. Hooks don't work inside classes — they let you use React without classes.</a:t>
-            </a:r>
-          </a:p>
-          <a:p>
-            <a:pPr indent="-381000">
-              <a:buClr>
-                <a:srgbClr val="FFFFFF"/>
-              </a:buClr>
-              <a:buSzPts val="2400"/>
-              <a:buChar char="❖"/>
-              <a:defRPr sz="2400">
-                <a:solidFill>
-                  <a:srgbClr val="FFFFFF"/>
-                </a:solidFill>
-              </a:defRPr>
-            </a:pPr>
-            <a:r>
-              <a:t>Below is a component without state just a functional component.</a:t>
+            </a:lvl1pPr>
+          </a:lstStyle>
+          <a:p>
+            <a:pPr/>
+            <a:r>
+              <a:t>This is a specific GET Method</a:t>
             </a:r>
           </a:p>
         </p:txBody>
       </p:sp>
       <p:pic>
         <p:nvPicPr>
-          <p:cNvPr id="241" name="Google Shape;181;p23" descr="Google Shape;181;p23"/>
+          <p:cNvPr id="242" name="Google Shape;230;p29" descr="Google Shape;230;p29"/>
           <p:cNvPicPr>
             <a:picLocks noChangeAspect="1"/>
           </p:cNvPicPr>
@@ -14542,8 +10056,8 @@
         </p:blipFill>
         <p:spPr>
           <a:xfrm>
-            <a:off x="1131038" y="3037950"/>
-            <a:ext cx="6881926" cy="2105550"/>
+            <a:off x="1498699" y="1242023"/>
+            <a:ext cx="6146602" cy="3803252"/>
           </a:xfrm>
           <a:prstGeom prst="rect">
             <a:avLst/>
@@ -14581,7 +10095,7 @@
       </p:grpSpPr>
       <p:pic>
         <p:nvPicPr>
-          <p:cNvPr id="245" name="Google Shape;186;p24" descr="Google Shape;186;p24"/>
+          <p:cNvPr id="246" name="Google Shape;235;p30" descr="Google Shape;235;p30"/>
           <p:cNvPicPr>
             <a:picLocks noChangeAspect="1"/>
           </p:cNvPicPr>
@@ -14610,7 +10124,7 @@
       </p:pic>
       <p:sp>
         <p:nvSpPr>
-          <p:cNvPr id="246" name="Google Shape;187;p24"/>
+          <p:cNvPr id="247" name="Google Shape;236;p30"/>
           <p:cNvSpPr txBox="1"/>
           <p:nvPr>
             <p:ph type="title"/>
@@ -14619,7 +10133,7 @@
         <p:spPr>
           <a:xfrm>
             <a:off x="311699" y="213768"/>
-            <a:ext cx="8520602" cy="572701"/>
+            <a:ext cx="8520602" cy="572702"/>
           </a:xfrm>
           <a:prstGeom prst="rect">
             <a:avLst/>
@@ -14628,8 +10142,8 @@
         <p:txBody>
           <a:bodyPr/>
           <a:lstStyle>
-            <a:lvl1pPr algn="ctr" defTabSz="877823">
-              <a:defRPr b="1" sz="2592">
+            <a:lvl1pPr algn="ctr" defTabSz="877822">
+              <a:defRPr b="1" sz="2500">
                 <a:solidFill>
                   <a:schemeClr val="accent3"/>
                 </a:solidFill>
@@ -14639,14 +10153,14 @@
           <a:p>
             <a:pPr/>
             <a:r>
-              <a:t>Writing Hooks</a:t>
+              <a:t>How to Delete specific items</a:t>
             </a:r>
           </a:p>
         </p:txBody>
       </p:sp>
       <p:sp>
         <p:nvSpPr>
-          <p:cNvPr id="247" name="Google Shape;188;p24"/>
+          <p:cNvPr id="248" name="Google Shape;237;p30"/>
           <p:cNvSpPr txBox="1"/>
           <p:nvPr>
             <p:ph type="body" idx="1"/>
@@ -14654,8 +10168,8 @@
         </p:nvSpPr>
         <p:spPr>
           <a:xfrm>
-            <a:off x="412000" y="786474"/>
-            <a:ext cx="8134199" cy="2887802"/>
+            <a:off x="616500" y="748149"/>
+            <a:ext cx="7929599" cy="3949803"/>
           </a:xfrm>
           <a:prstGeom prst="rect">
             <a:avLst/>
@@ -14680,14 +10194,14 @@
           <a:p>
             <a:pPr/>
             <a:r>
-              <a:t>Let’s write a Component that will connect to our api and show our data.</a:t>
+              <a:t>This is a specific Delete Method</a:t>
             </a:r>
           </a:p>
         </p:txBody>
       </p:sp>
       <p:pic>
         <p:nvPicPr>
-          <p:cNvPr id="248" name="Google Shape;189;p24" descr="Google Shape;189;p24"/>
+          <p:cNvPr id="249" name="Google Shape;238;p30" descr="Google Shape;238;p30"/>
           <p:cNvPicPr>
             <a:picLocks noChangeAspect="1"/>
           </p:cNvPicPr>
@@ -14703,8 +10217,8 @@
         </p:blipFill>
         <p:spPr>
           <a:xfrm>
-            <a:off x="534050" y="1661199"/>
-            <a:ext cx="4560000" cy="3373151"/>
+            <a:off x="1220000" y="1270074"/>
+            <a:ext cx="6789850" cy="3833877"/>
           </a:xfrm>
           <a:prstGeom prst="rect">
             <a:avLst/>
@@ -14742,7 +10256,7 @@
       </p:grpSpPr>
       <p:pic>
         <p:nvPicPr>
-          <p:cNvPr id="252" name="Google Shape;194;p25" descr="Google Shape;194;p25"/>
+          <p:cNvPr id="253" name="Google Shape;243;p31" descr="Google Shape;243;p31"/>
           <p:cNvPicPr>
             <a:picLocks noChangeAspect="1"/>
           </p:cNvPicPr>
@@ -14771,7 +10285,7 @@
       </p:pic>
       <p:sp>
         <p:nvSpPr>
-          <p:cNvPr id="253" name="Google Shape;195;p25"/>
+          <p:cNvPr id="254" name="Google Shape;244;p31"/>
           <p:cNvSpPr txBox="1"/>
           <p:nvPr>
             <p:ph type="title"/>
@@ -14780,7 +10294,7 @@
         <p:spPr>
           <a:xfrm>
             <a:off x="311699" y="213768"/>
-            <a:ext cx="8520602" cy="572701"/>
+            <a:ext cx="8520602" cy="572702"/>
           </a:xfrm>
           <a:prstGeom prst="rect">
             <a:avLst/>
@@ -14789,8 +10303,8 @@
         <p:txBody>
           <a:bodyPr/>
           <a:lstStyle>
-            <a:lvl1pPr algn="ctr" defTabSz="877823">
-              <a:defRPr b="1" sz="2592">
+            <a:lvl1pPr algn="ctr" defTabSz="877822">
+              <a:defRPr b="1" sz="2500">
                 <a:solidFill>
                   <a:schemeClr val="accent3"/>
                 </a:solidFill>
@@ -14800,14 +10314,14 @@
           <a:p>
             <a:pPr/>
             <a:r>
-              <a:t>Writing Hooks</a:t>
+              <a:t>How to Add new items</a:t>
             </a:r>
           </a:p>
         </p:txBody>
       </p:sp>
       <p:sp>
         <p:nvSpPr>
-          <p:cNvPr id="254" name="Google Shape;196;p25"/>
+          <p:cNvPr id="255" name="Google Shape;245;p31"/>
           <p:cNvSpPr txBox="1"/>
           <p:nvPr>
             <p:ph type="body" idx="1"/>
@@ -14815,8 +10329,8 @@
         </p:nvSpPr>
         <p:spPr>
           <a:xfrm>
-            <a:off x="412000" y="786474"/>
-            <a:ext cx="8134199" cy="2887802"/>
+            <a:off x="616500" y="748149"/>
+            <a:ext cx="7929599" cy="3949803"/>
           </a:xfrm>
           <a:prstGeom prst="rect">
             <a:avLst/>
@@ -14827,7 +10341,7 @@
           <a:lstStyle>
             <a:lvl1pPr indent="-381000">
               <a:buClr>
-                <a:srgbClr val="FFFFFF"/>
+                <a:schemeClr val="accent3"/>
               </a:buClr>
               <a:buSzPts val="2400"/>
               <a:buChar char="❖"/>
@@ -14841,14 +10355,14 @@
           <a:p>
             <a:pPr/>
             <a:r>
-              <a:t>Create Data Component</a:t>
+              <a:t>This is a add new item Method</a:t>
             </a:r>
           </a:p>
         </p:txBody>
       </p:sp>
       <p:pic>
         <p:nvPicPr>
-          <p:cNvPr id="255" name="Google Shape;197;p25" descr="Google Shape;197;p25"/>
+          <p:cNvPr id="256" name="Google Shape;246;p31" descr="Google Shape;246;p31"/>
           <p:cNvPicPr>
             <a:picLocks noChangeAspect="1"/>
           </p:cNvPicPr>
@@ -14864,37 +10378,8 @@
         </p:blipFill>
         <p:spPr>
           <a:xfrm>
-            <a:off x="139521" y="1361238"/>
-            <a:ext cx="4034324" cy="3384125"/>
-          </a:xfrm>
-          <a:prstGeom prst="rect">
-            <a:avLst/>
-          </a:prstGeom>
-          <a:ln w="12700">
-            <a:miter lim="400000"/>
-          </a:ln>
-        </p:spPr>
-      </p:pic>
-      <p:pic>
-        <p:nvPicPr>
-          <p:cNvPr id="256" name="Google Shape;198;p25" descr="Google Shape;198;p25"/>
-          <p:cNvPicPr>
-            <a:picLocks noChangeAspect="1"/>
-          </p:cNvPicPr>
-          <p:nvPr/>
-        </p:nvPicPr>
-        <p:blipFill>
-          <a:blip r:embed="rId5">
-            <a:extLst/>
-          </a:blip>
-          <a:stretch>
-            <a:fillRect/>
-          </a:stretch>
-        </p:blipFill>
-        <p:spPr>
-          <a:xfrm>
-            <a:off x="4493126" y="1361261"/>
-            <a:ext cx="4530951" cy="3568900"/>
+            <a:off x="526725" y="1227975"/>
+            <a:ext cx="8090552" cy="3880502"/>
           </a:xfrm>
           <a:prstGeom prst="rect">
             <a:avLst/>
@@ -14932,7 +10417,7 @@
       </p:grpSpPr>
       <p:pic>
         <p:nvPicPr>
-          <p:cNvPr id="260" name="Google Shape;203;p26" descr="Google Shape;203;p26"/>
+          <p:cNvPr id="260" name="Google Shape;251;p32" descr="Google Shape;251;p32"/>
           <p:cNvPicPr>
             <a:picLocks noChangeAspect="1"/>
           </p:cNvPicPr>
@@ -14959,112 +10444,174 @@
           </a:ln>
         </p:spPr>
       </p:pic>
-      <p:sp>
-        <p:nvSpPr>
-          <p:cNvPr id="261" name="Google Shape;204;p26"/>
-          <p:cNvSpPr txBox="1"/>
-          <p:nvPr>
-            <p:ph type="title"/>
-          </p:nvPr>
-        </p:nvSpPr>
-        <p:spPr>
-          <a:xfrm>
-            <a:off x="311699" y="213768"/>
-            <a:ext cx="8520602" cy="572701"/>
-          </a:xfrm>
-          <a:prstGeom prst="rect">
-            <a:avLst/>
-          </a:prstGeom>
-        </p:spPr>
-        <p:txBody>
-          <a:bodyPr/>
-          <a:lstStyle>
-            <a:lvl1pPr algn="ctr" defTabSz="877823">
-              <a:defRPr b="1" sz="2592">
-                <a:solidFill>
-                  <a:schemeClr val="accent3"/>
-                </a:solidFill>
-              </a:defRPr>
-            </a:lvl1pPr>
-          </a:lstStyle>
-          <a:p>
-            <a:pPr/>
-            <a:r>
-              <a:t>Writing Hooks</a:t>
-            </a:r>
-          </a:p>
-        </p:txBody>
-      </p:sp>
-      <p:sp>
-        <p:nvSpPr>
-          <p:cNvPr id="262" name="Google Shape;205;p26"/>
-          <p:cNvSpPr txBox="1"/>
-          <p:nvPr>
-            <p:ph type="body" idx="1"/>
-          </p:nvPr>
-        </p:nvSpPr>
-        <p:spPr>
-          <a:xfrm>
-            <a:off x="412000" y="786474"/>
-            <a:ext cx="8134199" cy="2887802"/>
-          </a:xfrm>
-          <a:prstGeom prst="rect">
-            <a:avLst/>
-          </a:prstGeom>
-        </p:spPr>
-        <p:txBody>
-          <a:bodyPr/>
-          <a:lstStyle>
-            <a:lvl1pPr indent="-381000">
-              <a:buClr>
-                <a:schemeClr val="accent3"/>
-              </a:buClr>
-              <a:buSzPts val="2400"/>
-              <a:buChar char="❖"/>
-              <a:defRPr sz="2400">
-                <a:solidFill>
-                  <a:srgbClr val="FFFFFF"/>
-                </a:solidFill>
-              </a:defRPr>
-            </a:lvl1pPr>
-          </a:lstStyle>
-          <a:p>
-            <a:pPr/>
-            <a:r>
-              <a:t>Let’s write a Component that will connect to our api and show our data.</a:t>
-            </a:r>
-          </a:p>
-        </p:txBody>
-      </p:sp>
-      <p:pic>
-        <p:nvPicPr>
-          <p:cNvPr id="263" name="Google Shape;206;p26" descr="Google Shape;206;p26"/>
-          <p:cNvPicPr>
-            <a:picLocks noChangeAspect="1"/>
-          </p:cNvPicPr>
+      <p:graphicFrame>
+        <p:nvGraphicFramePr>
+          <p:cNvPr id="261" name="Google Shape;252;p32"/>
+          <p:cNvGraphicFramePr/>
           <p:nvPr/>
-        </p:nvPicPr>
-        <p:blipFill>
-          <a:blip r:embed="rId4">
-            <a:extLst/>
-          </a:blip>
-          <a:stretch>
-            <a:fillRect/>
-          </a:stretch>
-        </p:blipFill>
-        <p:spPr>
-          <a:xfrm>
-            <a:off x="543949" y="1736025"/>
-            <a:ext cx="4418728" cy="3268651"/>
-          </a:xfrm>
-          <a:prstGeom prst="rect">
-            <a:avLst/>
-          </a:prstGeom>
-          <a:ln w="12700">
-            <a:miter lim="400000"/>
-          </a:ln>
-        </p:spPr>
-      </p:pic>
+        </p:nvGraphicFramePr>
+        <p:xfrm>
+          <a:off x="1706398" y="1508125"/>
+          <a:ext cx="5731202" cy="101600"/>
+        </p:xfrm>
+        <a:graphic xmlns:a="http://schemas.openxmlformats.org/drawingml/2006/main">
+          <a:graphicData uri="http://schemas.openxmlformats.org/drawingml/2006/table">
+            <a:tbl>
+              <a:tblPr firstCol="0" firstRow="0" lastCol="0" lastRow="0" bandCol="0" bandRow="0" rtl="0">
+                <a:tableStyleId>{4C3C2611-4C71-4FC5-86AE-919BDF0F9419}</a:tableStyleId>
+              </a:tblPr>
+              <a:tblGrid>
+                <a:gridCol w="5731200"/>
+              </a:tblGrid>
+              <a:tr h="101600">
+                <a:tc>
+                  <a:txBody>
+                    <a:bodyPr/>
+                    <a:lstStyle/>
+                    <a:p>
+                      <a:pPr algn="just">
+                        <a:spcBef>
+                          <a:spcPts val="500"/>
+                        </a:spcBef>
+                        <a:defRPr sz="1400">
+                          <a:latin typeface="Montserrat Light"/>
+                          <a:ea typeface="Montserrat Light"/>
+                          <a:cs typeface="Montserrat Light"/>
+                          <a:sym typeface="Montserrat Light"/>
+                        </a:defRPr>
+                      </a:pPr>
+                      <a:r>
+                        <a:t>class MyComponent extends React.Component {</a:t>
+                      </a:r>
+                    </a:p>
+                    <a:p>
+                      <a:pPr algn="just">
+                        <a:spcBef>
+                          <a:spcPts val="500"/>
+                        </a:spcBef>
+                        <a:defRPr sz="1400">
+                          <a:latin typeface="Montserrat Light"/>
+                          <a:ea typeface="Montserrat Light"/>
+                          <a:cs typeface="Montserrat Light"/>
+                          <a:sym typeface="Montserrat Light"/>
+                        </a:defRPr>
+                      </a:pPr>
+                      <a:r>
+                        <a:t>  constructor(props) {</a:t>
+                      </a:r>
+                    </a:p>
+                    <a:p>
+                      <a:pPr algn="just">
+                        <a:spcBef>
+                          <a:spcPts val="500"/>
+                        </a:spcBef>
+                        <a:defRPr sz="1400">
+                          <a:latin typeface="Montserrat Light"/>
+                          <a:ea typeface="Montserrat Light"/>
+                          <a:cs typeface="Montserrat Light"/>
+                          <a:sym typeface="Montserrat Light"/>
+                        </a:defRPr>
+                      </a:pPr>
+                      <a:r>
+                        <a:t>    super(props);</a:t>
+                      </a:r>
+                    </a:p>
+                    <a:p>
+                      <a:pPr algn="just">
+                        <a:spcBef>
+                          <a:spcPts val="500"/>
+                        </a:spcBef>
+                        <a:defRPr sz="1400">
+                          <a:latin typeface="Montserrat Light"/>
+                          <a:ea typeface="Montserrat Light"/>
+                          <a:cs typeface="Montserrat Light"/>
+                          <a:sym typeface="Montserrat Light"/>
+                        </a:defRPr>
+                      </a:pPr>
+                      <a:r>
+                        <a:t>    this.state = {</a:t>
+                      </a:r>
+                    </a:p>
+                    <a:p>
+                      <a:pPr algn="just">
+                        <a:spcBef>
+                          <a:spcPts val="500"/>
+                        </a:spcBef>
+                        <a:defRPr sz="1400">
+                          <a:latin typeface="Montserrat Light"/>
+                          <a:ea typeface="Montserrat Light"/>
+                          <a:cs typeface="Montserrat Light"/>
+                          <a:sym typeface="Montserrat Light"/>
+                        </a:defRPr>
+                      </a:pPr>
+                      <a:r>
+                        <a:t>      error: null,</a:t>
+                      </a:r>
+                    </a:p>
+                    <a:p>
+                      <a:pPr algn="just">
+                        <a:spcBef>
+                          <a:spcPts val="500"/>
+                        </a:spcBef>
+                        <a:defRPr sz="1400">
+                          <a:latin typeface="Montserrat Light"/>
+                          <a:ea typeface="Montserrat Light"/>
+                          <a:cs typeface="Montserrat Light"/>
+                          <a:sym typeface="Montserrat Light"/>
+                        </a:defRPr>
+                      </a:pPr>
+                      <a:r>
+                        <a:t>      isLoaded: false,</a:t>
+                      </a:r>
+                    </a:p>
+                    <a:p>
+                      <a:pPr algn="just">
+                        <a:spcBef>
+                          <a:spcPts val="500"/>
+                        </a:spcBef>
+                        <a:defRPr sz="1400">
+                          <a:latin typeface="Montserrat Light"/>
+                          <a:ea typeface="Montserrat Light"/>
+                          <a:cs typeface="Montserrat Light"/>
+                          <a:sym typeface="Montserrat Light"/>
+                        </a:defRPr>
+                      </a:pPr>
+                      <a:r>
+                        <a:t>      items: [] };}</a:t>
+                      </a:r>
+                    </a:p>
+                  </a:txBody>
+                  <a:tcPr marL="63500" marR="63500" marT="63500" marB="63500" anchor="t" anchorCtr="0" horzOverflow="overflow">
+                    <a:lnL w="19050">
+                      <a:solidFill>
+                        <a:srgbClr val="FFFFFF"/>
+                      </a:solidFill>
+                    </a:lnL>
+                    <a:lnR w="19050">
+                      <a:solidFill>
+                        <a:srgbClr val="FFFFFF"/>
+                      </a:solidFill>
+                    </a:lnR>
+                    <a:lnT w="19050">
+                      <a:solidFill>
+                        <a:srgbClr val="FFFFFF"/>
+                      </a:solidFill>
+                    </a:lnT>
+                    <a:lnB w="19050">
+                      <a:solidFill>
+                        <a:srgbClr val="FFFFFF"/>
+                      </a:solidFill>
+                    </a:lnB>
+                    <a:solidFill>
+                      <a:srgbClr val="EAEFF5"/>
+                    </a:solidFill>
+                  </a:tcPr>
+                </a:tc>
+              </a:tr>
+            </a:tbl>
+          </a:graphicData>
+        </a:graphic>
+      </p:graphicFrame>
     </p:spTree>
   </p:cSld>
   <p:clrMapOvr>
@@ -15206,13 +10753,7 @@
           <a:effectLst/>
         </a:effectStyle>
         <a:effectStyle>
-          <a:effectLst>
-            <a:outerShdw sx="100000" sy="100000" kx="0" ky="0" algn="b" rotWithShape="0" blurRad="38100" dist="20000" dir="5400000">
-              <a:srgbClr val="000000">
-                <a:alpha val="38000"/>
-              </a:srgbClr>
-            </a:outerShdw>
-          </a:effectLst>
+          <a:effectLst/>
         </a:effectStyle>
       </a:effectStyleLst>
       <a:bgFillStyleLst>
@@ -15311,10 +10852,10 @@
             </a:solidFill>
             <a:effectLst/>
             <a:uFillTx/>
-            <a:latin typeface="+mj-lt"/>
-            <a:ea typeface="+mj-ea"/>
-            <a:cs typeface="+mj-cs"/>
-            <a:sym typeface="Arial"/>
+            <a:latin typeface="+mn-lt"/>
+            <a:ea typeface="+mn-ea"/>
+            <a:cs typeface="+mn-cs"/>
+            <a:sym typeface="Helvetica"/>
           </a:defRPr>
         </a:defPPr>
         <a:lvl1pPr marL="0" marR="0" indent="0" algn="l" defTabSz="914400" rtl="0" fontAlgn="auto" latinLnBrk="1" hangingPunct="0">
@@ -15569,13 +11110,7 @@
           <a:prstDash val="solid"/>
           <a:round/>
         </a:ln>
-        <a:effectLst>
-          <a:outerShdw sx="100000" sy="100000" kx="0" ky="0" algn="b" rotWithShape="0" blurRad="38100" dist="20000" dir="5400000">
-            <a:srgbClr val="000000">
-              <a:alpha val="38000"/>
-            </a:srgbClr>
-          </a:outerShdw>
-        </a:effectLst>
+        <a:effectLst/>
         <a:sp3d/>
       </a:spPr>
       <a:bodyPr rot="0" spcFirstLastPara="1" vertOverflow="overflow" horzOverflow="overflow" vert="horz" wrap="square" lIns="91439" tIns="45719" rIns="91439" bIns="45719" numCol="1" spcCol="38100" rtlCol="0" anchor="t" upright="0">
@@ -15888,10 +11423,10 @@
             </a:solidFill>
             <a:effectLst/>
             <a:uFillTx/>
-            <a:latin typeface="+mj-lt"/>
-            <a:ea typeface="+mj-ea"/>
-            <a:cs typeface="+mj-cs"/>
-            <a:sym typeface="Arial"/>
+            <a:latin typeface="+mn-lt"/>
+            <a:ea typeface="+mn-ea"/>
+            <a:cs typeface="+mn-cs"/>
+            <a:sym typeface="Helvetica"/>
           </a:defRPr>
         </a:defPPr>
         <a:lvl1pPr marL="0" marR="0" indent="0" algn="l" defTabSz="914400" rtl="0" fontAlgn="auto" latinLnBrk="1" hangingPunct="0">
@@ -16272,13 +11807,7 @@
           <a:effectLst/>
         </a:effectStyle>
         <a:effectStyle>
-          <a:effectLst>
-            <a:outerShdw sx="100000" sy="100000" kx="0" ky="0" algn="b" rotWithShape="0" blurRad="38100" dist="20000" dir="5400000">
-              <a:srgbClr val="000000">
-                <a:alpha val="38000"/>
-              </a:srgbClr>
-            </a:outerShdw>
-          </a:effectLst>
+          <a:effectLst/>
         </a:effectStyle>
       </a:effectStyleLst>
       <a:bgFillStyleLst>
@@ -16377,10 +11906,10 @@
             </a:solidFill>
             <a:effectLst/>
             <a:uFillTx/>
-            <a:latin typeface="+mj-lt"/>
-            <a:ea typeface="+mj-ea"/>
-            <a:cs typeface="+mj-cs"/>
-            <a:sym typeface="Arial"/>
+            <a:latin typeface="+mn-lt"/>
+            <a:ea typeface="+mn-ea"/>
+            <a:cs typeface="+mn-cs"/>
+            <a:sym typeface="Helvetica"/>
           </a:defRPr>
         </a:defPPr>
         <a:lvl1pPr marL="0" marR="0" indent="0" algn="l" defTabSz="914400" rtl="0" fontAlgn="auto" latinLnBrk="1" hangingPunct="0">
@@ -16635,13 +12164,7 @@
           <a:prstDash val="solid"/>
           <a:round/>
         </a:ln>
-        <a:effectLst>
-          <a:outerShdw sx="100000" sy="100000" kx="0" ky="0" algn="b" rotWithShape="0" blurRad="38100" dist="20000" dir="5400000">
-            <a:srgbClr val="000000">
-              <a:alpha val="38000"/>
-            </a:srgbClr>
-          </a:outerShdw>
-        </a:effectLst>
+        <a:effectLst/>
         <a:sp3d/>
       </a:spPr>
       <a:bodyPr rot="0" spcFirstLastPara="1" vertOverflow="overflow" horzOverflow="overflow" vert="horz" wrap="square" lIns="91439" tIns="45719" rIns="91439" bIns="45719" numCol="1" spcCol="38100" rtlCol="0" anchor="t" upright="0">
@@ -16954,10 +12477,10 @@
             </a:solidFill>
             <a:effectLst/>
             <a:uFillTx/>
-            <a:latin typeface="+mj-lt"/>
-            <a:ea typeface="+mj-ea"/>
-            <a:cs typeface="+mj-cs"/>
-            <a:sym typeface="Arial"/>
+            <a:latin typeface="+mn-lt"/>
+            <a:ea typeface="+mn-ea"/>
+            <a:cs typeface="+mn-cs"/>
+            <a:sym typeface="Helvetica"/>
           </a:defRPr>
         </a:defPPr>
         <a:lvl1pPr marL="0" marR="0" indent="0" algn="l" defTabSz="914400" rtl="0" fontAlgn="auto" latinLnBrk="1" hangingPunct="0">

--- a/Week2/Day1/FullStackWithReactAndExpress.pptx
+++ b/Week2/Day1/FullStackWithReactAndExpress.pptx
@@ -9357,9 +9357,8 @@
         </p:spPr>
         <p:txBody>
           <a:bodyPr/>
-          <a:lstStyle/>
-          <a:p>
-            <a:pPr indent="-381000">
+          <a:lstStyle>
+            <a:lvl1pPr indent="-381000">
               <a:lnSpc>
                 <a:spcPct val="115000"/>
               </a:lnSpc>
@@ -9374,29 +9373,12 @@
                   <a:srgbClr val="FFFFFF"/>
                 </a:solidFill>
               </a:defRPr>
-            </a:pPr>
+            </a:lvl1pPr>
+          </a:lstStyle>
+          <a:p>
+            <a:pPr/>
             <a:r>
               <a:t>Learn how to connect our API to a react front end application.</a:t>
-            </a:r>
-          </a:p>
-          <a:p>
-            <a:pPr indent="-381000">
-              <a:lnSpc>
-                <a:spcPct val="115000"/>
-              </a:lnSpc>
-              <a:buClr>
-                <a:srgbClr val="FFFFFF"/>
-              </a:buClr>
-              <a:buSzPts val="2400"/>
-              <a:buChar char="❖"/>
-              <a:defRPr sz="2400">
-                <a:solidFill>
-                  <a:srgbClr val="FFFFFF"/>
-                </a:solidFill>
-              </a:defRPr>
-            </a:pPr>
-            <a:r>
-              <a:t>We will also be covering the basics of react hooks( modern way of writing react components without state) in this lesson</a:t>
             </a:r>
           </a:p>
         </p:txBody>
